--- a/Documentation/Schematic/Senior Project Schematic.pptx
+++ b/Documentation/Schematic/Senior Project Schematic.pptx
@@ -104,6 +104,11 @@
       </a:defRPr>
     </a:lvl9pPr>
   </p:defaultTextStyle>
+  <p:extLst>
+    <p:ext uri="{EFAFB233-063F-42B5-8137-9DF3F51BA10A}">
+      <p15:sldGuideLst xmlns:p15="http://schemas.microsoft.com/office/powerpoint/2012/main"/>
+    </p:ext>
+  </p:extLst>
 </p:presentation>
 </file>
 
@@ -238,7 +243,7 @@
           <a:p>
             <a:fld id="{C2D1F884-979D-4455-8E98-4EC1F6CF7CF2}" type="datetimeFigureOut">
               <a:rPr lang="en-US" smtClean="0"/>
-              <a:t>4/12/2016</a:t>
+              <a:t>4/13/2016</a:t>
             </a:fld>
             <a:endParaRPr lang="en-US"/>
           </a:p>
@@ -408,7 +413,7 @@
           <a:p>
             <a:fld id="{C2D1F884-979D-4455-8E98-4EC1F6CF7CF2}" type="datetimeFigureOut">
               <a:rPr lang="en-US" smtClean="0"/>
-              <a:t>4/12/2016</a:t>
+              <a:t>4/13/2016</a:t>
             </a:fld>
             <a:endParaRPr lang="en-US"/>
           </a:p>
@@ -588,7 +593,7 @@
           <a:p>
             <a:fld id="{C2D1F884-979D-4455-8E98-4EC1F6CF7CF2}" type="datetimeFigureOut">
               <a:rPr lang="en-US" smtClean="0"/>
-              <a:t>4/12/2016</a:t>
+              <a:t>4/13/2016</a:t>
             </a:fld>
             <a:endParaRPr lang="en-US"/>
           </a:p>
@@ -758,7 +763,7 @@
           <a:p>
             <a:fld id="{C2D1F884-979D-4455-8E98-4EC1F6CF7CF2}" type="datetimeFigureOut">
               <a:rPr lang="en-US" smtClean="0"/>
-              <a:t>4/12/2016</a:t>
+              <a:t>4/13/2016</a:t>
             </a:fld>
             <a:endParaRPr lang="en-US"/>
           </a:p>
@@ -1004,7 +1009,7 @@
           <a:p>
             <a:fld id="{C2D1F884-979D-4455-8E98-4EC1F6CF7CF2}" type="datetimeFigureOut">
               <a:rPr lang="en-US" smtClean="0"/>
-              <a:t>4/12/2016</a:t>
+              <a:t>4/13/2016</a:t>
             </a:fld>
             <a:endParaRPr lang="en-US"/>
           </a:p>
@@ -1236,7 +1241,7 @@
           <a:p>
             <a:fld id="{C2D1F884-979D-4455-8E98-4EC1F6CF7CF2}" type="datetimeFigureOut">
               <a:rPr lang="en-US" smtClean="0"/>
-              <a:t>4/12/2016</a:t>
+              <a:t>4/13/2016</a:t>
             </a:fld>
             <a:endParaRPr lang="en-US"/>
           </a:p>
@@ -1603,7 +1608,7 @@
           <a:p>
             <a:fld id="{C2D1F884-979D-4455-8E98-4EC1F6CF7CF2}" type="datetimeFigureOut">
               <a:rPr lang="en-US" smtClean="0"/>
-              <a:t>4/12/2016</a:t>
+              <a:t>4/13/2016</a:t>
             </a:fld>
             <a:endParaRPr lang="en-US"/>
           </a:p>
@@ -1721,7 +1726,7 @@
           <a:p>
             <a:fld id="{C2D1F884-979D-4455-8E98-4EC1F6CF7CF2}" type="datetimeFigureOut">
               <a:rPr lang="en-US" smtClean="0"/>
-              <a:t>4/12/2016</a:t>
+              <a:t>4/13/2016</a:t>
             </a:fld>
             <a:endParaRPr lang="en-US"/>
           </a:p>
@@ -1816,7 +1821,7 @@
           <a:p>
             <a:fld id="{C2D1F884-979D-4455-8E98-4EC1F6CF7CF2}" type="datetimeFigureOut">
               <a:rPr lang="en-US" smtClean="0"/>
-              <a:t>4/12/2016</a:t>
+              <a:t>4/13/2016</a:t>
             </a:fld>
             <a:endParaRPr lang="en-US"/>
           </a:p>
@@ -2093,7 +2098,7 @@
           <a:p>
             <a:fld id="{C2D1F884-979D-4455-8E98-4EC1F6CF7CF2}" type="datetimeFigureOut">
               <a:rPr lang="en-US" smtClean="0"/>
-              <a:t>4/12/2016</a:t>
+              <a:t>4/13/2016</a:t>
             </a:fld>
             <a:endParaRPr lang="en-US"/>
           </a:p>
@@ -2346,7 +2351,7 @@
           <a:p>
             <a:fld id="{C2D1F884-979D-4455-8E98-4EC1F6CF7CF2}" type="datetimeFigureOut">
               <a:rPr lang="en-US" smtClean="0"/>
-              <a:t>4/12/2016</a:t>
+              <a:t>4/13/2016</a:t>
             </a:fld>
             <a:endParaRPr lang="en-US"/>
           </a:p>
@@ -2559,7 +2564,7 @@
           <a:p>
             <a:fld id="{C2D1F884-979D-4455-8E98-4EC1F6CF7CF2}" type="datetimeFigureOut">
               <a:rPr lang="en-US" smtClean="0"/>
-              <a:t>4/12/2016</a:t>
+              <a:t>4/13/2016</a:t>
             </a:fld>
             <a:endParaRPr lang="en-US"/>
           </a:p>
@@ -2964,36 +2969,1430 @@
           <a:chExt cx="0" cy="0"/>
         </a:xfrm>
       </p:grpSpPr>
+      <p:pic>
+        <p:nvPicPr>
+          <p:cNvPr id="11" name="Picture 10"/>
+          <p:cNvPicPr>
+            <a:picLocks noChangeAspect="1"/>
+          </p:cNvPicPr>
+          <p:nvPr/>
+        </p:nvPicPr>
+        <p:blipFill>
+          <a:blip r:embed="rId2"/>
+          <a:stretch>
+            <a:fillRect/>
+          </a:stretch>
+        </p:blipFill>
+        <p:spPr>
+          <a:xfrm>
+            <a:off x="10672548" y="1"/>
+            <a:ext cx="1519451" cy="1551780"/>
+          </a:xfrm>
+          <a:prstGeom prst="rect">
+            <a:avLst/>
+          </a:prstGeom>
+        </p:spPr>
+      </p:pic>
+      <p:pic>
+        <p:nvPicPr>
+          <p:cNvPr id="13" name="Picture 12"/>
+          <p:cNvPicPr>
+            <a:picLocks noChangeAspect="1"/>
+          </p:cNvPicPr>
+          <p:nvPr/>
+        </p:nvPicPr>
+        <p:blipFill>
+          <a:blip r:embed="rId2"/>
+          <a:stretch>
+            <a:fillRect/>
+          </a:stretch>
+        </p:blipFill>
+        <p:spPr>
+          <a:xfrm>
+            <a:off x="10672548" y="3441465"/>
+            <a:ext cx="1519452" cy="1551781"/>
+          </a:xfrm>
+          <a:prstGeom prst="rect">
+            <a:avLst/>
+          </a:prstGeom>
+        </p:spPr>
+      </p:pic>
       <p:grpSp>
         <p:nvGrpSpPr>
-          <p:cNvPr id="9" name="Group 8"/>
+          <p:cNvPr id="49" name="Group 48"/>
           <p:cNvGrpSpPr/>
           <p:nvPr/>
         </p:nvGrpSpPr>
         <p:grpSpPr>
           <a:xfrm>
-            <a:off x="4476123" y="2788277"/>
-            <a:ext cx="2534277" cy="4069723"/>
-            <a:chOff x="4134117" y="1661376"/>
-            <a:chExt cx="2635810" cy="4069723"/>
+            <a:off x="7896835" y="346677"/>
+            <a:ext cx="2044790" cy="1313232"/>
+            <a:chOff x="7896835" y="346677"/>
+            <a:chExt cx="2044790" cy="1313232"/>
+          </a:xfrm>
+        </p:grpSpPr>
+        <p:grpSp>
+          <p:nvGrpSpPr>
+            <p:cNvPr id="3" name="Group 2"/>
+            <p:cNvGrpSpPr/>
+            <p:nvPr/>
+          </p:nvGrpSpPr>
+          <p:grpSpPr>
+            <a:xfrm>
+              <a:off x="8139118" y="346677"/>
+              <a:ext cx="1802507" cy="1205104"/>
+              <a:chOff x="823918" y="1707654"/>
+              <a:chExt cx="1802507" cy="1205104"/>
+            </a:xfrm>
+          </p:grpSpPr>
+          <p:sp>
+            <p:nvSpPr>
+              <p:cNvPr id="12" name="Rectangle 11"/>
+              <p:cNvSpPr/>
+              <p:nvPr/>
+            </p:nvSpPr>
+            <p:spPr>
+              <a:xfrm>
+                <a:off x="892157" y="1707654"/>
+                <a:ext cx="1550791" cy="1205104"/>
+              </a:xfrm>
+              <a:prstGeom prst="rect">
+                <a:avLst/>
+              </a:prstGeom>
+              <a:solidFill>
+                <a:schemeClr val="bg1"/>
+              </a:solidFill>
+              <a:ln w="19050">
+                <a:solidFill>
+                  <a:schemeClr val="tx1"/>
+                </a:solidFill>
+              </a:ln>
+            </p:spPr>
+            <p:style>
+              <a:lnRef idx="2">
+                <a:schemeClr val="accent1">
+                  <a:shade val="50000"/>
+                </a:schemeClr>
+              </a:lnRef>
+              <a:fillRef idx="1">
+                <a:schemeClr val="accent1"/>
+              </a:fillRef>
+              <a:effectRef idx="0">
+                <a:schemeClr val="accent1"/>
+              </a:effectRef>
+              <a:fontRef idx="minor">
+                <a:schemeClr val="lt1"/>
+              </a:fontRef>
+            </p:style>
+            <p:txBody>
+              <a:bodyPr rtlCol="0" anchor="ctr"/>
+              <a:lstStyle/>
+              <a:p>
+                <a:pPr algn="ctr"/>
+                <a:endParaRPr lang="en-US"/>
+              </a:p>
+            </p:txBody>
+          </p:sp>
+          <p:sp>
+            <p:nvSpPr>
+              <p:cNvPr id="15" name="TextBox 14"/>
+              <p:cNvSpPr txBox="1"/>
+              <p:nvPr/>
+            </p:nvSpPr>
+            <p:spPr>
+              <a:xfrm>
+                <a:off x="871519" y="1707654"/>
+                <a:ext cx="1754906" cy="369332"/>
+              </a:xfrm>
+              <a:prstGeom prst="rect">
+                <a:avLst/>
+              </a:prstGeom>
+              <a:noFill/>
+            </p:spPr>
+            <p:txBody>
+              <a:bodyPr wrap="square" rtlCol="0">
+                <a:spAutoFit/>
+              </a:bodyPr>
+              <a:lstStyle/>
+              <a:p>
+                <a:r>
+                  <a:rPr lang="en-US" dirty="0" smtClean="0"/>
+                  <a:t>TB6560 DRIVER</a:t>
+                </a:r>
+                <a:endParaRPr lang="en-US" dirty="0"/>
+              </a:p>
+            </p:txBody>
+          </p:sp>
+          <p:sp>
+            <p:nvSpPr>
+              <p:cNvPr id="16" name="TextBox 15"/>
+              <p:cNvSpPr txBox="1"/>
+              <p:nvPr/>
+            </p:nvSpPr>
+            <p:spPr>
+              <a:xfrm>
+                <a:off x="2220896" y="1958651"/>
+                <a:ext cx="362197" cy="954107"/>
+              </a:xfrm>
+              <a:prstGeom prst="rect">
+                <a:avLst/>
+              </a:prstGeom>
+              <a:noFill/>
+            </p:spPr>
+            <p:txBody>
+              <a:bodyPr wrap="square" rtlCol="0">
+                <a:spAutoFit/>
+              </a:bodyPr>
+              <a:lstStyle/>
+              <a:p>
+                <a:r>
+                  <a:rPr lang="en-US" sz="1400" dirty="0" smtClean="0"/>
+                  <a:t>A</a:t>
+                </a:r>
+              </a:p>
+              <a:p>
+                <a:r>
+                  <a:rPr lang="en-US" sz="1400" dirty="0" smtClean="0"/>
+                  <a:t>Ā</a:t>
+                </a:r>
+                <a:endParaRPr lang="en-US" sz="1400" dirty="0"/>
+              </a:p>
+              <a:p>
+                <a:r>
+                  <a:rPr lang="en-US" sz="1400" dirty="0" smtClean="0"/>
+                  <a:t>B</a:t>
+                </a:r>
+              </a:p>
+              <a:p>
+                <a:r>
+                  <a:rPr lang="en-US" sz="1400" dirty="0" smtClean="0"/>
+                  <a:t>Ḇ</a:t>
+                </a:r>
+              </a:p>
+            </p:txBody>
+          </p:sp>
+          <p:sp>
+            <p:nvSpPr>
+              <p:cNvPr id="17" name="TextBox 16"/>
+              <p:cNvSpPr txBox="1"/>
+              <p:nvPr/>
+            </p:nvSpPr>
+            <p:spPr>
+              <a:xfrm>
+                <a:off x="823918" y="1958651"/>
+                <a:ext cx="581803" cy="954107"/>
+              </a:xfrm>
+              <a:prstGeom prst="rect">
+                <a:avLst/>
+              </a:prstGeom>
+              <a:noFill/>
+            </p:spPr>
+            <p:txBody>
+              <a:bodyPr wrap="square" rtlCol="0">
+                <a:spAutoFit/>
+              </a:bodyPr>
+              <a:lstStyle/>
+              <a:p>
+                <a:r>
+                  <a:rPr lang="en-US" sz="1400" dirty="0" smtClean="0"/>
+                  <a:t>CLK+</a:t>
+                </a:r>
+              </a:p>
+              <a:p>
+                <a:r>
+                  <a:rPr lang="en-US" sz="1400" dirty="0" smtClean="0"/>
+                  <a:t>DIR+</a:t>
+                </a:r>
+              </a:p>
+              <a:p>
+                <a:r>
+                  <a:rPr lang="en-US" sz="1400" dirty="0" smtClean="0"/>
+                  <a:t>+24V</a:t>
+                </a:r>
+              </a:p>
+              <a:p>
+                <a:r>
+                  <a:rPr lang="en-US" sz="1400" dirty="0" smtClean="0"/>
+                  <a:t>GND</a:t>
+                </a:r>
+              </a:p>
+            </p:txBody>
+          </p:sp>
+        </p:grpSp>
+        <p:grpSp>
+          <p:nvGrpSpPr>
+            <p:cNvPr id="36" name="Group 208"/>
+            <p:cNvGrpSpPr>
+              <a:grpSpLocks/>
+            </p:cNvGrpSpPr>
+            <p:nvPr/>
+          </p:nvGrpSpPr>
+          <p:grpSpPr bwMode="auto">
+            <a:xfrm>
+              <a:off x="7896835" y="1528706"/>
+              <a:ext cx="254089" cy="131203"/>
+              <a:chOff x="304800" y="1600994"/>
+              <a:chExt cx="457200" cy="229394"/>
+            </a:xfrm>
+          </p:grpSpPr>
+          <p:cxnSp>
+            <p:nvCxnSpPr>
+              <p:cNvPr id="37" name="Straight Connector 36"/>
+              <p:cNvCxnSpPr/>
+              <p:nvPr/>
+            </p:nvCxnSpPr>
+            <p:spPr>
+              <a:xfrm>
+                <a:off x="304800" y="1676931"/>
+                <a:ext cx="457200" cy="1582"/>
+              </a:xfrm>
+              <a:prstGeom prst="line">
+                <a:avLst/>
+              </a:prstGeom>
+              <a:ln>
+                <a:solidFill>
+                  <a:schemeClr val="tx1"/>
+                </a:solidFill>
+              </a:ln>
+            </p:spPr>
+            <p:style>
+              <a:lnRef idx="1">
+                <a:schemeClr val="accent1"/>
+              </a:lnRef>
+              <a:fillRef idx="0">
+                <a:schemeClr val="accent1"/>
+              </a:fillRef>
+              <a:effectRef idx="0">
+                <a:schemeClr val="accent1"/>
+              </a:effectRef>
+              <a:fontRef idx="minor">
+                <a:schemeClr val="tx1"/>
+              </a:fontRef>
+            </p:style>
+          </p:cxnSp>
+          <p:cxnSp>
+            <p:nvCxnSpPr>
+              <p:cNvPr id="38" name="Straight Connector 37"/>
+              <p:cNvCxnSpPr/>
+              <p:nvPr/>
+            </p:nvCxnSpPr>
+            <p:spPr>
+              <a:xfrm>
+                <a:off x="457200" y="1828806"/>
+                <a:ext cx="153988" cy="1582"/>
+              </a:xfrm>
+              <a:prstGeom prst="line">
+                <a:avLst/>
+              </a:prstGeom>
+              <a:ln>
+                <a:solidFill>
+                  <a:schemeClr val="tx1"/>
+                </a:solidFill>
+              </a:ln>
+            </p:spPr>
+            <p:style>
+              <a:lnRef idx="1">
+                <a:schemeClr val="accent1"/>
+              </a:lnRef>
+              <a:fillRef idx="0">
+                <a:schemeClr val="accent1"/>
+              </a:fillRef>
+              <a:effectRef idx="0">
+                <a:schemeClr val="accent1"/>
+              </a:effectRef>
+              <a:fontRef idx="minor">
+                <a:schemeClr val="tx1"/>
+              </a:fontRef>
+            </p:style>
+          </p:cxnSp>
+          <p:cxnSp>
+            <p:nvCxnSpPr>
+              <p:cNvPr id="39" name="Straight Connector 38"/>
+              <p:cNvCxnSpPr/>
+              <p:nvPr/>
+            </p:nvCxnSpPr>
+            <p:spPr>
+              <a:xfrm rot="5400000" flipH="1" flipV="1">
+                <a:off x="495432" y="1637375"/>
+                <a:ext cx="75937" cy="3175"/>
+              </a:xfrm>
+              <a:prstGeom prst="line">
+                <a:avLst/>
+              </a:prstGeom>
+              <a:ln>
+                <a:solidFill>
+                  <a:schemeClr val="tx1"/>
+                </a:solidFill>
+              </a:ln>
+            </p:spPr>
+            <p:style>
+              <a:lnRef idx="1">
+                <a:schemeClr val="accent1"/>
+              </a:lnRef>
+              <a:fillRef idx="0">
+                <a:schemeClr val="accent1"/>
+              </a:fillRef>
+              <a:effectRef idx="0">
+                <a:schemeClr val="accent1"/>
+              </a:effectRef>
+              <a:fontRef idx="minor">
+                <a:schemeClr val="tx1"/>
+              </a:fontRef>
+            </p:style>
+          </p:cxnSp>
+          <p:cxnSp>
+            <p:nvCxnSpPr>
+              <p:cNvPr id="40" name="Straight Connector 39"/>
+              <p:cNvCxnSpPr/>
+              <p:nvPr/>
+            </p:nvCxnSpPr>
+            <p:spPr>
+              <a:xfrm>
+                <a:off x="381000" y="1752869"/>
+                <a:ext cx="304800" cy="1582"/>
+              </a:xfrm>
+              <a:prstGeom prst="line">
+                <a:avLst/>
+              </a:prstGeom>
+              <a:ln>
+                <a:solidFill>
+                  <a:schemeClr val="tx1"/>
+                </a:solidFill>
+              </a:ln>
+            </p:spPr>
+            <p:style>
+              <a:lnRef idx="1">
+                <a:schemeClr val="accent1"/>
+              </a:lnRef>
+              <a:fillRef idx="0">
+                <a:schemeClr val="accent1"/>
+              </a:fillRef>
+              <a:effectRef idx="0">
+                <a:schemeClr val="accent1"/>
+              </a:effectRef>
+              <a:fontRef idx="minor">
+                <a:schemeClr val="tx1"/>
+              </a:fontRef>
+            </p:style>
+          </p:cxnSp>
+        </p:grpSp>
+        <p:cxnSp>
+          <p:nvCxnSpPr>
+            <p:cNvPr id="44" name="Elbow Connector 43"/>
+            <p:cNvCxnSpPr/>
+            <p:nvPr/>
+          </p:nvCxnSpPr>
+          <p:spPr>
+            <a:xfrm rot="10800000" flipV="1">
+              <a:off x="8022999" y="1365756"/>
+              <a:ext cx="184359" cy="162950"/>
+            </a:xfrm>
+            <a:prstGeom prst="bentConnector3">
+              <a:avLst>
+                <a:gd name="adj1" fmla="val 101820"/>
+              </a:avLst>
+            </a:prstGeom>
+            <a:ln>
+              <a:solidFill>
+                <a:schemeClr val="tx1"/>
+              </a:solidFill>
+            </a:ln>
+          </p:spPr>
+          <p:style>
+            <a:lnRef idx="1">
+              <a:schemeClr val="accent1"/>
+            </a:lnRef>
+            <a:fillRef idx="0">
+              <a:schemeClr val="accent1"/>
+            </a:fillRef>
+            <a:effectRef idx="0">
+              <a:schemeClr val="accent1"/>
+            </a:effectRef>
+            <a:fontRef idx="minor">
+              <a:schemeClr val="tx1"/>
+            </a:fontRef>
+          </p:style>
+        </p:cxnSp>
+      </p:grpSp>
+      <p:grpSp>
+        <p:nvGrpSpPr>
+          <p:cNvPr id="48" name="Group 47"/>
+          <p:cNvGrpSpPr/>
+          <p:nvPr/>
+        </p:nvGrpSpPr>
+        <p:grpSpPr>
+          <a:xfrm>
+            <a:off x="7885029" y="5303089"/>
+            <a:ext cx="2056596" cy="1339601"/>
+            <a:chOff x="7885029" y="5303089"/>
+            <a:chExt cx="2056596" cy="1339601"/>
+          </a:xfrm>
+        </p:grpSpPr>
+        <p:grpSp>
+          <p:nvGrpSpPr>
+            <p:cNvPr id="18" name="Group 17"/>
+            <p:cNvGrpSpPr/>
+            <p:nvPr/>
+          </p:nvGrpSpPr>
+          <p:grpSpPr>
+            <a:xfrm>
+              <a:off x="8139118" y="5303089"/>
+              <a:ext cx="1802507" cy="1205104"/>
+              <a:chOff x="823918" y="1707654"/>
+              <a:chExt cx="1802507" cy="1205104"/>
+            </a:xfrm>
+          </p:grpSpPr>
+          <p:sp>
+            <p:nvSpPr>
+              <p:cNvPr id="19" name="Rectangle 18"/>
+              <p:cNvSpPr/>
+              <p:nvPr/>
+            </p:nvSpPr>
+            <p:spPr>
+              <a:xfrm>
+                <a:off x="892157" y="1707654"/>
+                <a:ext cx="1550791" cy="1205104"/>
+              </a:xfrm>
+              <a:prstGeom prst="rect">
+                <a:avLst/>
+              </a:prstGeom>
+              <a:solidFill>
+                <a:schemeClr val="bg1"/>
+              </a:solidFill>
+              <a:ln w="19050">
+                <a:solidFill>
+                  <a:schemeClr val="tx1"/>
+                </a:solidFill>
+              </a:ln>
+            </p:spPr>
+            <p:style>
+              <a:lnRef idx="2">
+                <a:schemeClr val="accent1">
+                  <a:shade val="50000"/>
+                </a:schemeClr>
+              </a:lnRef>
+              <a:fillRef idx="1">
+                <a:schemeClr val="accent1"/>
+              </a:fillRef>
+              <a:effectRef idx="0">
+                <a:schemeClr val="accent1"/>
+              </a:effectRef>
+              <a:fontRef idx="minor">
+                <a:schemeClr val="lt1"/>
+              </a:fontRef>
+            </p:style>
+            <p:txBody>
+              <a:bodyPr rtlCol="0" anchor="ctr"/>
+              <a:lstStyle/>
+              <a:p>
+                <a:pPr algn="ctr"/>
+                <a:endParaRPr lang="en-US"/>
+              </a:p>
+            </p:txBody>
+          </p:sp>
+          <p:sp>
+            <p:nvSpPr>
+              <p:cNvPr id="20" name="TextBox 19"/>
+              <p:cNvSpPr txBox="1"/>
+              <p:nvPr/>
+            </p:nvSpPr>
+            <p:spPr>
+              <a:xfrm>
+                <a:off x="871519" y="1707654"/>
+                <a:ext cx="1754906" cy="369332"/>
+              </a:xfrm>
+              <a:prstGeom prst="rect">
+                <a:avLst/>
+              </a:prstGeom>
+              <a:noFill/>
+            </p:spPr>
+            <p:txBody>
+              <a:bodyPr wrap="square" rtlCol="0">
+                <a:spAutoFit/>
+              </a:bodyPr>
+              <a:lstStyle/>
+              <a:p>
+                <a:r>
+                  <a:rPr lang="en-US" dirty="0" smtClean="0"/>
+                  <a:t>TB6560 DRIVER</a:t>
+                </a:r>
+                <a:endParaRPr lang="en-US" dirty="0"/>
+              </a:p>
+            </p:txBody>
+          </p:sp>
+          <p:sp>
+            <p:nvSpPr>
+              <p:cNvPr id="21" name="TextBox 20"/>
+              <p:cNvSpPr txBox="1"/>
+              <p:nvPr/>
+            </p:nvSpPr>
+            <p:spPr>
+              <a:xfrm>
+                <a:off x="2220896" y="1958651"/>
+                <a:ext cx="362197" cy="954107"/>
+              </a:xfrm>
+              <a:prstGeom prst="rect">
+                <a:avLst/>
+              </a:prstGeom>
+              <a:noFill/>
+            </p:spPr>
+            <p:txBody>
+              <a:bodyPr wrap="square" rtlCol="0">
+                <a:spAutoFit/>
+              </a:bodyPr>
+              <a:lstStyle/>
+              <a:p>
+                <a:r>
+                  <a:rPr lang="en-US" sz="1400" dirty="0" smtClean="0"/>
+                  <a:t>A</a:t>
+                </a:r>
+              </a:p>
+              <a:p>
+                <a:r>
+                  <a:rPr lang="en-US" sz="1400" dirty="0" smtClean="0"/>
+                  <a:t>Ā</a:t>
+                </a:r>
+                <a:endParaRPr lang="en-US" sz="1400" dirty="0"/>
+              </a:p>
+              <a:p>
+                <a:r>
+                  <a:rPr lang="en-US" sz="1400" dirty="0" smtClean="0"/>
+                  <a:t>B</a:t>
+                </a:r>
+              </a:p>
+              <a:p>
+                <a:r>
+                  <a:rPr lang="en-US" sz="1400" dirty="0" smtClean="0"/>
+                  <a:t>Ḇ</a:t>
+                </a:r>
+              </a:p>
+            </p:txBody>
+          </p:sp>
+          <p:sp>
+            <p:nvSpPr>
+              <p:cNvPr id="22" name="TextBox 21"/>
+              <p:cNvSpPr txBox="1"/>
+              <p:nvPr/>
+            </p:nvSpPr>
+            <p:spPr>
+              <a:xfrm>
+                <a:off x="823918" y="1958651"/>
+                <a:ext cx="581803" cy="954107"/>
+              </a:xfrm>
+              <a:prstGeom prst="rect">
+                <a:avLst/>
+              </a:prstGeom>
+              <a:noFill/>
+            </p:spPr>
+            <p:txBody>
+              <a:bodyPr wrap="square" rtlCol="0">
+                <a:spAutoFit/>
+              </a:bodyPr>
+              <a:lstStyle/>
+              <a:p>
+                <a:r>
+                  <a:rPr lang="en-US" sz="1400" dirty="0" smtClean="0"/>
+                  <a:t>CLK+</a:t>
+                </a:r>
+              </a:p>
+              <a:p>
+                <a:r>
+                  <a:rPr lang="en-US" sz="1400" dirty="0" smtClean="0"/>
+                  <a:t>DIR+</a:t>
+                </a:r>
+              </a:p>
+              <a:p>
+                <a:r>
+                  <a:rPr lang="en-US" sz="1400" dirty="0" smtClean="0"/>
+                  <a:t>+24V</a:t>
+                </a:r>
+              </a:p>
+              <a:p>
+                <a:r>
+                  <a:rPr lang="en-US" sz="1400" dirty="0" smtClean="0"/>
+                  <a:t>GND</a:t>
+                </a:r>
+              </a:p>
+            </p:txBody>
+          </p:sp>
+        </p:grpSp>
+        <p:grpSp>
+          <p:nvGrpSpPr>
+            <p:cNvPr id="31" name="Group 208"/>
+            <p:cNvGrpSpPr>
+              <a:grpSpLocks/>
+            </p:cNvGrpSpPr>
+            <p:nvPr/>
+          </p:nvGrpSpPr>
+          <p:grpSpPr bwMode="auto">
+            <a:xfrm>
+              <a:off x="7885029" y="6511487"/>
+              <a:ext cx="254089" cy="131203"/>
+              <a:chOff x="304800" y="1600994"/>
+              <a:chExt cx="457200" cy="229394"/>
+            </a:xfrm>
+          </p:grpSpPr>
+          <p:cxnSp>
+            <p:nvCxnSpPr>
+              <p:cNvPr id="32" name="Straight Connector 31"/>
+              <p:cNvCxnSpPr/>
+              <p:nvPr/>
+            </p:nvCxnSpPr>
+            <p:spPr>
+              <a:xfrm>
+                <a:off x="304800" y="1676931"/>
+                <a:ext cx="457200" cy="1582"/>
+              </a:xfrm>
+              <a:prstGeom prst="line">
+                <a:avLst/>
+              </a:prstGeom>
+              <a:ln>
+                <a:solidFill>
+                  <a:schemeClr val="tx1"/>
+                </a:solidFill>
+              </a:ln>
+            </p:spPr>
+            <p:style>
+              <a:lnRef idx="1">
+                <a:schemeClr val="accent1"/>
+              </a:lnRef>
+              <a:fillRef idx="0">
+                <a:schemeClr val="accent1"/>
+              </a:fillRef>
+              <a:effectRef idx="0">
+                <a:schemeClr val="accent1"/>
+              </a:effectRef>
+              <a:fontRef idx="minor">
+                <a:schemeClr val="tx1"/>
+              </a:fontRef>
+            </p:style>
+          </p:cxnSp>
+          <p:cxnSp>
+            <p:nvCxnSpPr>
+              <p:cNvPr id="33" name="Straight Connector 32"/>
+              <p:cNvCxnSpPr/>
+              <p:nvPr/>
+            </p:nvCxnSpPr>
+            <p:spPr>
+              <a:xfrm>
+                <a:off x="457200" y="1828806"/>
+                <a:ext cx="153988" cy="1582"/>
+              </a:xfrm>
+              <a:prstGeom prst="line">
+                <a:avLst/>
+              </a:prstGeom>
+              <a:ln>
+                <a:solidFill>
+                  <a:schemeClr val="tx1"/>
+                </a:solidFill>
+              </a:ln>
+            </p:spPr>
+            <p:style>
+              <a:lnRef idx="1">
+                <a:schemeClr val="accent1"/>
+              </a:lnRef>
+              <a:fillRef idx="0">
+                <a:schemeClr val="accent1"/>
+              </a:fillRef>
+              <a:effectRef idx="0">
+                <a:schemeClr val="accent1"/>
+              </a:effectRef>
+              <a:fontRef idx="minor">
+                <a:schemeClr val="tx1"/>
+              </a:fontRef>
+            </p:style>
+          </p:cxnSp>
+          <p:cxnSp>
+            <p:nvCxnSpPr>
+              <p:cNvPr id="34" name="Straight Connector 33"/>
+              <p:cNvCxnSpPr/>
+              <p:nvPr/>
+            </p:nvCxnSpPr>
+            <p:spPr>
+              <a:xfrm rot="5400000" flipH="1" flipV="1">
+                <a:off x="495432" y="1637375"/>
+                <a:ext cx="75937" cy="3175"/>
+              </a:xfrm>
+              <a:prstGeom prst="line">
+                <a:avLst/>
+              </a:prstGeom>
+              <a:ln>
+                <a:solidFill>
+                  <a:schemeClr val="tx1"/>
+                </a:solidFill>
+              </a:ln>
+            </p:spPr>
+            <p:style>
+              <a:lnRef idx="1">
+                <a:schemeClr val="accent1"/>
+              </a:lnRef>
+              <a:fillRef idx="0">
+                <a:schemeClr val="accent1"/>
+              </a:fillRef>
+              <a:effectRef idx="0">
+                <a:schemeClr val="accent1"/>
+              </a:effectRef>
+              <a:fontRef idx="minor">
+                <a:schemeClr val="tx1"/>
+              </a:fontRef>
+            </p:style>
+          </p:cxnSp>
+          <p:cxnSp>
+            <p:nvCxnSpPr>
+              <p:cNvPr id="35" name="Straight Connector 34"/>
+              <p:cNvCxnSpPr/>
+              <p:nvPr/>
+            </p:nvCxnSpPr>
+            <p:spPr>
+              <a:xfrm>
+                <a:off x="381000" y="1752869"/>
+                <a:ext cx="304800" cy="1582"/>
+              </a:xfrm>
+              <a:prstGeom prst="line">
+                <a:avLst/>
+              </a:prstGeom>
+              <a:ln>
+                <a:solidFill>
+                  <a:schemeClr val="tx1"/>
+                </a:solidFill>
+              </a:ln>
+            </p:spPr>
+            <p:style>
+              <a:lnRef idx="1">
+                <a:schemeClr val="accent1"/>
+              </a:lnRef>
+              <a:fillRef idx="0">
+                <a:schemeClr val="accent1"/>
+              </a:fillRef>
+              <a:effectRef idx="0">
+                <a:schemeClr val="accent1"/>
+              </a:effectRef>
+              <a:fontRef idx="minor">
+                <a:schemeClr val="tx1"/>
+              </a:fontRef>
+            </p:style>
+          </p:cxnSp>
+        </p:grpSp>
+        <p:cxnSp>
+          <p:nvCxnSpPr>
+            <p:cNvPr id="47" name="Elbow Connector 46"/>
+            <p:cNvCxnSpPr/>
+            <p:nvPr/>
+          </p:nvCxnSpPr>
+          <p:spPr>
+            <a:xfrm rot="10800000" flipV="1">
+              <a:off x="8011625" y="6335824"/>
+              <a:ext cx="184359" cy="162950"/>
+            </a:xfrm>
+            <a:prstGeom prst="bentConnector3">
+              <a:avLst>
+                <a:gd name="adj1" fmla="val 101820"/>
+              </a:avLst>
+            </a:prstGeom>
+            <a:ln>
+              <a:solidFill>
+                <a:schemeClr val="tx1"/>
+              </a:solidFill>
+            </a:ln>
+          </p:spPr>
+          <p:style>
+            <a:lnRef idx="1">
+              <a:schemeClr val="accent1"/>
+            </a:lnRef>
+            <a:fillRef idx="0">
+              <a:schemeClr val="accent1"/>
+            </a:fillRef>
+            <a:effectRef idx="0">
+              <a:schemeClr val="accent1"/>
+            </a:effectRef>
+            <a:fontRef idx="minor">
+              <a:schemeClr val="tx1"/>
+            </a:fontRef>
+          </p:style>
+        </p:cxnSp>
+      </p:grpSp>
+      <p:grpSp>
+        <p:nvGrpSpPr>
+          <p:cNvPr id="55" name="Group 54"/>
+          <p:cNvGrpSpPr/>
+          <p:nvPr/>
+        </p:nvGrpSpPr>
+        <p:grpSpPr>
+          <a:xfrm>
+            <a:off x="4778820" y="1892320"/>
+            <a:ext cx="2822983" cy="3352620"/>
+            <a:chOff x="4778820" y="1892320"/>
+            <a:chExt cx="2822983" cy="3352620"/>
+          </a:xfrm>
+        </p:grpSpPr>
+        <p:grpSp>
+          <p:nvGrpSpPr>
+            <p:cNvPr id="2" name="Group 1"/>
+            <p:cNvGrpSpPr/>
+            <p:nvPr/>
+          </p:nvGrpSpPr>
+          <p:grpSpPr>
+            <a:xfrm>
+              <a:off x="4778820" y="1892320"/>
+              <a:ext cx="2520629" cy="3284380"/>
+              <a:chOff x="4489772" y="3643605"/>
+              <a:chExt cx="2520629" cy="3284380"/>
+            </a:xfrm>
+          </p:grpSpPr>
+          <p:sp>
+            <p:nvSpPr>
+              <p:cNvPr id="4" name="Rectangle 3"/>
+              <p:cNvSpPr/>
+              <p:nvPr/>
+            </p:nvSpPr>
+            <p:spPr>
+              <a:xfrm>
+                <a:off x="4538038" y="3643605"/>
+                <a:ext cx="2427023" cy="3214364"/>
+              </a:xfrm>
+              <a:prstGeom prst="rect">
+                <a:avLst/>
+              </a:prstGeom>
+              <a:noFill/>
+              <a:ln w="28575">
+                <a:solidFill>
+                  <a:schemeClr val="tx1"/>
+                </a:solidFill>
+              </a:ln>
+            </p:spPr>
+            <p:style>
+              <a:lnRef idx="2">
+                <a:schemeClr val="accent1">
+                  <a:shade val="50000"/>
+                </a:schemeClr>
+              </a:lnRef>
+              <a:fillRef idx="1">
+                <a:schemeClr val="accent1"/>
+              </a:fillRef>
+              <a:effectRef idx="0">
+                <a:schemeClr val="accent1"/>
+              </a:effectRef>
+              <a:fontRef idx="minor">
+                <a:schemeClr val="lt1"/>
+              </a:fontRef>
+            </p:style>
+            <p:txBody>
+              <a:bodyPr rtlCol="0" anchor="ctr"/>
+              <a:lstStyle/>
+              <a:p>
+                <a:pPr algn="ctr"/>
+                <a:endParaRPr lang="en-US"/>
+              </a:p>
+            </p:txBody>
+          </p:sp>
+          <p:sp>
+            <p:nvSpPr>
+              <p:cNvPr id="5" name="TextBox 4"/>
+              <p:cNvSpPr txBox="1"/>
+              <p:nvPr/>
+            </p:nvSpPr>
+            <p:spPr>
+              <a:xfrm>
+                <a:off x="5041542" y="3643605"/>
+                <a:ext cx="1448784" cy="369502"/>
+              </a:xfrm>
+              <a:prstGeom prst="rect">
+                <a:avLst/>
+              </a:prstGeom>
+              <a:noFill/>
+            </p:spPr>
+            <p:txBody>
+              <a:bodyPr wrap="square" rtlCol="0">
+                <a:spAutoFit/>
+              </a:bodyPr>
+              <a:lstStyle/>
+              <a:p>
+                <a:r>
+                  <a:rPr lang="en-US" dirty="0" smtClean="0"/>
+                  <a:t>TM4C123GXL</a:t>
+                </a:r>
+                <a:endParaRPr lang="en-US" dirty="0"/>
+              </a:p>
+            </p:txBody>
+          </p:sp>
+          <p:sp>
+            <p:nvSpPr>
+              <p:cNvPr id="6" name="TextBox 5"/>
+              <p:cNvSpPr txBox="1"/>
+              <p:nvPr/>
+            </p:nvSpPr>
+            <p:spPr>
+              <a:xfrm>
+                <a:off x="5986821" y="3879595"/>
+                <a:ext cx="1023580" cy="3048390"/>
+              </a:xfrm>
+              <a:prstGeom prst="rect">
+                <a:avLst/>
+              </a:prstGeom>
+              <a:noFill/>
+            </p:spPr>
+            <p:txBody>
+              <a:bodyPr wrap="square" rtlCol="0">
+                <a:spAutoFit/>
+              </a:bodyPr>
+              <a:lstStyle/>
+              <a:p>
+                <a:pPr algn="r">
+                  <a:lnSpc>
+                    <a:spcPct val="200000"/>
+                  </a:lnSpc>
+                </a:pPr>
+                <a:r>
+                  <a:rPr lang="en-US" sz="1200" dirty="0" smtClean="0"/>
+                  <a:t>PWM0 (PB6)</a:t>
+                </a:r>
+                <a:br>
+                  <a:rPr lang="en-US" sz="1200" dirty="0" smtClean="0"/>
+                </a:br>
+                <a:r>
+                  <a:rPr lang="en-US" sz="1200" dirty="0" smtClean="0"/>
+                  <a:t>GPIO0 (PE1)</a:t>
+                </a:r>
+              </a:p>
+              <a:p>
+                <a:pPr algn="r">
+                  <a:lnSpc>
+                    <a:spcPct val="200000"/>
+                  </a:lnSpc>
+                </a:pPr>
+                <a:r>
+                  <a:rPr lang="en-US" sz="1200" dirty="0" smtClean="0"/>
+                  <a:t>GPIO1 (PD1)</a:t>
+                </a:r>
+              </a:p>
+              <a:p>
+                <a:pPr algn="r">
+                  <a:lnSpc>
+                    <a:spcPct val="200000"/>
+                  </a:lnSpc>
+                </a:pPr>
+                <a:r>
+                  <a:rPr lang="en-US" sz="1200" dirty="0" smtClean="0"/>
+                  <a:t>GPIO2 (PD2)</a:t>
+                </a:r>
+              </a:p>
+              <a:p>
+                <a:pPr algn="r">
+                  <a:lnSpc>
+                    <a:spcPct val="200000"/>
+                  </a:lnSpc>
+                </a:pPr>
+                <a:r>
+                  <a:rPr lang="en-US" sz="1200" dirty="0" smtClean="0"/>
+                  <a:t>GPIO3 (PD3)</a:t>
+                </a:r>
+              </a:p>
+              <a:p>
+                <a:pPr algn="r">
+                  <a:lnSpc>
+                    <a:spcPct val="200000"/>
+                  </a:lnSpc>
+                </a:pPr>
+                <a:r>
+                  <a:rPr lang="en-US" sz="1200" dirty="0" smtClean="0"/>
+                  <a:t>+5V</a:t>
+                </a:r>
+              </a:p>
+              <a:p>
+                <a:pPr algn="r">
+                  <a:lnSpc>
+                    <a:spcPct val="200000"/>
+                  </a:lnSpc>
+                </a:pPr>
+                <a:r>
+                  <a:rPr lang="en-US" sz="1200" dirty="0" smtClean="0"/>
+                  <a:t>+3.3V</a:t>
+                </a:r>
+              </a:p>
+              <a:p>
+                <a:pPr algn="r">
+                  <a:lnSpc>
+                    <a:spcPct val="200000"/>
+                  </a:lnSpc>
+                </a:pPr>
+                <a:r>
+                  <a:rPr lang="en-US" sz="1200" dirty="0" smtClean="0"/>
+                  <a:t>GND</a:t>
+                </a:r>
+              </a:p>
+            </p:txBody>
+          </p:sp>
+          <p:sp>
+            <p:nvSpPr>
+              <p:cNvPr id="7" name="TextBox 6"/>
+              <p:cNvSpPr txBox="1"/>
+              <p:nvPr/>
+            </p:nvSpPr>
+            <p:spPr>
+              <a:xfrm>
+                <a:off x="4489772" y="3863486"/>
+                <a:ext cx="1448784" cy="3048390"/>
+              </a:xfrm>
+              <a:prstGeom prst="rect">
+                <a:avLst/>
+              </a:prstGeom>
+              <a:noFill/>
+            </p:spPr>
+            <p:txBody>
+              <a:bodyPr wrap="square" rtlCol="0">
+                <a:spAutoFit/>
+              </a:bodyPr>
+              <a:lstStyle/>
+              <a:p>
+                <a:pPr>
+                  <a:lnSpc>
+                    <a:spcPct val="200000"/>
+                  </a:lnSpc>
+                </a:pPr>
+                <a:r>
+                  <a:rPr lang="en-US" sz="1200" dirty="0" smtClean="0"/>
+                  <a:t>UART1 CTS (PF1)</a:t>
+                </a:r>
+              </a:p>
+              <a:p>
+                <a:pPr>
+                  <a:lnSpc>
+                    <a:spcPct val="200000"/>
+                  </a:lnSpc>
+                </a:pPr>
+                <a:r>
+                  <a:rPr lang="en-US" sz="1200" dirty="0" smtClean="0"/>
+                  <a:t>UART1 RTS (PC4)</a:t>
+                </a:r>
+              </a:p>
+              <a:p>
+                <a:pPr>
+                  <a:lnSpc>
+                    <a:spcPct val="200000"/>
+                  </a:lnSpc>
+                </a:pPr>
+                <a:r>
+                  <a:rPr lang="en-US" sz="1200" dirty="0" smtClean="0"/>
+                  <a:t>UART1 RX (PB0)</a:t>
+                </a:r>
+              </a:p>
+              <a:p>
+                <a:pPr>
+                  <a:lnSpc>
+                    <a:spcPct val="200000"/>
+                  </a:lnSpc>
+                </a:pPr>
+                <a:r>
+                  <a:rPr lang="en-US" sz="1200" dirty="0" smtClean="0"/>
+                  <a:t>UART1 TX (PB1)</a:t>
+                </a:r>
+              </a:p>
+              <a:p>
+                <a:pPr>
+                  <a:lnSpc>
+                    <a:spcPct val="200000"/>
+                  </a:lnSpc>
+                </a:pPr>
+                <a:r>
+                  <a:rPr lang="en-US" sz="1200" dirty="0" smtClean="0"/>
+                  <a:t>QEI0 </a:t>
+                </a:r>
+                <a:r>
+                  <a:rPr lang="en-US" sz="1200" dirty="0" err="1" smtClean="0"/>
+                  <a:t>PhaA</a:t>
+                </a:r>
+                <a:r>
+                  <a:rPr lang="en-US" sz="1200" dirty="0" smtClean="0"/>
+                  <a:t> (PD6)</a:t>
+                </a:r>
+              </a:p>
+              <a:p>
+                <a:pPr>
+                  <a:lnSpc>
+                    <a:spcPct val="200000"/>
+                  </a:lnSpc>
+                </a:pPr>
+                <a:r>
+                  <a:rPr lang="en-US" sz="1200" dirty="0" smtClean="0"/>
+                  <a:t>QEI0 </a:t>
+                </a:r>
+                <a:r>
+                  <a:rPr lang="en-US" sz="1200" dirty="0" err="1" smtClean="0"/>
+                  <a:t>PhaB</a:t>
+                </a:r>
+                <a:r>
+                  <a:rPr lang="en-US" sz="1200" dirty="0" smtClean="0"/>
+                  <a:t> (PD7)</a:t>
+                </a:r>
+              </a:p>
+              <a:p>
+                <a:pPr>
+                  <a:lnSpc>
+                    <a:spcPct val="200000"/>
+                  </a:lnSpc>
+                </a:pPr>
+                <a:r>
+                  <a:rPr lang="en-US" sz="1200" dirty="0" smtClean="0"/>
+                  <a:t>QEI1 </a:t>
+                </a:r>
+                <a:r>
+                  <a:rPr lang="en-US" sz="1200" dirty="0" err="1" smtClean="0"/>
+                  <a:t>PhaA</a:t>
+                </a:r>
+                <a:r>
+                  <a:rPr lang="en-US" sz="1200" dirty="0" smtClean="0"/>
+                  <a:t> (PC5)</a:t>
+                </a:r>
+              </a:p>
+              <a:p>
+                <a:pPr>
+                  <a:lnSpc>
+                    <a:spcPct val="200000"/>
+                  </a:lnSpc>
+                </a:pPr>
+                <a:r>
+                  <a:rPr lang="en-US" sz="1200" dirty="0" smtClean="0"/>
+                  <a:t>QEI1 </a:t>
+                </a:r>
+                <a:r>
+                  <a:rPr lang="en-US" sz="1200" dirty="0" err="1" smtClean="0"/>
+                  <a:t>PhaB</a:t>
+                </a:r>
+                <a:r>
+                  <a:rPr lang="en-US" sz="1200" dirty="0" smtClean="0"/>
+                  <a:t> (PC6)</a:t>
+                </a:r>
+              </a:p>
+            </p:txBody>
+          </p:sp>
+        </p:grpSp>
+        <p:grpSp>
+          <p:nvGrpSpPr>
+            <p:cNvPr id="26" name="Group 208"/>
+            <p:cNvGrpSpPr>
+              <a:grpSpLocks/>
+            </p:cNvGrpSpPr>
+            <p:nvPr/>
+          </p:nvGrpSpPr>
+          <p:grpSpPr bwMode="auto">
+            <a:xfrm>
+              <a:off x="7347714" y="5113737"/>
+              <a:ext cx="254089" cy="131203"/>
+              <a:chOff x="304800" y="1600994"/>
+              <a:chExt cx="457200" cy="229394"/>
+            </a:xfrm>
+          </p:grpSpPr>
+          <p:cxnSp>
+            <p:nvCxnSpPr>
+              <p:cNvPr id="27" name="Straight Connector 26"/>
+              <p:cNvCxnSpPr/>
+              <p:nvPr/>
+            </p:nvCxnSpPr>
+            <p:spPr>
+              <a:xfrm>
+                <a:off x="304800" y="1676931"/>
+                <a:ext cx="457200" cy="1582"/>
+              </a:xfrm>
+              <a:prstGeom prst="line">
+                <a:avLst/>
+              </a:prstGeom>
+              <a:ln>
+                <a:solidFill>
+                  <a:schemeClr val="tx1"/>
+                </a:solidFill>
+              </a:ln>
+            </p:spPr>
+            <p:style>
+              <a:lnRef idx="1">
+                <a:schemeClr val="accent1"/>
+              </a:lnRef>
+              <a:fillRef idx="0">
+                <a:schemeClr val="accent1"/>
+              </a:fillRef>
+              <a:effectRef idx="0">
+                <a:schemeClr val="accent1"/>
+              </a:effectRef>
+              <a:fontRef idx="minor">
+                <a:schemeClr val="tx1"/>
+              </a:fontRef>
+            </p:style>
+          </p:cxnSp>
+          <p:cxnSp>
+            <p:nvCxnSpPr>
+              <p:cNvPr id="28" name="Straight Connector 27"/>
+              <p:cNvCxnSpPr/>
+              <p:nvPr/>
+            </p:nvCxnSpPr>
+            <p:spPr>
+              <a:xfrm>
+                <a:off x="457200" y="1828806"/>
+                <a:ext cx="153988" cy="1582"/>
+              </a:xfrm>
+              <a:prstGeom prst="line">
+                <a:avLst/>
+              </a:prstGeom>
+              <a:ln>
+                <a:solidFill>
+                  <a:schemeClr val="tx1"/>
+                </a:solidFill>
+              </a:ln>
+            </p:spPr>
+            <p:style>
+              <a:lnRef idx="1">
+                <a:schemeClr val="accent1"/>
+              </a:lnRef>
+              <a:fillRef idx="0">
+                <a:schemeClr val="accent1"/>
+              </a:fillRef>
+              <a:effectRef idx="0">
+                <a:schemeClr val="accent1"/>
+              </a:effectRef>
+              <a:fontRef idx="minor">
+                <a:schemeClr val="tx1"/>
+              </a:fontRef>
+            </p:style>
+          </p:cxnSp>
+          <p:cxnSp>
+            <p:nvCxnSpPr>
+              <p:cNvPr id="29" name="Straight Connector 28"/>
+              <p:cNvCxnSpPr/>
+              <p:nvPr/>
+            </p:nvCxnSpPr>
+            <p:spPr>
+              <a:xfrm rot="5400000" flipH="1" flipV="1">
+                <a:off x="495432" y="1637375"/>
+                <a:ext cx="75937" cy="3175"/>
+              </a:xfrm>
+              <a:prstGeom prst="line">
+                <a:avLst/>
+              </a:prstGeom>
+              <a:ln>
+                <a:solidFill>
+                  <a:schemeClr val="tx1"/>
+                </a:solidFill>
+              </a:ln>
+            </p:spPr>
+            <p:style>
+              <a:lnRef idx="1">
+                <a:schemeClr val="accent1"/>
+              </a:lnRef>
+              <a:fillRef idx="0">
+                <a:schemeClr val="accent1"/>
+              </a:fillRef>
+              <a:effectRef idx="0">
+                <a:schemeClr val="accent1"/>
+              </a:effectRef>
+              <a:fontRef idx="minor">
+                <a:schemeClr val="tx1"/>
+              </a:fontRef>
+            </p:style>
+          </p:cxnSp>
+          <p:cxnSp>
+            <p:nvCxnSpPr>
+              <p:cNvPr id="30" name="Straight Connector 29"/>
+              <p:cNvCxnSpPr/>
+              <p:nvPr/>
+            </p:nvCxnSpPr>
+            <p:spPr>
+              <a:xfrm>
+                <a:off x="381000" y="1752869"/>
+                <a:ext cx="304800" cy="1582"/>
+              </a:xfrm>
+              <a:prstGeom prst="line">
+                <a:avLst/>
+              </a:prstGeom>
+              <a:ln>
+                <a:solidFill>
+                  <a:schemeClr val="tx1"/>
+                </a:solidFill>
+              </a:ln>
+            </p:spPr>
+            <p:style>
+              <a:lnRef idx="1">
+                <a:schemeClr val="accent1"/>
+              </a:lnRef>
+              <a:fillRef idx="0">
+                <a:schemeClr val="accent1"/>
+              </a:fillRef>
+              <a:effectRef idx="0">
+                <a:schemeClr val="accent1"/>
+              </a:effectRef>
+              <a:fontRef idx="minor">
+                <a:schemeClr val="tx1"/>
+              </a:fontRef>
+            </p:style>
+          </p:cxnSp>
+        </p:grpSp>
+        <p:cxnSp>
+          <p:nvCxnSpPr>
+            <p:cNvPr id="50" name="Elbow Connector 49"/>
+            <p:cNvCxnSpPr/>
+            <p:nvPr/>
+          </p:nvCxnSpPr>
+          <p:spPr>
+            <a:xfrm rot="10800000">
+              <a:off x="7254109" y="4960037"/>
+              <a:ext cx="219768" cy="153703"/>
+            </a:xfrm>
+            <a:prstGeom prst="bentConnector3">
+              <a:avLst>
+                <a:gd name="adj1" fmla="val 319"/>
+              </a:avLst>
+            </a:prstGeom>
+            <a:ln>
+              <a:solidFill>
+                <a:schemeClr val="tx1"/>
+              </a:solidFill>
+            </a:ln>
+          </p:spPr>
+          <p:style>
+            <a:lnRef idx="1">
+              <a:schemeClr val="accent1"/>
+            </a:lnRef>
+            <a:fillRef idx="0">
+              <a:schemeClr val="accent1"/>
+            </a:fillRef>
+            <a:effectRef idx="0">
+              <a:schemeClr val="accent1"/>
+            </a:effectRef>
+            <a:fontRef idx="minor">
+              <a:schemeClr val="tx1"/>
+            </a:fontRef>
+          </p:style>
+        </p:cxnSp>
+      </p:grpSp>
+      <p:grpSp>
+        <p:nvGrpSpPr>
+          <p:cNvPr id="64" name="Group 63"/>
+          <p:cNvGrpSpPr/>
+          <p:nvPr/>
+        </p:nvGrpSpPr>
+        <p:grpSpPr>
+          <a:xfrm>
+            <a:off x="10672548" y="1855668"/>
+            <a:ext cx="1754906" cy="1281910"/>
+            <a:chOff x="655094" y="1365756"/>
+            <a:chExt cx="1754906" cy="1281910"/>
           </a:xfrm>
         </p:grpSpPr>
         <p:sp>
           <p:nvSpPr>
-            <p:cNvPr id="4" name="Rectangle 3"/>
+            <p:cNvPr id="41" name="Rectangle 40"/>
             <p:cNvSpPr/>
             <p:nvPr/>
           </p:nvSpPr>
           <p:spPr>
             <a:xfrm>
-              <a:off x="4198512" y="1661376"/>
-              <a:ext cx="2524259" cy="4069723"/>
+              <a:off x="723332" y="1405719"/>
+              <a:ext cx="1407704" cy="1241947"/>
             </a:xfrm>
             <a:prstGeom prst="rect">
               <a:avLst/>
             </a:prstGeom>
-            <a:noFill/>
-            <a:ln w="28575">
+            <a:solidFill>
+              <a:schemeClr val="bg1"/>
+            </a:solidFill>
+            <a:ln>
               <a:solidFill>
                 <a:schemeClr val="tx1"/>
               </a:solidFill>
@@ -3026,14 +4425,14 @@
         </p:sp>
         <p:sp>
           <p:nvSpPr>
-            <p:cNvPr id="5" name="TextBox 4"/>
+            <p:cNvPr id="42" name="TextBox 41"/>
             <p:cNvSpPr txBox="1"/>
             <p:nvPr/>
           </p:nvSpPr>
           <p:spPr>
             <a:xfrm>
-              <a:off x="4722188" y="1767576"/>
-              <a:ext cx="1506828" cy="369332"/>
+              <a:off x="655094" y="1365756"/>
+              <a:ext cx="1754906" cy="369332"/>
             </a:xfrm>
             <a:prstGeom prst="rect">
               <a:avLst/>
@@ -3048,7 +4447,7 @@
             <a:p>
               <a:r>
                 <a:rPr lang="en-US" dirty="0" smtClean="0"/>
-                <a:t>TM4C123GXL</a:t>
+                <a:t>ROT. ENCODER</a:t>
               </a:r>
               <a:endParaRPr lang="en-US" dirty="0"/>
             </a:p>
@@ -3056,14 +4455,14 @@
         </p:sp>
         <p:sp>
           <p:nvSpPr>
-            <p:cNvPr id="6" name="TextBox 5"/>
+            <p:cNvPr id="58" name="TextBox 57"/>
             <p:cNvSpPr txBox="1"/>
             <p:nvPr/>
           </p:nvSpPr>
           <p:spPr>
             <a:xfrm>
-              <a:off x="5705339" y="2371955"/>
-              <a:ext cx="1064588" cy="3046988"/>
+              <a:off x="688716" y="1672589"/>
+              <a:ext cx="581803" cy="954107"/>
             </a:xfrm>
             <a:prstGeom prst="rect">
               <a:avLst/>
@@ -3076,101 +4475,115 @@
             </a:bodyPr>
             <a:lstStyle/>
             <a:p>
-              <a:pPr algn="r">
-                <a:lnSpc>
-                  <a:spcPct val="200000"/>
-                </a:lnSpc>
-              </a:pPr>
               <a:r>
-                <a:rPr lang="en-US" sz="1200" dirty="0" smtClean="0"/>
-                <a:t>PWM0 (PB6)</a:t>
+                <a:rPr lang="en-US" sz="1400" dirty="0" err="1" smtClean="0"/>
+                <a:t>PhaA</a:t>
               </a:r>
-              <a:br>
-                <a:rPr lang="en-US" sz="1200" dirty="0" smtClean="0"/>
-              </a:br>
-              <a:r>
-                <a:rPr lang="en-US" sz="1200" dirty="0" smtClean="0"/>
-                <a:t>GPIO0 (PE1)</a:t>
-              </a:r>
+              <a:endParaRPr lang="en-US" sz="1400" dirty="0" smtClean="0"/>
             </a:p>
             <a:p>
-              <a:pPr algn="r">
-                <a:lnSpc>
-                  <a:spcPct val="200000"/>
-                </a:lnSpc>
-              </a:pPr>
               <a:r>
-                <a:rPr lang="en-US" sz="1200" dirty="0" smtClean="0"/>
-                <a:t>GPIO1 (PD1)</a:t>
+                <a:rPr lang="en-US" sz="1400" dirty="0" err="1" smtClean="0"/>
+                <a:t>PhaB</a:t>
               </a:r>
+              <a:endParaRPr lang="en-US" sz="1400" dirty="0" smtClean="0"/>
             </a:p>
             <a:p>
-              <a:pPr algn="r">
-                <a:lnSpc>
-                  <a:spcPct val="200000"/>
-                </a:lnSpc>
-              </a:pPr>
               <a:r>
-                <a:rPr lang="en-US" sz="1200" dirty="0" smtClean="0"/>
-                <a:t>GPIO2 (PD2)</a:t>
+                <a:rPr lang="en-US" sz="1400" dirty="0" smtClean="0"/>
+                <a:t>+</a:t>
               </a:r>
+              <a:r>
+                <a:rPr lang="en-US" sz="1400" dirty="0"/>
+                <a:t>5</a:t>
+              </a:r>
+              <a:r>
+                <a:rPr lang="en-US" sz="1400" dirty="0" smtClean="0"/>
+                <a:t>V</a:t>
+              </a:r>
+              <a:endParaRPr lang="en-US" sz="1400" dirty="0" smtClean="0"/>
             </a:p>
             <a:p>
-              <a:pPr algn="r">
-                <a:lnSpc>
-                  <a:spcPct val="200000"/>
-                </a:lnSpc>
-              </a:pPr>
               <a:r>
-                <a:rPr lang="en-US" sz="1200" dirty="0" smtClean="0"/>
-                <a:t>GPIO3 (PD3)</a:t>
-              </a:r>
-            </a:p>
-            <a:p>
-              <a:pPr algn="r">
-                <a:lnSpc>
-                  <a:spcPct val="200000"/>
-                </a:lnSpc>
-              </a:pPr>
-              <a:r>
-                <a:rPr lang="en-US" sz="1200" dirty="0" smtClean="0"/>
-                <a:t>+5V</a:t>
-              </a:r>
-            </a:p>
-            <a:p>
-              <a:pPr algn="r">
-                <a:lnSpc>
-                  <a:spcPct val="200000"/>
-                </a:lnSpc>
-              </a:pPr>
-              <a:r>
-                <a:rPr lang="en-US" sz="1200" dirty="0" smtClean="0"/>
-                <a:t>+3.3V</a:t>
-              </a:r>
-            </a:p>
-            <a:p>
-              <a:pPr algn="r">
-                <a:lnSpc>
-                  <a:spcPct val="200000"/>
-                </a:lnSpc>
-              </a:pPr>
-              <a:r>
-                <a:rPr lang="en-US" sz="1200" dirty="0" smtClean="0"/>
+                <a:rPr lang="en-US" sz="1400" dirty="0" smtClean="0"/>
                 <a:t>GND</a:t>
               </a:r>
             </a:p>
           </p:txBody>
         </p:sp>
+      </p:grpSp>
+      <p:grpSp>
+        <p:nvGrpSpPr>
+          <p:cNvPr id="65" name="Group 64"/>
+          <p:cNvGrpSpPr/>
+          <p:nvPr/>
+        </p:nvGrpSpPr>
+        <p:grpSpPr>
+          <a:xfrm>
+            <a:off x="10672548" y="5318103"/>
+            <a:ext cx="1754906" cy="1281910"/>
+            <a:chOff x="655094" y="1365756"/>
+            <a:chExt cx="1754906" cy="1281910"/>
+          </a:xfrm>
+        </p:grpSpPr>
         <p:sp>
           <p:nvSpPr>
-            <p:cNvPr id="7" name="TextBox 6"/>
+            <p:cNvPr id="66" name="Rectangle 65"/>
+            <p:cNvSpPr/>
+            <p:nvPr/>
+          </p:nvSpPr>
+          <p:spPr>
+            <a:xfrm>
+              <a:off x="723332" y="1405719"/>
+              <a:ext cx="1407704" cy="1241947"/>
+            </a:xfrm>
+            <a:prstGeom prst="rect">
+              <a:avLst/>
+            </a:prstGeom>
+            <a:solidFill>
+              <a:schemeClr val="bg1"/>
+            </a:solidFill>
+            <a:ln>
+              <a:solidFill>
+                <a:schemeClr val="tx1"/>
+              </a:solidFill>
+            </a:ln>
+          </p:spPr>
+          <p:style>
+            <a:lnRef idx="2">
+              <a:schemeClr val="accent1">
+                <a:shade val="50000"/>
+              </a:schemeClr>
+            </a:lnRef>
+            <a:fillRef idx="1">
+              <a:schemeClr val="accent1"/>
+            </a:fillRef>
+            <a:effectRef idx="0">
+              <a:schemeClr val="accent1"/>
+            </a:effectRef>
+            <a:fontRef idx="minor">
+              <a:schemeClr val="lt1"/>
+            </a:fontRef>
+          </p:style>
+          <p:txBody>
+            <a:bodyPr rtlCol="0" anchor="ctr"/>
+            <a:lstStyle/>
+            <a:p>
+              <a:pPr algn="ctr"/>
+              <a:endParaRPr lang="en-US"/>
+            </a:p>
+          </p:txBody>
+        </p:sp>
+        <p:sp>
+          <p:nvSpPr>
+            <p:cNvPr id="67" name="TextBox 66"/>
             <p:cNvSpPr txBox="1"/>
             <p:nvPr/>
           </p:nvSpPr>
           <p:spPr>
             <a:xfrm>
-              <a:off x="4134117" y="2355851"/>
-              <a:ext cx="1506828" cy="3046988"/>
+              <a:off x="655094" y="1365756"/>
+              <a:ext cx="1754906" cy="369332"/>
             </a:xfrm>
             <a:prstGeom prst="rect">
               <a:avLst/>
@@ -3183,349 +4596,1168 @@
             </a:bodyPr>
             <a:lstStyle/>
             <a:p>
-              <a:pPr>
-                <a:lnSpc>
-                  <a:spcPct val="200000"/>
-                </a:lnSpc>
-              </a:pPr>
               <a:r>
-                <a:rPr lang="en-US" sz="1200" dirty="0" smtClean="0"/>
-                <a:t>UART1 CTS (PF1)</a:t>
+                <a:rPr lang="en-US" dirty="0" smtClean="0"/>
+                <a:t>ROT. ENCODER</a:t>
               </a:r>
+              <a:endParaRPr lang="en-US" dirty="0"/>
+            </a:p>
+          </p:txBody>
+        </p:sp>
+        <p:sp>
+          <p:nvSpPr>
+            <p:cNvPr id="68" name="TextBox 67"/>
+            <p:cNvSpPr txBox="1"/>
+            <p:nvPr/>
+          </p:nvSpPr>
+          <p:spPr>
+            <a:xfrm>
+              <a:off x="688716" y="1672589"/>
+              <a:ext cx="581803" cy="954107"/>
+            </a:xfrm>
+            <a:prstGeom prst="rect">
+              <a:avLst/>
+            </a:prstGeom>
+            <a:noFill/>
+          </p:spPr>
+          <p:txBody>
+            <a:bodyPr wrap="square" rtlCol="0">
+              <a:spAutoFit/>
+            </a:bodyPr>
+            <a:lstStyle/>
+            <a:p>
+              <a:r>
+                <a:rPr lang="en-US" sz="1400" dirty="0" err="1" smtClean="0"/>
+                <a:t>PhaA</a:t>
+              </a:r>
+              <a:endParaRPr lang="en-US" sz="1400" dirty="0" smtClean="0"/>
             </a:p>
             <a:p>
-              <a:pPr>
-                <a:lnSpc>
-                  <a:spcPct val="200000"/>
-                </a:lnSpc>
-              </a:pPr>
               <a:r>
-                <a:rPr lang="en-US" sz="1200" dirty="0" smtClean="0"/>
-                <a:t>UART1 RTS (PC4)</a:t>
+                <a:rPr lang="en-US" sz="1400" dirty="0" err="1" smtClean="0"/>
+                <a:t>PhaB</a:t>
               </a:r>
+              <a:endParaRPr lang="en-US" sz="1400" dirty="0" smtClean="0"/>
             </a:p>
             <a:p>
-              <a:pPr>
-                <a:lnSpc>
-                  <a:spcPct val="200000"/>
-                </a:lnSpc>
-              </a:pPr>
               <a:r>
-                <a:rPr lang="en-US" sz="1200" dirty="0" smtClean="0"/>
-                <a:t>UART1 RX (PB0)</a:t>
+                <a:rPr lang="en-US" sz="1400" dirty="0" smtClean="0"/>
+                <a:t>+</a:t>
               </a:r>
+              <a:r>
+                <a:rPr lang="en-US" sz="1400" dirty="0"/>
+                <a:t>5</a:t>
+              </a:r>
+              <a:r>
+                <a:rPr lang="en-US" sz="1400" dirty="0" smtClean="0"/>
+                <a:t>V</a:t>
+              </a:r>
+              <a:endParaRPr lang="en-US" sz="1400" dirty="0" smtClean="0"/>
             </a:p>
             <a:p>
-              <a:pPr>
-                <a:lnSpc>
-                  <a:spcPct val="200000"/>
-                </a:lnSpc>
-              </a:pPr>
               <a:r>
-                <a:rPr lang="en-US" sz="1200" dirty="0" smtClean="0"/>
-                <a:t>UART1 TX (PB1)</a:t>
-              </a:r>
-            </a:p>
-            <a:p>
-              <a:pPr>
-                <a:lnSpc>
-                  <a:spcPct val="200000"/>
-                </a:lnSpc>
-              </a:pPr>
-              <a:r>
-                <a:rPr lang="en-US" sz="1200" dirty="0" smtClean="0"/>
-                <a:t>QEI0 </a:t>
-              </a:r>
-              <a:r>
-                <a:rPr lang="en-US" sz="1200" dirty="0" err="1" smtClean="0"/>
-                <a:t>PhaA</a:t>
-              </a:r>
-              <a:r>
-                <a:rPr lang="en-US" sz="1200" dirty="0" smtClean="0"/>
-                <a:t> (PD6)</a:t>
-              </a:r>
-            </a:p>
-            <a:p>
-              <a:pPr>
-                <a:lnSpc>
-                  <a:spcPct val="200000"/>
-                </a:lnSpc>
-              </a:pPr>
-              <a:r>
-                <a:rPr lang="en-US" sz="1200" dirty="0" smtClean="0"/>
-                <a:t>QEI0 </a:t>
-              </a:r>
-              <a:r>
-                <a:rPr lang="en-US" sz="1200" dirty="0" err="1" smtClean="0"/>
-                <a:t>PhaB</a:t>
-              </a:r>
-              <a:r>
-                <a:rPr lang="en-US" sz="1200" dirty="0" smtClean="0"/>
-                <a:t> (PD7)</a:t>
-              </a:r>
-            </a:p>
-            <a:p>
-              <a:pPr>
-                <a:lnSpc>
-                  <a:spcPct val="200000"/>
-                </a:lnSpc>
-              </a:pPr>
-              <a:r>
-                <a:rPr lang="en-US" sz="1200" dirty="0" smtClean="0"/>
-                <a:t>QEI1 </a:t>
-              </a:r>
-              <a:r>
-                <a:rPr lang="en-US" sz="1200" dirty="0" err="1" smtClean="0"/>
-                <a:t>PhaA</a:t>
-              </a:r>
-              <a:r>
-                <a:rPr lang="en-US" sz="1200" dirty="0" smtClean="0"/>
-                <a:t> (PC5)</a:t>
-              </a:r>
-            </a:p>
-            <a:p>
-              <a:pPr>
-                <a:lnSpc>
-                  <a:spcPct val="200000"/>
-                </a:lnSpc>
-              </a:pPr>
-              <a:r>
-                <a:rPr lang="en-US" sz="1200" dirty="0" smtClean="0"/>
-                <a:t>QEI1 </a:t>
-              </a:r>
-              <a:r>
-                <a:rPr lang="en-US" sz="1200" dirty="0" err="1" smtClean="0"/>
-                <a:t>PhaB</a:t>
-              </a:r>
-              <a:r>
-                <a:rPr lang="en-US" sz="1200" dirty="0" smtClean="0"/>
-                <a:t> (PC6)</a:t>
+                <a:rPr lang="en-US" sz="1400" dirty="0" smtClean="0"/>
+                <a:t>GND</a:t>
               </a:r>
             </a:p>
           </p:txBody>
         </p:sp>
       </p:grpSp>
-      <p:pic>
-        <p:nvPicPr>
-          <p:cNvPr id="11" name="Picture 10"/>
-          <p:cNvPicPr>
-            <a:picLocks noChangeAspect="1"/>
-          </p:cNvPicPr>
+      <p:grpSp>
+        <p:nvGrpSpPr>
+          <p:cNvPr id="69" name="Group 208"/>
+          <p:cNvGrpSpPr>
+            <a:grpSpLocks/>
+          </p:cNvGrpSpPr>
           <p:nvPr/>
-        </p:nvPicPr>
-        <p:blipFill>
-          <a:blip r:embed="rId2"/>
-          <a:stretch>
-            <a:fillRect/>
-          </a:stretch>
-        </p:blipFill>
+        </p:nvGrpSpPr>
+        <p:grpSpPr bwMode="auto">
+          <a:xfrm>
+            <a:off x="10445974" y="3082282"/>
+            <a:ext cx="214856" cy="160487"/>
+            <a:chOff x="304800" y="1600994"/>
+            <a:chExt cx="457200" cy="229394"/>
+          </a:xfrm>
+        </p:grpSpPr>
+        <p:cxnSp>
+          <p:nvCxnSpPr>
+            <p:cNvPr id="70" name="Straight Connector 69"/>
+            <p:cNvCxnSpPr/>
+            <p:nvPr/>
+          </p:nvCxnSpPr>
+          <p:spPr>
+            <a:xfrm>
+              <a:off x="304800" y="1676931"/>
+              <a:ext cx="457200" cy="1582"/>
+            </a:xfrm>
+            <a:prstGeom prst="line">
+              <a:avLst/>
+            </a:prstGeom>
+            <a:ln>
+              <a:solidFill>
+                <a:schemeClr val="tx1"/>
+              </a:solidFill>
+            </a:ln>
+          </p:spPr>
+          <p:style>
+            <a:lnRef idx="1">
+              <a:schemeClr val="accent1"/>
+            </a:lnRef>
+            <a:fillRef idx="0">
+              <a:schemeClr val="accent1"/>
+            </a:fillRef>
+            <a:effectRef idx="0">
+              <a:schemeClr val="accent1"/>
+            </a:effectRef>
+            <a:fontRef idx="minor">
+              <a:schemeClr val="tx1"/>
+            </a:fontRef>
+          </p:style>
+        </p:cxnSp>
+        <p:cxnSp>
+          <p:nvCxnSpPr>
+            <p:cNvPr id="71" name="Straight Connector 70"/>
+            <p:cNvCxnSpPr/>
+            <p:nvPr/>
+          </p:nvCxnSpPr>
+          <p:spPr>
+            <a:xfrm>
+              <a:off x="457200" y="1828806"/>
+              <a:ext cx="153988" cy="1582"/>
+            </a:xfrm>
+            <a:prstGeom prst="line">
+              <a:avLst/>
+            </a:prstGeom>
+            <a:ln>
+              <a:solidFill>
+                <a:schemeClr val="tx1"/>
+              </a:solidFill>
+            </a:ln>
+          </p:spPr>
+          <p:style>
+            <a:lnRef idx="1">
+              <a:schemeClr val="accent1"/>
+            </a:lnRef>
+            <a:fillRef idx="0">
+              <a:schemeClr val="accent1"/>
+            </a:fillRef>
+            <a:effectRef idx="0">
+              <a:schemeClr val="accent1"/>
+            </a:effectRef>
+            <a:fontRef idx="minor">
+              <a:schemeClr val="tx1"/>
+            </a:fontRef>
+          </p:style>
+        </p:cxnSp>
+        <p:cxnSp>
+          <p:nvCxnSpPr>
+            <p:cNvPr id="72" name="Straight Connector 71"/>
+            <p:cNvCxnSpPr/>
+            <p:nvPr/>
+          </p:nvCxnSpPr>
+          <p:spPr>
+            <a:xfrm rot="5400000" flipH="1" flipV="1">
+              <a:off x="495432" y="1637375"/>
+              <a:ext cx="75937" cy="3175"/>
+            </a:xfrm>
+            <a:prstGeom prst="line">
+              <a:avLst/>
+            </a:prstGeom>
+            <a:ln>
+              <a:solidFill>
+                <a:schemeClr val="tx1"/>
+              </a:solidFill>
+            </a:ln>
+          </p:spPr>
+          <p:style>
+            <a:lnRef idx="1">
+              <a:schemeClr val="accent1"/>
+            </a:lnRef>
+            <a:fillRef idx="0">
+              <a:schemeClr val="accent1"/>
+            </a:fillRef>
+            <a:effectRef idx="0">
+              <a:schemeClr val="accent1"/>
+            </a:effectRef>
+            <a:fontRef idx="minor">
+              <a:schemeClr val="tx1"/>
+            </a:fontRef>
+          </p:style>
+        </p:cxnSp>
+        <p:cxnSp>
+          <p:nvCxnSpPr>
+            <p:cNvPr id="73" name="Straight Connector 72"/>
+            <p:cNvCxnSpPr/>
+            <p:nvPr/>
+          </p:nvCxnSpPr>
+          <p:spPr>
+            <a:xfrm>
+              <a:off x="381000" y="1752869"/>
+              <a:ext cx="304800" cy="1582"/>
+            </a:xfrm>
+            <a:prstGeom prst="line">
+              <a:avLst/>
+            </a:prstGeom>
+            <a:ln>
+              <a:solidFill>
+                <a:schemeClr val="tx1"/>
+              </a:solidFill>
+            </a:ln>
+          </p:spPr>
+          <p:style>
+            <a:lnRef idx="1">
+              <a:schemeClr val="accent1"/>
+            </a:lnRef>
+            <a:fillRef idx="0">
+              <a:schemeClr val="accent1"/>
+            </a:fillRef>
+            <a:effectRef idx="0">
+              <a:schemeClr val="accent1"/>
+            </a:effectRef>
+            <a:fontRef idx="minor">
+              <a:schemeClr val="tx1"/>
+            </a:fontRef>
+          </p:style>
+        </p:cxnSp>
+      </p:grpSp>
+      <p:grpSp>
+        <p:nvGrpSpPr>
+          <p:cNvPr id="74" name="Group 208"/>
+          <p:cNvGrpSpPr>
+            <a:grpSpLocks/>
+          </p:cNvGrpSpPr>
+          <p:nvPr/>
+        </p:nvGrpSpPr>
+        <p:grpSpPr bwMode="auto">
+          <a:xfrm>
+            <a:off x="10448173" y="6575266"/>
+            <a:ext cx="214856" cy="160487"/>
+            <a:chOff x="304800" y="1600994"/>
+            <a:chExt cx="457200" cy="229394"/>
+          </a:xfrm>
+        </p:grpSpPr>
+        <p:cxnSp>
+          <p:nvCxnSpPr>
+            <p:cNvPr id="75" name="Straight Connector 74"/>
+            <p:cNvCxnSpPr/>
+            <p:nvPr/>
+          </p:nvCxnSpPr>
+          <p:spPr>
+            <a:xfrm>
+              <a:off x="304800" y="1676931"/>
+              <a:ext cx="457200" cy="1582"/>
+            </a:xfrm>
+            <a:prstGeom prst="line">
+              <a:avLst/>
+            </a:prstGeom>
+            <a:ln>
+              <a:solidFill>
+                <a:schemeClr val="tx1"/>
+              </a:solidFill>
+            </a:ln>
+          </p:spPr>
+          <p:style>
+            <a:lnRef idx="1">
+              <a:schemeClr val="accent1"/>
+            </a:lnRef>
+            <a:fillRef idx="0">
+              <a:schemeClr val="accent1"/>
+            </a:fillRef>
+            <a:effectRef idx="0">
+              <a:schemeClr val="accent1"/>
+            </a:effectRef>
+            <a:fontRef idx="minor">
+              <a:schemeClr val="tx1"/>
+            </a:fontRef>
+          </p:style>
+        </p:cxnSp>
+        <p:cxnSp>
+          <p:nvCxnSpPr>
+            <p:cNvPr id="76" name="Straight Connector 75"/>
+            <p:cNvCxnSpPr/>
+            <p:nvPr/>
+          </p:nvCxnSpPr>
+          <p:spPr>
+            <a:xfrm>
+              <a:off x="457200" y="1828806"/>
+              <a:ext cx="153988" cy="1582"/>
+            </a:xfrm>
+            <a:prstGeom prst="line">
+              <a:avLst/>
+            </a:prstGeom>
+            <a:ln>
+              <a:solidFill>
+                <a:schemeClr val="tx1"/>
+              </a:solidFill>
+            </a:ln>
+          </p:spPr>
+          <p:style>
+            <a:lnRef idx="1">
+              <a:schemeClr val="accent1"/>
+            </a:lnRef>
+            <a:fillRef idx="0">
+              <a:schemeClr val="accent1"/>
+            </a:fillRef>
+            <a:effectRef idx="0">
+              <a:schemeClr val="accent1"/>
+            </a:effectRef>
+            <a:fontRef idx="minor">
+              <a:schemeClr val="tx1"/>
+            </a:fontRef>
+          </p:style>
+        </p:cxnSp>
+        <p:cxnSp>
+          <p:nvCxnSpPr>
+            <p:cNvPr id="77" name="Straight Connector 76"/>
+            <p:cNvCxnSpPr/>
+            <p:nvPr/>
+          </p:nvCxnSpPr>
+          <p:spPr>
+            <a:xfrm rot="5400000" flipH="1" flipV="1">
+              <a:off x="495432" y="1637375"/>
+              <a:ext cx="75937" cy="3175"/>
+            </a:xfrm>
+            <a:prstGeom prst="line">
+              <a:avLst/>
+            </a:prstGeom>
+            <a:ln>
+              <a:solidFill>
+                <a:schemeClr val="tx1"/>
+              </a:solidFill>
+            </a:ln>
+          </p:spPr>
+          <p:style>
+            <a:lnRef idx="1">
+              <a:schemeClr val="accent1"/>
+            </a:lnRef>
+            <a:fillRef idx="0">
+              <a:schemeClr val="accent1"/>
+            </a:fillRef>
+            <a:effectRef idx="0">
+              <a:schemeClr val="accent1"/>
+            </a:effectRef>
+            <a:fontRef idx="minor">
+              <a:schemeClr val="tx1"/>
+            </a:fontRef>
+          </p:style>
+        </p:cxnSp>
+        <p:cxnSp>
+          <p:nvCxnSpPr>
+            <p:cNvPr id="78" name="Straight Connector 77"/>
+            <p:cNvCxnSpPr/>
+            <p:nvPr/>
+          </p:nvCxnSpPr>
+          <p:spPr>
+            <a:xfrm>
+              <a:off x="381000" y="1752869"/>
+              <a:ext cx="304800" cy="1582"/>
+            </a:xfrm>
+            <a:prstGeom prst="line">
+              <a:avLst/>
+            </a:prstGeom>
+            <a:ln>
+              <a:solidFill>
+                <a:schemeClr val="tx1"/>
+              </a:solidFill>
+            </a:ln>
+          </p:spPr>
+          <p:style>
+            <a:lnRef idx="1">
+              <a:schemeClr val="accent1"/>
+            </a:lnRef>
+            <a:fillRef idx="0">
+              <a:schemeClr val="accent1"/>
+            </a:fillRef>
+            <a:effectRef idx="0">
+              <a:schemeClr val="accent1"/>
+            </a:effectRef>
+            <a:fontRef idx="minor">
+              <a:schemeClr val="tx1"/>
+            </a:fontRef>
+          </p:style>
+        </p:cxnSp>
+      </p:grpSp>
+      <p:cxnSp>
+        <p:nvCxnSpPr>
+          <p:cNvPr id="79" name="Elbow Connector 78"/>
+          <p:cNvCxnSpPr/>
+          <p:nvPr/>
+        </p:nvCxnSpPr>
         <p:spPr>
-          <a:xfrm>
-            <a:off x="10497230" y="0"/>
-            <a:ext cx="1694770" cy="1730829"/>
+          <a:xfrm rot="10800000" flipV="1">
+            <a:off x="10552656" y="2978864"/>
+            <a:ext cx="188130" cy="113205"/>
           </a:xfrm>
-          <a:prstGeom prst="rect">
-            <a:avLst/>
+          <a:prstGeom prst="bentConnector3">
+            <a:avLst>
+              <a:gd name="adj1" fmla="val 100781"/>
+            </a:avLst>
           </a:prstGeom>
-        </p:spPr>
-      </p:pic>
-      <p:pic>
-        <p:nvPicPr>
-          <p:cNvPr id="13" name="Picture 12"/>
-          <p:cNvPicPr>
-            <a:picLocks noChangeAspect="1"/>
-          </p:cNvPicPr>
-          <p:nvPr/>
-        </p:nvPicPr>
-        <p:blipFill>
-          <a:blip r:embed="rId2"/>
-          <a:stretch>
-            <a:fillRect/>
-          </a:stretch>
-        </p:blipFill>
-        <p:spPr>
-          <a:xfrm>
-            <a:off x="10497230" y="2786372"/>
-            <a:ext cx="1694770" cy="1730829"/>
-          </a:xfrm>
-          <a:prstGeom prst="rect">
-            <a:avLst/>
-          </a:prstGeom>
-        </p:spPr>
-      </p:pic>
-      <p:sp>
-        <p:nvSpPr>
-          <p:cNvPr id="12" name="Rectangle 11"/>
-          <p:cNvSpPr/>
-          <p:nvPr/>
-        </p:nvSpPr>
-        <p:spPr>
-          <a:xfrm>
-            <a:off x="754743" y="1553029"/>
-            <a:ext cx="1930402" cy="1359729"/>
-          </a:xfrm>
-          <a:prstGeom prst="rect">
-            <a:avLst/>
-          </a:prstGeom>
-          <a:solidFill>
-            <a:schemeClr val="bg1"/>
-          </a:solidFill>
-          <a:ln w="19050">
+          <a:ln>
             <a:solidFill>
               <a:schemeClr val="tx1"/>
             </a:solidFill>
           </a:ln>
         </p:spPr>
         <p:style>
-          <a:lnRef idx="2">
-            <a:schemeClr val="accent1">
-              <a:shade val="50000"/>
-            </a:schemeClr>
+          <a:lnRef idx="1">
+            <a:schemeClr val="accent1"/>
           </a:lnRef>
-          <a:fillRef idx="1">
+          <a:fillRef idx="0">
             <a:schemeClr val="accent1"/>
           </a:fillRef>
           <a:effectRef idx="0">
             <a:schemeClr val="accent1"/>
           </a:effectRef>
           <a:fontRef idx="minor">
-            <a:schemeClr val="lt1"/>
+            <a:schemeClr val="tx1"/>
           </a:fontRef>
         </p:style>
-        <p:txBody>
-          <a:bodyPr rtlCol="0" anchor="ctr"/>
-          <a:lstStyle/>
-          <a:p>
-            <a:pPr algn="ctr"/>
-            <a:endParaRPr lang="en-US"/>
-          </a:p>
-        </p:txBody>
-      </p:sp>
-      <p:sp>
-        <p:nvSpPr>
-          <p:cNvPr id="15" name="TextBox 14"/>
-          <p:cNvSpPr txBox="1"/>
+      </p:cxnSp>
+      <p:cxnSp>
+        <p:nvCxnSpPr>
+          <p:cNvPr id="83" name="Elbow Connector 82"/>
+          <p:cNvCxnSpPr/>
           <p:nvPr/>
-        </p:nvSpPr>
+        </p:nvCxnSpPr>
+        <p:spPr>
+          <a:xfrm rot="10800000" flipV="1">
+            <a:off x="10552656" y="6443541"/>
+            <a:ext cx="172668" cy="164944"/>
+          </a:xfrm>
+          <a:prstGeom prst="bentConnector3">
+            <a:avLst>
+              <a:gd name="adj1" fmla="val 97425"/>
+            </a:avLst>
+          </a:prstGeom>
+          <a:ln>
+            <a:solidFill>
+              <a:schemeClr val="tx1"/>
+            </a:solidFill>
+          </a:ln>
+        </p:spPr>
+        <p:style>
+          <a:lnRef idx="1">
+            <a:schemeClr val="accent1"/>
+          </a:lnRef>
+          <a:fillRef idx="0">
+            <a:schemeClr val="accent1"/>
+          </a:fillRef>
+          <a:effectRef idx="0">
+            <a:schemeClr val="accent1"/>
+          </a:effectRef>
+          <a:fontRef idx="minor">
+            <a:schemeClr val="tx1"/>
+          </a:fontRef>
+        </p:style>
+      </p:cxnSp>
+      <p:grpSp>
+        <p:nvGrpSpPr>
+          <p:cNvPr id="96" name="Group 95"/>
+          <p:cNvGrpSpPr/>
+          <p:nvPr/>
+        </p:nvGrpSpPr>
+        <p:grpSpPr>
+          <a:xfrm>
+            <a:off x="1706104" y="3024237"/>
+            <a:ext cx="1163044" cy="963196"/>
+            <a:chOff x="1706104" y="3024237"/>
+            <a:chExt cx="1163044" cy="963196"/>
+          </a:xfrm>
+        </p:grpSpPr>
+        <p:grpSp>
+          <p:nvGrpSpPr>
+            <p:cNvPr id="88" name="Group 87"/>
+            <p:cNvGrpSpPr/>
+            <p:nvPr/>
+          </p:nvGrpSpPr>
+          <p:grpSpPr>
+            <a:xfrm>
+              <a:off x="1706104" y="3024237"/>
+              <a:ext cx="1163044" cy="834455"/>
+              <a:chOff x="8240182" y="3010207"/>
+              <a:chExt cx="1163044" cy="834455"/>
+            </a:xfrm>
+          </p:grpSpPr>
+          <p:pic>
+            <p:nvPicPr>
+              <p:cNvPr id="89" name="Picture 88"/>
+              <p:cNvPicPr>
+                <a:picLocks noChangeAspect="1"/>
+              </p:cNvPicPr>
+              <p:nvPr/>
+            </p:nvPicPr>
+            <p:blipFill>
+              <a:blip r:embed="rId3"/>
+              <a:stretch>
+                <a:fillRect/>
+              </a:stretch>
+            </p:blipFill>
+            <p:spPr>
+              <a:xfrm>
+                <a:off x="8568771" y="3010207"/>
+                <a:ext cx="834455" cy="834455"/>
+              </a:xfrm>
+              <a:prstGeom prst="rect">
+                <a:avLst/>
+              </a:prstGeom>
+            </p:spPr>
+          </p:pic>
+          <p:sp>
+            <p:nvSpPr>
+              <p:cNvPr id="90" name="TextBox 89"/>
+              <p:cNvSpPr txBox="1"/>
+              <p:nvPr/>
+            </p:nvSpPr>
+            <p:spPr>
+              <a:xfrm>
+                <a:off x="8240182" y="3242769"/>
+                <a:ext cx="566498" cy="369332"/>
+              </a:xfrm>
+              <a:prstGeom prst="rect">
+                <a:avLst/>
+              </a:prstGeom>
+              <a:noFill/>
+            </p:spPr>
+            <p:txBody>
+              <a:bodyPr wrap="square" rtlCol="0">
+                <a:spAutoFit/>
+              </a:bodyPr>
+              <a:lstStyle/>
+              <a:p>
+                <a:r>
+                  <a:rPr lang="en-US" dirty="0" smtClean="0"/>
+                  <a:t>12</a:t>
+                </a:r>
+                <a:r>
+                  <a:rPr lang="en-US" dirty="0" smtClean="0"/>
+                  <a:t>V</a:t>
+                </a:r>
+                <a:endParaRPr lang="en-US" dirty="0"/>
+              </a:p>
+            </p:txBody>
+          </p:sp>
+        </p:grpSp>
+        <p:grpSp>
+          <p:nvGrpSpPr>
+            <p:cNvPr id="91" name="Group 208"/>
+            <p:cNvGrpSpPr>
+              <a:grpSpLocks/>
+            </p:cNvGrpSpPr>
+            <p:nvPr/>
+          </p:nvGrpSpPr>
+          <p:grpSpPr bwMode="auto">
+            <a:xfrm>
+              <a:off x="2209672" y="3757246"/>
+              <a:ext cx="457200" cy="230187"/>
+              <a:chOff x="304800" y="1600994"/>
+              <a:chExt cx="457200" cy="229394"/>
+            </a:xfrm>
+          </p:grpSpPr>
+          <p:cxnSp>
+            <p:nvCxnSpPr>
+              <p:cNvPr id="92" name="Straight Connector 91"/>
+              <p:cNvCxnSpPr/>
+              <p:nvPr/>
+            </p:nvCxnSpPr>
+            <p:spPr>
+              <a:xfrm>
+                <a:off x="304800" y="1676931"/>
+                <a:ext cx="457200" cy="1582"/>
+              </a:xfrm>
+              <a:prstGeom prst="line">
+                <a:avLst/>
+              </a:prstGeom>
+              <a:ln>
+                <a:solidFill>
+                  <a:schemeClr val="tx1"/>
+                </a:solidFill>
+              </a:ln>
+            </p:spPr>
+            <p:style>
+              <a:lnRef idx="1">
+                <a:schemeClr val="accent1"/>
+              </a:lnRef>
+              <a:fillRef idx="0">
+                <a:schemeClr val="accent1"/>
+              </a:fillRef>
+              <a:effectRef idx="0">
+                <a:schemeClr val="accent1"/>
+              </a:effectRef>
+              <a:fontRef idx="minor">
+                <a:schemeClr val="tx1"/>
+              </a:fontRef>
+            </p:style>
+          </p:cxnSp>
+          <p:cxnSp>
+            <p:nvCxnSpPr>
+              <p:cNvPr id="93" name="Straight Connector 92"/>
+              <p:cNvCxnSpPr/>
+              <p:nvPr/>
+            </p:nvCxnSpPr>
+            <p:spPr>
+              <a:xfrm>
+                <a:off x="457200" y="1828806"/>
+                <a:ext cx="153988" cy="1582"/>
+              </a:xfrm>
+              <a:prstGeom prst="line">
+                <a:avLst/>
+              </a:prstGeom>
+              <a:ln>
+                <a:solidFill>
+                  <a:schemeClr val="tx1"/>
+                </a:solidFill>
+              </a:ln>
+            </p:spPr>
+            <p:style>
+              <a:lnRef idx="1">
+                <a:schemeClr val="accent1"/>
+              </a:lnRef>
+              <a:fillRef idx="0">
+                <a:schemeClr val="accent1"/>
+              </a:fillRef>
+              <a:effectRef idx="0">
+                <a:schemeClr val="accent1"/>
+              </a:effectRef>
+              <a:fontRef idx="minor">
+                <a:schemeClr val="tx1"/>
+              </a:fontRef>
+            </p:style>
+          </p:cxnSp>
+          <p:cxnSp>
+            <p:nvCxnSpPr>
+              <p:cNvPr id="94" name="Straight Connector 93"/>
+              <p:cNvCxnSpPr/>
+              <p:nvPr/>
+            </p:nvCxnSpPr>
+            <p:spPr>
+              <a:xfrm rot="5400000" flipH="1" flipV="1">
+                <a:off x="495432" y="1637375"/>
+                <a:ext cx="75937" cy="3175"/>
+              </a:xfrm>
+              <a:prstGeom prst="line">
+                <a:avLst/>
+              </a:prstGeom>
+              <a:ln>
+                <a:solidFill>
+                  <a:schemeClr val="tx1"/>
+                </a:solidFill>
+              </a:ln>
+            </p:spPr>
+            <p:style>
+              <a:lnRef idx="1">
+                <a:schemeClr val="accent1"/>
+              </a:lnRef>
+              <a:fillRef idx="0">
+                <a:schemeClr val="accent1"/>
+              </a:fillRef>
+              <a:effectRef idx="0">
+                <a:schemeClr val="accent1"/>
+              </a:effectRef>
+              <a:fontRef idx="minor">
+                <a:schemeClr val="tx1"/>
+              </a:fontRef>
+            </p:style>
+          </p:cxnSp>
+          <p:cxnSp>
+            <p:nvCxnSpPr>
+              <p:cNvPr id="95" name="Straight Connector 94"/>
+              <p:cNvCxnSpPr/>
+              <p:nvPr/>
+            </p:nvCxnSpPr>
+            <p:spPr>
+              <a:xfrm>
+                <a:off x="381000" y="1752869"/>
+                <a:ext cx="304800" cy="1582"/>
+              </a:xfrm>
+              <a:prstGeom prst="line">
+                <a:avLst/>
+              </a:prstGeom>
+              <a:ln>
+                <a:solidFill>
+                  <a:schemeClr val="tx1"/>
+                </a:solidFill>
+              </a:ln>
+            </p:spPr>
+            <p:style>
+              <a:lnRef idx="1">
+                <a:schemeClr val="accent1"/>
+              </a:lnRef>
+              <a:fillRef idx="0">
+                <a:schemeClr val="accent1"/>
+              </a:fillRef>
+              <a:effectRef idx="0">
+                <a:schemeClr val="accent1"/>
+              </a:effectRef>
+              <a:fontRef idx="minor">
+                <a:schemeClr val="tx1"/>
+              </a:fontRef>
+            </p:style>
+          </p:cxnSp>
+        </p:grpSp>
+      </p:grpSp>
+      <p:grpSp>
+        <p:nvGrpSpPr>
+          <p:cNvPr id="102" name="Group 101"/>
+          <p:cNvGrpSpPr/>
+          <p:nvPr/>
+        </p:nvGrpSpPr>
+        <p:grpSpPr>
+          <a:xfrm>
+            <a:off x="8240182" y="3010207"/>
+            <a:ext cx="1163044" cy="999514"/>
+            <a:chOff x="8240182" y="3010207"/>
+            <a:chExt cx="1163044" cy="999514"/>
+          </a:xfrm>
+        </p:grpSpPr>
+        <p:grpSp>
+          <p:nvGrpSpPr>
+            <p:cNvPr id="57" name="Group 56"/>
+            <p:cNvGrpSpPr/>
+            <p:nvPr/>
+          </p:nvGrpSpPr>
+          <p:grpSpPr>
+            <a:xfrm>
+              <a:off x="8240182" y="3010207"/>
+              <a:ext cx="1163044" cy="834455"/>
+              <a:chOff x="8240182" y="3010207"/>
+              <a:chExt cx="1163044" cy="834455"/>
+            </a:xfrm>
+          </p:grpSpPr>
+          <p:pic>
+            <p:nvPicPr>
+              <p:cNvPr id="25" name="Picture 24"/>
+              <p:cNvPicPr>
+                <a:picLocks noChangeAspect="1"/>
+              </p:cNvPicPr>
+              <p:nvPr/>
+            </p:nvPicPr>
+            <p:blipFill>
+              <a:blip r:embed="rId3"/>
+              <a:stretch>
+                <a:fillRect/>
+              </a:stretch>
+            </p:blipFill>
+            <p:spPr>
+              <a:xfrm>
+                <a:off x="8568771" y="3010207"/>
+                <a:ext cx="834455" cy="834455"/>
+              </a:xfrm>
+              <a:prstGeom prst="rect">
+                <a:avLst/>
+              </a:prstGeom>
+            </p:spPr>
+          </p:pic>
+          <p:sp>
+            <p:nvSpPr>
+              <p:cNvPr id="56" name="TextBox 55"/>
+              <p:cNvSpPr txBox="1"/>
+              <p:nvPr/>
+            </p:nvSpPr>
+            <p:spPr>
+              <a:xfrm>
+                <a:off x="8240182" y="3242769"/>
+                <a:ext cx="566498" cy="369332"/>
+              </a:xfrm>
+              <a:prstGeom prst="rect">
+                <a:avLst/>
+              </a:prstGeom>
+              <a:noFill/>
+            </p:spPr>
+            <p:txBody>
+              <a:bodyPr wrap="square" rtlCol="0">
+                <a:spAutoFit/>
+              </a:bodyPr>
+              <a:lstStyle/>
+              <a:p>
+                <a:r>
+                  <a:rPr lang="en-US" dirty="0" smtClean="0"/>
+                  <a:t>24V</a:t>
+                </a:r>
+                <a:endParaRPr lang="en-US" dirty="0"/>
+              </a:p>
+            </p:txBody>
+          </p:sp>
+        </p:grpSp>
+        <p:grpSp>
+          <p:nvGrpSpPr>
+            <p:cNvPr id="97" name="Group 208"/>
+            <p:cNvGrpSpPr>
+              <a:grpSpLocks/>
+            </p:cNvGrpSpPr>
+            <p:nvPr/>
+          </p:nvGrpSpPr>
+          <p:grpSpPr bwMode="auto">
+            <a:xfrm>
+              <a:off x="8757398" y="3779534"/>
+              <a:ext cx="457200" cy="230187"/>
+              <a:chOff x="304800" y="1600994"/>
+              <a:chExt cx="457200" cy="229394"/>
+            </a:xfrm>
+          </p:grpSpPr>
+          <p:cxnSp>
+            <p:nvCxnSpPr>
+              <p:cNvPr id="98" name="Straight Connector 97"/>
+              <p:cNvCxnSpPr/>
+              <p:nvPr/>
+            </p:nvCxnSpPr>
+            <p:spPr>
+              <a:xfrm>
+                <a:off x="304800" y="1676931"/>
+                <a:ext cx="457200" cy="1582"/>
+              </a:xfrm>
+              <a:prstGeom prst="line">
+                <a:avLst/>
+              </a:prstGeom>
+              <a:ln>
+                <a:solidFill>
+                  <a:schemeClr val="tx1"/>
+                </a:solidFill>
+              </a:ln>
+            </p:spPr>
+            <p:style>
+              <a:lnRef idx="1">
+                <a:schemeClr val="accent1"/>
+              </a:lnRef>
+              <a:fillRef idx="0">
+                <a:schemeClr val="accent1"/>
+              </a:fillRef>
+              <a:effectRef idx="0">
+                <a:schemeClr val="accent1"/>
+              </a:effectRef>
+              <a:fontRef idx="minor">
+                <a:schemeClr val="tx1"/>
+              </a:fontRef>
+            </p:style>
+          </p:cxnSp>
+          <p:cxnSp>
+            <p:nvCxnSpPr>
+              <p:cNvPr id="99" name="Straight Connector 98"/>
+              <p:cNvCxnSpPr/>
+              <p:nvPr/>
+            </p:nvCxnSpPr>
+            <p:spPr>
+              <a:xfrm>
+                <a:off x="457200" y="1828806"/>
+                <a:ext cx="153988" cy="1582"/>
+              </a:xfrm>
+              <a:prstGeom prst="line">
+                <a:avLst/>
+              </a:prstGeom>
+              <a:ln>
+                <a:solidFill>
+                  <a:schemeClr val="tx1"/>
+                </a:solidFill>
+              </a:ln>
+            </p:spPr>
+            <p:style>
+              <a:lnRef idx="1">
+                <a:schemeClr val="accent1"/>
+              </a:lnRef>
+              <a:fillRef idx="0">
+                <a:schemeClr val="accent1"/>
+              </a:fillRef>
+              <a:effectRef idx="0">
+                <a:schemeClr val="accent1"/>
+              </a:effectRef>
+              <a:fontRef idx="minor">
+                <a:schemeClr val="tx1"/>
+              </a:fontRef>
+            </p:style>
+          </p:cxnSp>
+          <p:cxnSp>
+            <p:nvCxnSpPr>
+              <p:cNvPr id="100" name="Straight Connector 99"/>
+              <p:cNvCxnSpPr/>
+              <p:nvPr/>
+            </p:nvCxnSpPr>
+            <p:spPr>
+              <a:xfrm rot="5400000" flipH="1" flipV="1">
+                <a:off x="495432" y="1637375"/>
+                <a:ext cx="75937" cy="3175"/>
+              </a:xfrm>
+              <a:prstGeom prst="line">
+                <a:avLst/>
+              </a:prstGeom>
+              <a:ln>
+                <a:solidFill>
+                  <a:schemeClr val="tx1"/>
+                </a:solidFill>
+              </a:ln>
+            </p:spPr>
+            <p:style>
+              <a:lnRef idx="1">
+                <a:schemeClr val="accent1"/>
+              </a:lnRef>
+              <a:fillRef idx="0">
+                <a:schemeClr val="accent1"/>
+              </a:fillRef>
+              <a:effectRef idx="0">
+                <a:schemeClr val="accent1"/>
+              </a:effectRef>
+              <a:fontRef idx="minor">
+                <a:schemeClr val="tx1"/>
+              </a:fontRef>
+            </p:style>
+          </p:cxnSp>
+          <p:cxnSp>
+            <p:nvCxnSpPr>
+              <p:cNvPr id="101" name="Straight Connector 100"/>
+              <p:cNvCxnSpPr/>
+              <p:nvPr/>
+            </p:nvCxnSpPr>
+            <p:spPr>
+              <a:xfrm>
+                <a:off x="381000" y="1752869"/>
+                <a:ext cx="304800" cy="1582"/>
+              </a:xfrm>
+              <a:prstGeom prst="line">
+                <a:avLst/>
+              </a:prstGeom>
+              <a:ln>
+                <a:solidFill>
+                  <a:schemeClr val="tx1"/>
+                </a:solidFill>
+              </a:ln>
+            </p:spPr>
+            <p:style>
+              <a:lnRef idx="1">
+                <a:schemeClr val="accent1"/>
+              </a:lnRef>
+              <a:fillRef idx="0">
+                <a:schemeClr val="accent1"/>
+              </a:fillRef>
+              <a:effectRef idx="0">
+                <a:schemeClr val="accent1"/>
+              </a:effectRef>
+              <a:fontRef idx="minor">
+                <a:schemeClr val="tx1"/>
+              </a:fontRef>
+            </p:style>
+          </p:cxnSp>
+        </p:grpSp>
+      </p:grpSp>
+      <p:cxnSp>
+        <p:nvCxnSpPr>
+          <p:cNvPr id="104" name="Elbow Connector 103"/>
+          <p:cNvCxnSpPr/>
+          <p:nvPr/>
+        </p:nvCxnSpPr>
+        <p:spPr>
+          <a:xfrm flipV="1">
+            <a:off x="9758148" y="58559"/>
+            <a:ext cx="955320" cy="657450"/>
+          </a:xfrm>
+          <a:prstGeom prst="bentConnector3">
+            <a:avLst/>
+          </a:prstGeom>
+          <a:ln>
+            <a:solidFill>
+              <a:schemeClr val="tx1"/>
+            </a:solidFill>
+          </a:ln>
+        </p:spPr>
+        <p:style>
+          <a:lnRef idx="1">
+            <a:schemeClr val="accent1"/>
+          </a:lnRef>
+          <a:fillRef idx="0">
+            <a:schemeClr val="accent1"/>
+          </a:fillRef>
+          <a:effectRef idx="0">
+            <a:schemeClr val="accent1"/>
+          </a:effectRef>
+          <a:fontRef idx="minor">
+            <a:schemeClr val="tx1"/>
+          </a:fontRef>
+        </p:style>
+      </p:cxnSp>
+      <p:cxnSp>
+        <p:nvCxnSpPr>
+          <p:cNvPr id="106" name="Elbow Connector 105"/>
+          <p:cNvCxnSpPr/>
+          <p:nvPr/>
+        </p:nvCxnSpPr>
+        <p:spPr>
+          <a:xfrm flipV="1">
+            <a:off x="9758148" y="735916"/>
+            <a:ext cx="998652" cy="228144"/>
+          </a:xfrm>
+          <a:prstGeom prst="bentConnector3">
+            <a:avLst>
+              <a:gd name="adj1" fmla="val 69133"/>
+            </a:avLst>
+          </a:prstGeom>
+          <a:ln>
+            <a:solidFill>
+              <a:schemeClr val="tx1"/>
+            </a:solidFill>
+          </a:ln>
+        </p:spPr>
+        <p:style>
+          <a:lnRef idx="1">
+            <a:schemeClr val="accent1"/>
+          </a:lnRef>
+          <a:fillRef idx="0">
+            <a:schemeClr val="accent1"/>
+          </a:fillRef>
+          <a:effectRef idx="0">
+            <a:schemeClr val="accent1"/>
+          </a:effectRef>
+          <a:fontRef idx="minor">
+            <a:schemeClr val="tx1"/>
+          </a:fontRef>
+        </p:style>
+      </p:cxnSp>
+      <p:cxnSp>
+        <p:nvCxnSpPr>
+          <p:cNvPr id="109" name="Elbow Connector 108"/>
+          <p:cNvCxnSpPr>
+            <a:endCxn id="11" idx="2"/>
+          </p:cNvCxnSpPr>
+          <p:nvPr/>
+        </p:nvCxnSpPr>
         <p:spPr>
           <a:xfrm>
-            <a:off x="871519" y="1571174"/>
-            <a:ext cx="1754906" cy="369332"/>
+            <a:off x="9758148" y="1171234"/>
+            <a:ext cx="1674126" cy="380547"/>
           </a:xfrm>
-          <a:prstGeom prst="rect">
+          <a:prstGeom prst="bentConnector4">
+            <a:avLst>
+              <a:gd name="adj1" fmla="val 27310"/>
+              <a:gd name="adj2" fmla="val 91930"/>
+            </a:avLst>
+          </a:prstGeom>
+          <a:ln>
+            <a:solidFill>
+              <a:schemeClr val="tx1"/>
+            </a:solidFill>
+          </a:ln>
+        </p:spPr>
+        <p:style>
+          <a:lnRef idx="1">
+            <a:schemeClr val="accent1"/>
+          </a:lnRef>
+          <a:fillRef idx="0">
+            <a:schemeClr val="accent1"/>
+          </a:fillRef>
+          <a:effectRef idx="0">
+            <a:schemeClr val="accent1"/>
+          </a:effectRef>
+          <a:fontRef idx="minor">
+            <a:schemeClr val="tx1"/>
+          </a:fontRef>
+        </p:style>
+      </p:cxnSp>
+      <p:cxnSp>
+        <p:nvCxnSpPr>
+          <p:cNvPr id="112" name="Elbow Connector 111"/>
+          <p:cNvCxnSpPr/>
+          <p:nvPr/>
+        </p:nvCxnSpPr>
+        <p:spPr>
+          <a:xfrm>
+            <a:off x="9758148" y="1389111"/>
+            <a:ext cx="2361540" cy="328812"/>
+          </a:xfrm>
+          <a:prstGeom prst="bentConnector3">
+            <a:avLst>
+              <a:gd name="adj1" fmla="val 10124"/>
+            </a:avLst>
+          </a:prstGeom>
+          <a:ln>
+            <a:solidFill>
+              <a:schemeClr val="tx1"/>
+            </a:solidFill>
+          </a:ln>
+        </p:spPr>
+        <p:style>
+          <a:lnRef idx="1">
+            <a:schemeClr val="accent1"/>
+          </a:lnRef>
+          <a:fillRef idx="0">
+            <a:schemeClr val="accent1"/>
+          </a:fillRef>
+          <a:effectRef idx="0">
+            <a:schemeClr val="accent1"/>
+          </a:effectRef>
+          <a:fontRef idx="minor">
+            <a:schemeClr val="tx1"/>
+          </a:fontRef>
+        </p:style>
+      </p:cxnSp>
+      <p:cxnSp>
+        <p:nvCxnSpPr>
+          <p:cNvPr id="116" name="Straight Connector 115"/>
+          <p:cNvCxnSpPr/>
+          <p:nvPr/>
+        </p:nvCxnSpPr>
+        <p:spPr>
+          <a:xfrm>
+            <a:off x="12134842" y="1485751"/>
+            <a:ext cx="0" cy="248455"/>
+          </a:xfrm>
+          <a:prstGeom prst="line">
             <a:avLst/>
           </a:prstGeom>
-          <a:noFill/>
+          <a:ln>
+            <a:solidFill>
+              <a:schemeClr val="tx1"/>
+            </a:solidFill>
+          </a:ln>
         </p:spPr>
-        <p:txBody>
-          <a:bodyPr wrap="square" rtlCol="0">
-            <a:spAutoFit/>
-          </a:bodyPr>
-          <a:lstStyle/>
-          <a:p>
-            <a:r>
-              <a:rPr lang="en-US" dirty="0" smtClean="0"/>
-              <a:t>TB6560 DRIVER</a:t>
-            </a:r>
-            <a:endParaRPr lang="en-US" dirty="0"/>
-          </a:p>
-        </p:txBody>
-      </p:sp>
-      <p:sp>
-        <p:nvSpPr>
-          <p:cNvPr id="16" name="TextBox 15"/>
-          <p:cNvSpPr txBox="1"/>
+        <p:style>
+          <a:lnRef idx="1">
+            <a:schemeClr val="accent1"/>
+          </a:lnRef>
+          <a:fillRef idx="0">
+            <a:schemeClr val="accent1"/>
+          </a:fillRef>
+          <a:effectRef idx="0">
+            <a:schemeClr val="accent1"/>
+          </a:effectRef>
+          <a:fontRef idx="minor">
+            <a:schemeClr val="tx1"/>
+          </a:fontRef>
+        </p:style>
+      </p:cxnSp>
+      <p:cxnSp>
+        <p:nvCxnSpPr>
+          <p:cNvPr id="124" name="Elbow Connector 123"/>
+          <p:cNvCxnSpPr>
+            <a:stCxn id="25" idx="0"/>
+          </p:cNvCxnSpPr>
           <p:nvPr/>
-        </p:nvSpPr>
+        </p:nvCxnSpPr>
         <p:spPr>
-          <a:xfrm>
-            <a:off x="2452910" y="1958651"/>
-            <a:ext cx="362197" cy="954107"/>
+          <a:xfrm rot="16200000" flipV="1">
+            <a:off x="7384855" y="1409062"/>
+            <a:ext cx="1648700" cy="1553589"/>
           </a:xfrm>
-          <a:prstGeom prst="rect">
+          <a:prstGeom prst="bentConnector3">
             <a:avLst/>
           </a:prstGeom>
-          <a:noFill/>
+          <a:ln>
+            <a:solidFill>
+              <a:schemeClr val="tx1"/>
+            </a:solidFill>
+          </a:ln>
         </p:spPr>
-        <p:txBody>
-          <a:bodyPr wrap="square" rtlCol="0">
-            <a:spAutoFit/>
-          </a:bodyPr>
-          <a:lstStyle/>
-          <a:p>
-            <a:r>
-              <a:rPr lang="en-US" sz="1400" dirty="0" smtClean="0"/>
-              <a:t>A</a:t>
-            </a:r>
-          </a:p>
-          <a:p>
-            <a:r>
-              <a:rPr lang="en-US" sz="1400" dirty="0" smtClean="0"/>
-              <a:t>Ā</a:t>
-            </a:r>
-            <a:endParaRPr lang="en-US" sz="1400" dirty="0"/>
-          </a:p>
-          <a:p>
-            <a:r>
-              <a:rPr lang="en-US" sz="1400" dirty="0" smtClean="0"/>
-              <a:t>B</a:t>
-            </a:r>
-          </a:p>
-          <a:p>
-            <a:r>
-              <a:rPr lang="en-US" sz="1400" dirty="0" smtClean="0"/>
-              <a:t>Ḇ</a:t>
-            </a:r>
-          </a:p>
-        </p:txBody>
-      </p:sp>
-      <p:sp>
-        <p:nvSpPr>
-          <p:cNvPr id="17" name="TextBox 16"/>
-          <p:cNvSpPr txBox="1"/>
-          <p:nvPr/>
-        </p:nvSpPr>
-        <p:spPr>
-          <a:xfrm>
-            <a:off x="714734" y="1958651"/>
-            <a:ext cx="928914" cy="954107"/>
-          </a:xfrm>
-          <a:prstGeom prst="rect">
-            <a:avLst/>
-          </a:prstGeom>
-          <a:noFill/>
-        </p:spPr>
-        <p:txBody>
-          <a:bodyPr wrap="square" rtlCol="0">
-            <a:spAutoFit/>
-          </a:bodyPr>
-          <a:lstStyle/>
-          <a:p>
-            <a:r>
-              <a:rPr lang="en-US" sz="1400" dirty="0" smtClean="0"/>
-              <a:t>CLK+</a:t>
-            </a:r>
-          </a:p>
-          <a:p>
-            <a:r>
-              <a:rPr lang="en-US" sz="1400" dirty="0" smtClean="0"/>
-              <a:t>DIR+</a:t>
-            </a:r>
-          </a:p>
-          <a:p>
-            <a:r>
-              <a:rPr lang="en-US" sz="1400" dirty="0" smtClean="0"/>
-              <a:t>+24V</a:t>
-            </a:r>
-          </a:p>
-          <a:p>
-            <a:r>
-              <a:rPr lang="en-US" sz="1400" dirty="0" smtClean="0"/>
-              <a:t>GND</a:t>
-            </a:r>
-          </a:p>
-        </p:txBody>
-      </p:sp>
+        <p:style>
+          <a:lnRef idx="1">
+            <a:schemeClr val="accent1"/>
+          </a:lnRef>
+          <a:fillRef idx="0">
+            <a:schemeClr val="accent1"/>
+          </a:fillRef>
+          <a:effectRef idx="0">
+            <a:schemeClr val="accent1"/>
+          </a:effectRef>
+          <a:fontRef idx="minor">
+            <a:schemeClr val="tx1"/>
+          </a:fontRef>
+        </p:style>
+      </p:cxnSp>
     </p:spTree>
     <p:extLst>
       <p:ext uri="{BB962C8B-B14F-4D97-AF65-F5344CB8AC3E}">

--- a/Documentation/Schematic/Senior Project Schematic.pptx
+++ b/Documentation/Schematic/Senior Project Schematic.pptx
@@ -243,7 +243,7 @@
           <a:p>
             <a:fld id="{C2D1F884-979D-4455-8E98-4EC1F6CF7CF2}" type="datetimeFigureOut">
               <a:rPr lang="en-US" smtClean="0"/>
-              <a:t>4/13/2016</a:t>
+              <a:t>4/14/2016</a:t>
             </a:fld>
             <a:endParaRPr lang="en-US"/>
           </a:p>
@@ -413,7 +413,7 @@
           <a:p>
             <a:fld id="{C2D1F884-979D-4455-8E98-4EC1F6CF7CF2}" type="datetimeFigureOut">
               <a:rPr lang="en-US" smtClean="0"/>
-              <a:t>4/13/2016</a:t>
+              <a:t>4/14/2016</a:t>
             </a:fld>
             <a:endParaRPr lang="en-US"/>
           </a:p>
@@ -593,7 +593,7 @@
           <a:p>
             <a:fld id="{C2D1F884-979D-4455-8E98-4EC1F6CF7CF2}" type="datetimeFigureOut">
               <a:rPr lang="en-US" smtClean="0"/>
-              <a:t>4/13/2016</a:t>
+              <a:t>4/14/2016</a:t>
             </a:fld>
             <a:endParaRPr lang="en-US"/>
           </a:p>
@@ -763,7 +763,7 @@
           <a:p>
             <a:fld id="{C2D1F884-979D-4455-8E98-4EC1F6CF7CF2}" type="datetimeFigureOut">
               <a:rPr lang="en-US" smtClean="0"/>
-              <a:t>4/13/2016</a:t>
+              <a:t>4/14/2016</a:t>
             </a:fld>
             <a:endParaRPr lang="en-US"/>
           </a:p>
@@ -1009,7 +1009,7 @@
           <a:p>
             <a:fld id="{C2D1F884-979D-4455-8E98-4EC1F6CF7CF2}" type="datetimeFigureOut">
               <a:rPr lang="en-US" smtClean="0"/>
-              <a:t>4/13/2016</a:t>
+              <a:t>4/14/2016</a:t>
             </a:fld>
             <a:endParaRPr lang="en-US"/>
           </a:p>
@@ -1241,7 +1241,7 @@
           <a:p>
             <a:fld id="{C2D1F884-979D-4455-8E98-4EC1F6CF7CF2}" type="datetimeFigureOut">
               <a:rPr lang="en-US" smtClean="0"/>
-              <a:t>4/13/2016</a:t>
+              <a:t>4/14/2016</a:t>
             </a:fld>
             <a:endParaRPr lang="en-US"/>
           </a:p>
@@ -1608,7 +1608,7 @@
           <a:p>
             <a:fld id="{C2D1F884-979D-4455-8E98-4EC1F6CF7CF2}" type="datetimeFigureOut">
               <a:rPr lang="en-US" smtClean="0"/>
-              <a:t>4/13/2016</a:t>
+              <a:t>4/14/2016</a:t>
             </a:fld>
             <a:endParaRPr lang="en-US"/>
           </a:p>
@@ -1726,7 +1726,7 @@
           <a:p>
             <a:fld id="{C2D1F884-979D-4455-8E98-4EC1F6CF7CF2}" type="datetimeFigureOut">
               <a:rPr lang="en-US" smtClean="0"/>
-              <a:t>4/13/2016</a:t>
+              <a:t>4/14/2016</a:t>
             </a:fld>
             <a:endParaRPr lang="en-US"/>
           </a:p>
@@ -1821,7 +1821,7 @@
           <a:p>
             <a:fld id="{C2D1F884-979D-4455-8E98-4EC1F6CF7CF2}" type="datetimeFigureOut">
               <a:rPr lang="en-US" smtClean="0"/>
-              <a:t>4/13/2016</a:t>
+              <a:t>4/14/2016</a:t>
             </a:fld>
             <a:endParaRPr lang="en-US"/>
           </a:p>
@@ -2098,7 +2098,7 @@
           <a:p>
             <a:fld id="{C2D1F884-979D-4455-8E98-4EC1F6CF7CF2}" type="datetimeFigureOut">
               <a:rPr lang="en-US" smtClean="0"/>
-              <a:t>4/13/2016</a:t>
+              <a:t>4/14/2016</a:t>
             </a:fld>
             <a:endParaRPr lang="en-US"/>
           </a:p>
@@ -2351,7 +2351,7 @@
           <a:p>
             <a:fld id="{C2D1F884-979D-4455-8E98-4EC1F6CF7CF2}" type="datetimeFigureOut">
               <a:rPr lang="en-US" smtClean="0"/>
-              <a:t>4/13/2016</a:t>
+              <a:t>4/14/2016</a:t>
             </a:fld>
             <a:endParaRPr lang="en-US"/>
           </a:p>
@@ -2564,7 +2564,7 @@
           <a:p>
             <a:fld id="{C2D1F884-979D-4455-8E98-4EC1F6CF7CF2}" type="datetimeFigureOut">
               <a:rPr lang="en-US" smtClean="0"/>
-              <a:t>4/13/2016</a:t>
+              <a:t>4/14/2016</a:t>
             </a:fld>
             <a:endParaRPr lang="en-US"/>
           </a:p>
@@ -3009,7 +3009,7 @@
         </p:blipFill>
         <p:spPr>
           <a:xfrm>
-            <a:off x="10672548" y="3441465"/>
+            <a:off x="10615390" y="5025898"/>
             <a:ext cx="1519452" cy="1551781"/>
           </a:xfrm>
           <a:prstGeom prst="rect">
@@ -3392,7 +3392,7 @@
                 <a:gd name="adj1" fmla="val 101820"/>
               </a:avLst>
             </a:prstGeom>
-            <a:ln>
+            <a:ln w="12700">
               <a:solidFill>
                 <a:schemeClr val="tx1"/>
               </a:solidFill>
@@ -3789,7 +3789,7 @@
                 <a:gd name="adj1" fmla="val 101820"/>
               </a:avLst>
             </a:prstGeom>
-            <a:ln>
+            <a:ln w="12700">
               <a:solidFill>
                 <a:schemeClr val="tx1"/>
               </a:solidFill>
@@ -3820,9 +3820,9 @@
         <p:grpSpPr>
           <a:xfrm>
             <a:off x="4778820" y="1892320"/>
-            <a:ext cx="2822983" cy="3352620"/>
+            <a:ext cx="2822983" cy="3352614"/>
             <a:chOff x="4778820" y="1892320"/>
-            <a:chExt cx="2822983" cy="3352620"/>
+            <a:chExt cx="2822983" cy="3352614"/>
           </a:xfrm>
         </p:grpSpPr>
         <p:grpSp>
@@ -4176,10 +4176,10 @@
           </p:nvGrpSpPr>
           <p:grpSpPr bwMode="auto">
             <a:xfrm>
-              <a:off x="7347714" y="5113737"/>
-              <a:ext cx="254089" cy="131203"/>
-              <a:chOff x="304800" y="1600994"/>
-              <a:chExt cx="457200" cy="229394"/>
+              <a:off x="7347714" y="5157164"/>
+              <a:ext cx="254089" cy="87770"/>
+              <a:chOff x="304800" y="1676931"/>
+              <a:chExt cx="457200" cy="153457"/>
             </a:xfrm>
           </p:grpSpPr>
           <p:cxnSp>
@@ -4254,41 +4254,6 @@
           </p:cxnSp>
           <p:cxnSp>
             <p:nvCxnSpPr>
-              <p:cNvPr id="29" name="Straight Connector 28"/>
-              <p:cNvCxnSpPr/>
-              <p:nvPr/>
-            </p:nvCxnSpPr>
-            <p:spPr>
-              <a:xfrm rot="5400000" flipH="1" flipV="1">
-                <a:off x="495432" y="1637375"/>
-                <a:ext cx="75937" cy="3175"/>
-              </a:xfrm>
-              <a:prstGeom prst="line">
-                <a:avLst/>
-              </a:prstGeom>
-              <a:ln>
-                <a:solidFill>
-                  <a:schemeClr val="tx1"/>
-                </a:solidFill>
-              </a:ln>
-            </p:spPr>
-            <p:style>
-              <a:lnRef idx="1">
-                <a:schemeClr val="accent1"/>
-              </a:lnRef>
-              <a:fillRef idx="0">
-                <a:schemeClr val="accent1"/>
-              </a:fillRef>
-              <a:effectRef idx="0">
-                <a:schemeClr val="accent1"/>
-              </a:effectRef>
-              <a:fontRef idx="minor">
-                <a:schemeClr val="tx1"/>
-              </a:fontRef>
-            </p:style>
-          </p:cxnSp>
-          <p:cxnSp>
-            <p:nvCxnSpPr>
               <p:cNvPr id="30" name="Straight Connector 29"/>
               <p:cNvCxnSpPr/>
               <p:nvPr/>
@@ -4323,43 +4288,6 @@
             </p:style>
           </p:cxnSp>
         </p:grpSp>
-        <p:cxnSp>
-          <p:nvCxnSpPr>
-            <p:cNvPr id="50" name="Elbow Connector 49"/>
-            <p:cNvCxnSpPr/>
-            <p:nvPr/>
-          </p:nvCxnSpPr>
-          <p:spPr>
-            <a:xfrm rot="10800000">
-              <a:off x="7254109" y="4960037"/>
-              <a:ext cx="219768" cy="153703"/>
-            </a:xfrm>
-            <a:prstGeom prst="bentConnector3">
-              <a:avLst>
-                <a:gd name="adj1" fmla="val 319"/>
-              </a:avLst>
-            </a:prstGeom>
-            <a:ln>
-              <a:solidFill>
-                <a:schemeClr val="tx1"/>
-              </a:solidFill>
-            </a:ln>
-          </p:spPr>
-          <p:style>
-            <a:lnRef idx="1">
-              <a:schemeClr val="accent1"/>
-            </a:lnRef>
-            <a:fillRef idx="0">
-              <a:schemeClr val="accent1"/>
-            </a:fillRef>
-            <a:effectRef idx="0">
-              <a:schemeClr val="accent1"/>
-            </a:effectRef>
-            <a:fontRef idx="minor">
-              <a:schemeClr val="tx1"/>
-            </a:fontRef>
-          </p:style>
-        </p:cxnSp>
       </p:grpSp>
       <p:grpSp>
         <p:nvGrpSpPr>
@@ -4501,158 +4429,6 @@
                 <a:rPr lang="en-US" sz="1400" dirty="0" smtClean="0"/>
                 <a:t>V</a:t>
               </a:r>
-              <a:endParaRPr lang="en-US" sz="1400" dirty="0" smtClean="0"/>
-            </a:p>
-            <a:p>
-              <a:r>
-                <a:rPr lang="en-US" sz="1400" dirty="0" smtClean="0"/>
-                <a:t>GND</a:t>
-              </a:r>
-            </a:p>
-          </p:txBody>
-        </p:sp>
-      </p:grpSp>
-      <p:grpSp>
-        <p:nvGrpSpPr>
-          <p:cNvPr id="65" name="Group 64"/>
-          <p:cNvGrpSpPr/>
-          <p:nvPr/>
-        </p:nvGrpSpPr>
-        <p:grpSpPr>
-          <a:xfrm>
-            <a:off x="10672548" y="5318103"/>
-            <a:ext cx="1754906" cy="1281910"/>
-            <a:chOff x="655094" y="1365756"/>
-            <a:chExt cx="1754906" cy="1281910"/>
-          </a:xfrm>
-        </p:grpSpPr>
-        <p:sp>
-          <p:nvSpPr>
-            <p:cNvPr id="66" name="Rectangle 65"/>
-            <p:cNvSpPr/>
-            <p:nvPr/>
-          </p:nvSpPr>
-          <p:spPr>
-            <a:xfrm>
-              <a:off x="723332" y="1405719"/>
-              <a:ext cx="1407704" cy="1241947"/>
-            </a:xfrm>
-            <a:prstGeom prst="rect">
-              <a:avLst/>
-            </a:prstGeom>
-            <a:solidFill>
-              <a:schemeClr val="bg1"/>
-            </a:solidFill>
-            <a:ln>
-              <a:solidFill>
-                <a:schemeClr val="tx1"/>
-              </a:solidFill>
-            </a:ln>
-          </p:spPr>
-          <p:style>
-            <a:lnRef idx="2">
-              <a:schemeClr val="accent1">
-                <a:shade val="50000"/>
-              </a:schemeClr>
-            </a:lnRef>
-            <a:fillRef idx="1">
-              <a:schemeClr val="accent1"/>
-            </a:fillRef>
-            <a:effectRef idx="0">
-              <a:schemeClr val="accent1"/>
-            </a:effectRef>
-            <a:fontRef idx="minor">
-              <a:schemeClr val="lt1"/>
-            </a:fontRef>
-          </p:style>
-          <p:txBody>
-            <a:bodyPr rtlCol="0" anchor="ctr"/>
-            <a:lstStyle/>
-            <a:p>
-              <a:pPr algn="ctr"/>
-              <a:endParaRPr lang="en-US"/>
-            </a:p>
-          </p:txBody>
-        </p:sp>
-        <p:sp>
-          <p:nvSpPr>
-            <p:cNvPr id="67" name="TextBox 66"/>
-            <p:cNvSpPr txBox="1"/>
-            <p:nvPr/>
-          </p:nvSpPr>
-          <p:spPr>
-            <a:xfrm>
-              <a:off x="655094" y="1365756"/>
-              <a:ext cx="1754906" cy="369332"/>
-            </a:xfrm>
-            <a:prstGeom prst="rect">
-              <a:avLst/>
-            </a:prstGeom>
-            <a:noFill/>
-          </p:spPr>
-          <p:txBody>
-            <a:bodyPr wrap="square" rtlCol="0">
-              <a:spAutoFit/>
-            </a:bodyPr>
-            <a:lstStyle/>
-            <a:p>
-              <a:r>
-                <a:rPr lang="en-US" dirty="0" smtClean="0"/>
-                <a:t>ROT. ENCODER</a:t>
-              </a:r>
-              <a:endParaRPr lang="en-US" dirty="0"/>
-            </a:p>
-          </p:txBody>
-        </p:sp>
-        <p:sp>
-          <p:nvSpPr>
-            <p:cNvPr id="68" name="TextBox 67"/>
-            <p:cNvSpPr txBox="1"/>
-            <p:nvPr/>
-          </p:nvSpPr>
-          <p:spPr>
-            <a:xfrm>
-              <a:off x="688716" y="1672589"/>
-              <a:ext cx="581803" cy="954107"/>
-            </a:xfrm>
-            <a:prstGeom prst="rect">
-              <a:avLst/>
-            </a:prstGeom>
-            <a:noFill/>
-          </p:spPr>
-          <p:txBody>
-            <a:bodyPr wrap="square" rtlCol="0">
-              <a:spAutoFit/>
-            </a:bodyPr>
-            <a:lstStyle/>
-            <a:p>
-              <a:r>
-                <a:rPr lang="en-US" sz="1400" dirty="0" err="1" smtClean="0"/>
-                <a:t>PhaA</a:t>
-              </a:r>
-              <a:endParaRPr lang="en-US" sz="1400" dirty="0" smtClean="0"/>
-            </a:p>
-            <a:p>
-              <a:r>
-                <a:rPr lang="en-US" sz="1400" dirty="0" err="1" smtClean="0"/>
-                <a:t>PhaB</a:t>
-              </a:r>
-              <a:endParaRPr lang="en-US" sz="1400" dirty="0" smtClean="0"/>
-            </a:p>
-            <a:p>
-              <a:r>
-                <a:rPr lang="en-US" sz="1400" dirty="0" smtClean="0"/>
-                <a:t>+</a:t>
-              </a:r>
-              <a:r>
-                <a:rPr lang="en-US" sz="1400" dirty="0"/>
-                <a:t>5</a:t>
-              </a:r>
-              <a:r>
-                <a:rPr lang="en-US" sz="1400" dirty="0" smtClean="0"/>
-                <a:t>V</a:t>
-              </a:r>
-              <a:endParaRPr lang="en-US" sz="1400" dirty="0" smtClean="0"/>
             </a:p>
             <a:p>
               <a:r>
@@ -4820,9 +4596,2086 @@
           </p:style>
         </p:cxnSp>
       </p:grpSp>
+      <p:cxnSp>
+        <p:nvCxnSpPr>
+          <p:cNvPr id="79" name="Elbow Connector 78"/>
+          <p:cNvCxnSpPr/>
+          <p:nvPr/>
+        </p:nvCxnSpPr>
+        <p:spPr>
+          <a:xfrm rot="10800000" flipV="1">
+            <a:off x="10552656" y="2978864"/>
+            <a:ext cx="188130" cy="113205"/>
+          </a:xfrm>
+          <a:prstGeom prst="bentConnector3">
+            <a:avLst>
+              <a:gd name="adj1" fmla="val 100781"/>
+            </a:avLst>
+          </a:prstGeom>
+          <a:ln>
+            <a:solidFill>
+              <a:schemeClr val="tx1"/>
+            </a:solidFill>
+          </a:ln>
+        </p:spPr>
+        <p:style>
+          <a:lnRef idx="1">
+            <a:schemeClr val="accent1"/>
+          </a:lnRef>
+          <a:fillRef idx="0">
+            <a:schemeClr val="accent1"/>
+          </a:fillRef>
+          <a:effectRef idx="0">
+            <a:schemeClr val="accent1"/>
+          </a:effectRef>
+          <a:fontRef idx="minor">
+            <a:schemeClr val="tx1"/>
+          </a:fontRef>
+        </p:style>
+      </p:cxnSp>
       <p:grpSp>
         <p:nvGrpSpPr>
-          <p:cNvPr id="74" name="Group 208"/>
+          <p:cNvPr id="1050" name="Group 1049"/>
+          <p:cNvGrpSpPr/>
+          <p:nvPr/>
+        </p:nvGrpSpPr>
+        <p:grpSpPr>
+          <a:xfrm>
+            <a:off x="10442632" y="3339218"/>
+            <a:ext cx="1979281" cy="1472242"/>
+            <a:chOff x="10448173" y="5263511"/>
+            <a:chExt cx="1979281" cy="1472242"/>
+          </a:xfrm>
+        </p:grpSpPr>
+        <p:grpSp>
+          <p:nvGrpSpPr>
+            <p:cNvPr id="65" name="Group 64"/>
+            <p:cNvGrpSpPr/>
+            <p:nvPr/>
+          </p:nvGrpSpPr>
+          <p:grpSpPr>
+            <a:xfrm>
+              <a:off x="10672548" y="5263511"/>
+              <a:ext cx="1754906" cy="1281910"/>
+              <a:chOff x="655094" y="1365756"/>
+              <a:chExt cx="1754906" cy="1281910"/>
+            </a:xfrm>
+          </p:grpSpPr>
+          <p:sp>
+            <p:nvSpPr>
+              <p:cNvPr id="66" name="Rectangle 65"/>
+              <p:cNvSpPr/>
+              <p:nvPr/>
+            </p:nvSpPr>
+            <p:spPr>
+              <a:xfrm>
+                <a:off x="723332" y="1405719"/>
+                <a:ext cx="1407704" cy="1241947"/>
+              </a:xfrm>
+              <a:prstGeom prst="rect">
+                <a:avLst/>
+              </a:prstGeom>
+              <a:solidFill>
+                <a:schemeClr val="bg1"/>
+              </a:solidFill>
+              <a:ln>
+                <a:solidFill>
+                  <a:schemeClr val="tx1"/>
+                </a:solidFill>
+              </a:ln>
+            </p:spPr>
+            <p:style>
+              <a:lnRef idx="2">
+                <a:schemeClr val="accent1">
+                  <a:shade val="50000"/>
+                </a:schemeClr>
+              </a:lnRef>
+              <a:fillRef idx="1">
+                <a:schemeClr val="accent1"/>
+              </a:fillRef>
+              <a:effectRef idx="0">
+                <a:schemeClr val="accent1"/>
+              </a:effectRef>
+              <a:fontRef idx="minor">
+                <a:schemeClr val="lt1"/>
+              </a:fontRef>
+            </p:style>
+            <p:txBody>
+              <a:bodyPr rtlCol="0" anchor="ctr"/>
+              <a:lstStyle/>
+              <a:p>
+                <a:pPr algn="ctr"/>
+                <a:endParaRPr lang="en-US"/>
+              </a:p>
+            </p:txBody>
+          </p:sp>
+          <p:sp>
+            <p:nvSpPr>
+              <p:cNvPr id="67" name="TextBox 66"/>
+              <p:cNvSpPr txBox="1"/>
+              <p:nvPr/>
+            </p:nvSpPr>
+            <p:spPr>
+              <a:xfrm>
+                <a:off x="655094" y="1365756"/>
+                <a:ext cx="1754906" cy="369332"/>
+              </a:xfrm>
+              <a:prstGeom prst="rect">
+                <a:avLst/>
+              </a:prstGeom>
+              <a:noFill/>
+            </p:spPr>
+            <p:txBody>
+              <a:bodyPr wrap="square" rtlCol="0">
+                <a:spAutoFit/>
+              </a:bodyPr>
+              <a:lstStyle/>
+              <a:p>
+                <a:r>
+                  <a:rPr lang="en-US" dirty="0" smtClean="0"/>
+                  <a:t>ROT. ENCODER</a:t>
+                </a:r>
+                <a:endParaRPr lang="en-US" dirty="0"/>
+              </a:p>
+            </p:txBody>
+          </p:sp>
+          <p:sp>
+            <p:nvSpPr>
+              <p:cNvPr id="68" name="TextBox 67"/>
+              <p:cNvSpPr txBox="1"/>
+              <p:nvPr/>
+            </p:nvSpPr>
+            <p:spPr>
+              <a:xfrm>
+                <a:off x="688716" y="1672589"/>
+                <a:ext cx="581803" cy="954107"/>
+              </a:xfrm>
+              <a:prstGeom prst="rect">
+                <a:avLst/>
+              </a:prstGeom>
+              <a:noFill/>
+            </p:spPr>
+            <p:txBody>
+              <a:bodyPr wrap="square" rtlCol="0">
+                <a:spAutoFit/>
+              </a:bodyPr>
+              <a:lstStyle/>
+              <a:p>
+                <a:r>
+                  <a:rPr lang="en-US" sz="1400" dirty="0" err="1" smtClean="0"/>
+                  <a:t>PhaA</a:t>
+                </a:r>
+                <a:endParaRPr lang="en-US" sz="1400" dirty="0" smtClean="0"/>
+              </a:p>
+              <a:p>
+                <a:r>
+                  <a:rPr lang="en-US" sz="1400" dirty="0" err="1" smtClean="0"/>
+                  <a:t>PhaB</a:t>
+                </a:r>
+                <a:endParaRPr lang="en-US" sz="1400" dirty="0" smtClean="0"/>
+              </a:p>
+              <a:p>
+                <a:r>
+                  <a:rPr lang="en-US" sz="1400" dirty="0" smtClean="0"/>
+                  <a:t>+</a:t>
+                </a:r>
+                <a:r>
+                  <a:rPr lang="en-US" sz="1400" dirty="0"/>
+                  <a:t>5</a:t>
+                </a:r>
+                <a:r>
+                  <a:rPr lang="en-US" sz="1400" dirty="0" smtClean="0"/>
+                  <a:t>V</a:t>
+                </a:r>
+              </a:p>
+              <a:p>
+                <a:r>
+                  <a:rPr lang="en-US" sz="1400" dirty="0" smtClean="0"/>
+                  <a:t>GND</a:t>
+                </a:r>
+              </a:p>
+            </p:txBody>
+          </p:sp>
+        </p:grpSp>
+        <p:grpSp>
+          <p:nvGrpSpPr>
+            <p:cNvPr id="74" name="Group 208"/>
+            <p:cNvGrpSpPr>
+              <a:grpSpLocks/>
+            </p:cNvGrpSpPr>
+            <p:nvPr/>
+          </p:nvGrpSpPr>
+          <p:grpSpPr bwMode="auto">
+            <a:xfrm>
+              <a:off x="10448173" y="6575266"/>
+              <a:ext cx="214856" cy="160487"/>
+              <a:chOff x="304800" y="1600994"/>
+              <a:chExt cx="457200" cy="229394"/>
+            </a:xfrm>
+          </p:grpSpPr>
+          <p:cxnSp>
+            <p:nvCxnSpPr>
+              <p:cNvPr id="75" name="Straight Connector 74"/>
+              <p:cNvCxnSpPr/>
+              <p:nvPr/>
+            </p:nvCxnSpPr>
+            <p:spPr>
+              <a:xfrm>
+                <a:off x="304800" y="1676931"/>
+                <a:ext cx="457200" cy="1582"/>
+              </a:xfrm>
+              <a:prstGeom prst="line">
+                <a:avLst/>
+              </a:prstGeom>
+              <a:ln>
+                <a:solidFill>
+                  <a:schemeClr val="tx1"/>
+                </a:solidFill>
+              </a:ln>
+            </p:spPr>
+            <p:style>
+              <a:lnRef idx="1">
+                <a:schemeClr val="accent1"/>
+              </a:lnRef>
+              <a:fillRef idx="0">
+                <a:schemeClr val="accent1"/>
+              </a:fillRef>
+              <a:effectRef idx="0">
+                <a:schemeClr val="accent1"/>
+              </a:effectRef>
+              <a:fontRef idx="minor">
+                <a:schemeClr val="tx1"/>
+              </a:fontRef>
+            </p:style>
+          </p:cxnSp>
+          <p:cxnSp>
+            <p:nvCxnSpPr>
+              <p:cNvPr id="76" name="Straight Connector 75"/>
+              <p:cNvCxnSpPr/>
+              <p:nvPr/>
+            </p:nvCxnSpPr>
+            <p:spPr>
+              <a:xfrm>
+                <a:off x="457200" y="1828806"/>
+                <a:ext cx="153988" cy="1582"/>
+              </a:xfrm>
+              <a:prstGeom prst="line">
+                <a:avLst/>
+              </a:prstGeom>
+              <a:ln>
+                <a:solidFill>
+                  <a:schemeClr val="tx1"/>
+                </a:solidFill>
+              </a:ln>
+            </p:spPr>
+            <p:style>
+              <a:lnRef idx="1">
+                <a:schemeClr val="accent1"/>
+              </a:lnRef>
+              <a:fillRef idx="0">
+                <a:schemeClr val="accent1"/>
+              </a:fillRef>
+              <a:effectRef idx="0">
+                <a:schemeClr val="accent1"/>
+              </a:effectRef>
+              <a:fontRef idx="minor">
+                <a:schemeClr val="tx1"/>
+              </a:fontRef>
+            </p:style>
+          </p:cxnSp>
+          <p:cxnSp>
+            <p:nvCxnSpPr>
+              <p:cNvPr id="77" name="Straight Connector 76"/>
+              <p:cNvCxnSpPr/>
+              <p:nvPr/>
+            </p:nvCxnSpPr>
+            <p:spPr>
+              <a:xfrm rot="5400000" flipH="1" flipV="1">
+                <a:off x="495432" y="1637375"/>
+                <a:ext cx="75937" cy="3175"/>
+              </a:xfrm>
+              <a:prstGeom prst="line">
+                <a:avLst/>
+              </a:prstGeom>
+              <a:ln>
+                <a:solidFill>
+                  <a:schemeClr val="tx1"/>
+                </a:solidFill>
+              </a:ln>
+            </p:spPr>
+            <p:style>
+              <a:lnRef idx="1">
+                <a:schemeClr val="accent1"/>
+              </a:lnRef>
+              <a:fillRef idx="0">
+                <a:schemeClr val="accent1"/>
+              </a:fillRef>
+              <a:effectRef idx="0">
+                <a:schemeClr val="accent1"/>
+              </a:effectRef>
+              <a:fontRef idx="minor">
+                <a:schemeClr val="tx1"/>
+              </a:fontRef>
+            </p:style>
+          </p:cxnSp>
+          <p:cxnSp>
+            <p:nvCxnSpPr>
+              <p:cNvPr id="78" name="Straight Connector 77"/>
+              <p:cNvCxnSpPr/>
+              <p:nvPr/>
+            </p:nvCxnSpPr>
+            <p:spPr>
+              <a:xfrm>
+                <a:off x="381000" y="1752869"/>
+                <a:ext cx="304800" cy="1582"/>
+              </a:xfrm>
+              <a:prstGeom prst="line">
+                <a:avLst/>
+              </a:prstGeom>
+              <a:ln>
+                <a:solidFill>
+                  <a:schemeClr val="tx1"/>
+                </a:solidFill>
+              </a:ln>
+            </p:spPr>
+            <p:style>
+              <a:lnRef idx="1">
+                <a:schemeClr val="accent1"/>
+              </a:lnRef>
+              <a:fillRef idx="0">
+                <a:schemeClr val="accent1"/>
+              </a:fillRef>
+              <a:effectRef idx="0">
+                <a:schemeClr val="accent1"/>
+              </a:effectRef>
+              <a:fontRef idx="minor">
+                <a:schemeClr val="tx1"/>
+              </a:fontRef>
+            </p:style>
+          </p:cxnSp>
+        </p:grpSp>
+        <p:cxnSp>
+          <p:nvCxnSpPr>
+            <p:cNvPr id="83" name="Elbow Connector 82"/>
+            <p:cNvCxnSpPr/>
+            <p:nvPr/>
+          </p:nvCxnSpPr>
+          <p:spPr>
+            <a:xfrm rot="10800000" flipV="1">
+              <a:off x="10552656" y="6443541"/>
+              <a:ext cx="172668" cy="164944"/>
+            </a:xfrm>
+            <a:prstGeom prst="bentConnector3">
+              <a:avLst>
+                <a:gd name="adj1" fmla="val 97425"/>
+              </a:avLst>
+            </a:prstGeom>
+            <a:ln w="12700">
+              <a:solidFill>
+                <a:schemeClr val="tx1"/>
+              </a:solidFill>
+            </a:ln>
+          </p:spPr>
+          <p:style>
+            <a:lnRef idx="1">
+              <a:schemeClr val="accent1"/>
+            </a:lnRef>
+            <a:fillRef idx="0">
+              <a:schemeClr val="accent1"/>
+            </a:fillRef>
+            <a:effectRef idx="0">
+              <a:schemeClr val="accent1"/>
+            </a:effectRef>
+            <a:fontRef idx="minor">
+              <a:schemeClr val="tx1"/>
+            </a:fontRef>
+          </p:style>
+        </p:cxnSp>
+      </p:grpSp>
+      <p:grpSp>
+        <p:nvGrpSpPr>
+          <p:cNvPr id="301" name="Group 300"/>
+          <p:cNvGrpSpPr/>
+          <p:nvPr/>
+        </p:nvGrpSpPr>
+        <p:grpSpPr>
+          <a:xfrm>
+            <a:off x="8257770" y="2741905"/>
+            <a:ext cx="1163044" cy="999514"/>
+            <a:chOff x="8257770" y="2741905"/>
+            <a:chExt cx="1163044" cy="999514"/>
+          </a:xfrm>
+        </p:grpSpPr>
+        <p:grpSp>
+          <p:nvGrpSpPr>
+            <p:cNvPr id="57" name="Group 56"/>
+            <p:cNvGrpSpPr/>
+            <p:nvPr/>
+          </p:nvGrpSpPr>
+          <p:grpSpPr>
+            <a:xfrm>
+              <a:off x="8257770" y="2741905"/>
+              <a:ext cx="1163044" cy="834455"/>
+              <a:chOff x="8240182" y="3010207"/>
+              <a:chExt cx="1163044" cy="834455"/>
+            </a:xfrm>
+          </p:grpSpPr>
+          <p:pic>
+            <p:nvPicPr>
+              <p:cNvPr id="25" name="Picture 24"/>
+              <p:cNvPicPr>
+                <a:picLocks noChangeAspect="1"/>
+              </p:cNvPicPr>
+              <p:nvPr/>
+            </p:nvPicPr>
+            <p:blipFill>
+              <a:blip r:embed="rId3"/>
+              <a:stretch>
+                <a:fillRect/>
+              </a:stretch>
+            </p:blipFill>
+            <p:spPr>
+              <a:xfrm>
+                <a:off x="8568771" y="3010207"/>
+                <a:ext cx="834455" cy="834455"/>
+              </a:xfrm>
+              <a:prstGeom prst="rect">
+                <a:avLst/>
+              </a:prstGeom>
+            </p:spPr>
+          </p:pic>
+          <p:sp>
+            <p:nvSpPr>
+              <p:cNvPr id="56" name="TextBox 55"/>
+              <p:cNvSpPr txBox="1"/>
+              <p:nvPr/>
+            </p:nvSpPr>
+            <p:spPr>
+              <a:xfrm>
+                <a:off x="8240182" y="3242769"/>
+                <a:ext cx="566498" cy="369332"/>
+              </a:xfrm>
+              <a:prstGeom prst="rect">
+                <a:avLst/>
+              </a:prstGeom>
+              <a:noFill/>
+            </p:spPr>
+            <p:txBody>
+              <a:bodyPr wrap="square" rtlCol="0">
+                <a:spAutoFit/>
+              </a:bodyPr>
+              <a:lstStyle/>
+              <a:p>
+                <a:r>
+                  <a:rPr lang="en-US" dirty="0" smtClean="0"/>
+                  <a:t>24V</a:t>
+                </a:r>
+                <a:endParaRPr lang="en-US" dirty="0"/>
+              </a:p>
+            </p:txBody>
+          </p:sp>
+        </p:grpSp>
+        <p:grpSp>
+          <p:nvGrpSpPr>
+            <p:cNvPr id="97" name="Group 208"/>
+            <p:cNvGrpSpPr>
+              <a:grpSpLocks/>
+            </p:cNvGrpSpPr>
+            <p:nvPr/>
+          </p:nvGrpSpPr>
+          <p:grpSpPr bwMode="auto">
+            <a:xfrm>
+              <a:off x="8774986" y="3511232"/>
+              <a:ext cx="457200" cy="230187"/>
+              <a:chOff x="304800" y="1600994"/>
+              <a:chExt cx="457200" cy="229394"/>
+            </a:xfrm>
+          </p:grpSpPr>
+          <p:cxnSp>
+            <p:nvCxnSpPr>
+              <p:cNvPr id="98" name="Straight Connector 97"/>
+              <p:cNvCxnSpPr/>
+              <p:nvPr/>
+            </p:nvCxnSpPr>
+            <p:spPr>
+              <a:xfrm>
+                <a:off x="304800" y="1676931"/>
+                <a:ext cx="457200" cy="1582"/>
+              </a:xfrm>
+              <a:prstGeom prst="line">
+                <a:avLst/>
+              </a:prstGeom>
+              <a:ln>
+                <a:solidFill>
+                  <a:schemeClr val="tx1"/>
+                </a:solidFill>
+              </a:ln>
+            </p:spPr>
+            <p:style>
+              <a:lnRef idx="1">
+                <a:schemeClr val="accent1"/>
+              </a:lnRef>
+              <a:fillRef idx="0">
+                <a:schemeClr val="accent1"/>
+              </a:fillRef>
+              <a:effectRef idx="0">
+                <a:schemeClr val="accent1"/>
+              </a:effectRef>
+              <a:fontRef idx="minor">
+                <a:schemeClr val="tx1"/>
+              </a:fontRef>
+            </p:style>
+          </p:cxnSp>
+          <p:cxnSp>
+            <p:nvCxnSpPr>
+              <p:cNvPr id="99" name="Straight Connector 98"/>
+              <p:cNvCxnSpPr/>
+              <p:nvPr/>
+            </p:nvCxnSpPr>
+            <p:spPr>
+              <a:xfrm>
+                <a:off x="457200" y="1828806"/>
+                <a:ext cx="153988" cy="1582"/>
+              </a:xfrm>
+              <a:prstGeom prst="line">
+                <a:avLst/>
+              </a:prstGeom>
+              <a:ln>
+                <a:solidFill>
+                  <a:schemeClr val="tx1"/>
+                </a:solidFill>
+              </a:ln>
+            </p:spPr>
+            <p:style>
+              <a:lnRef idx="1">
+                <a:schemeClr val="accent1"/>
+              </a:lnRef>
+              <a:fillRef idx="0">
+                <a:schemeClr val="accent1"/>
+              </a:fillRef>
+              <a:effectRef idx="0">
+                <a:schemeClr val="accent1"/>
+              </a:effectRef>
+              <a:fontRef idx="minor">
+                <a:schemeClr val="tx1"/>
+              </a:fontRef>
+            </p:style>
+          </p:cxnSp>
+          <p:cxnSp>
+            <p:nvCxnSpPr>
+              <p:cNvPr id="100" name="Straight Connector 99"/>
+              <p:cNvCxnSpPr/>
+              <p:nvPr/>
+            </p:nvCxnSpPr>
+            <p:spPr>
+              <a:xfrm rot="5400000" flipH="1" flipV="1">
+                <a:off x="481784" y="1637375"/>
+                <a:ext cx="75937" cy="3175"/>
+              </a:xfrm>
+              <a:prstGeom prst="line">
+                <a:avLst/>
+              </a:prstGeom>
+              <a:ln>
+                <a:solidFill>
+                  <a:schemeClr val="tx1"/>
+                </a:solidFill>
+              </a:ln>
+            </p:spPr>
+            <p:style>
+              <a:lnRef idx="1">
+                <a:schemeClr val="accent1"/>
+              </a:lnRef>
+              <a:fillRef idx="0">
+                <a:schemeClr val="accent1"/>
+              </a:fillRef>
+              <a:effectRef idx="0">
+                <a:schemeClr val="accent1"/>
+              </a:effectRef>
+              <a:fontRef idx="minor">
+                <a:schemeClr val="tx1"/>
+              </a:fontRef>
+            </p:style>
+          </p:cxnSp>
+          <p:cxnSp>
+            <p:nvCxnSpPr>
+              <p:cNvPr id="101" name="Straight Connector 100"/>
+              <p:cNvCxnSpPr/>
+              <p:nvPr/>
+            </p:nvCxnSpPr>
+            <p:spPr>
+              <a:xfrm>
+                <a:off x="381000" y="1752869"/>
+                <a:ext cx="304800" cy="1582"/>
+              </a:xfrm>
+              <a:prstGeom prst="line">
+                <a:avLst/>
+              </a:prstGeom>
+              <a:ln>
+                <a:solidFill>
+                  <a:schemeClr val="tx1"/>
+                </a:solidFill>
+              </a:ln>
+            </p:spPr>
+            <p:style>
+              <a:lnRef idx="1">
+                <a:schemeClr val="accent1"/>
+              </a:lnRef>
+              <a:fillRef idx="0">
+                <a:schemeClr val="accent1"/>
+              </a:fillRef>
+              <a:effectRef idx="0">
+                <a:schemeClr val="accent1"/>
+              </a:effectRef>
+              <a:fontRef idx="minor">
+                <a:schemeClr val="tx1"/>
+              </a:fontRef>
+            </p:style>
+          </p:cxnSp>
+        </p:grpSp>
+      </p:grpSp>
+      <p:cxnSp>
+        <p:nvCxnSpPr>
+          <p:cNvPr id="104" name="Elbow Connector 103"/>
+          <p:cNvCxnSpPr/>
+          <p:nvPr/>
+        </p:nvCxnSpPr>
+        <p:spPr>
+          <a:xfrm flipV="1">
+            <a:off x="9758148" y="58559"/>
+            <a:ext cx="955320" cy="657450"/>
+          </a:xfrm>
+          <a:prstGeom prst="bentConnector3">
+            <a:avLst/>
+          </a:prstGeom>
+          <a:ln w="12700">
+            <a:solidFill>
+              <a:schemeClr val="tx1"/>
+            </a:solidFill>
+          </a:ln>
+        </p:spPr>
+        <p:style>
+          <a:lnRef idx="1">
+            <a:schemeClr val="accent1"/>
+          </a:lnRef>
+          <a:fillRef idx="0">
+            <a:schemeClr val="accent1"/>
+          </a:fillRef>
+          <a:effectRef idx="0">
+            <a:schemeClr val="accent1"/>
+          </a:effectRef>
+          <a:fontRef idx="minor">
+            <a:schemeClr val="tx1"/>
+          </a:fontRef>
+        </p:style>
+      </p:cxnSp>
+      <p:cxnSp>
+        <p:nvCxnSpPr>
+          <p:cNvPr id="106" name="Elbow Connector 105"/>
+          <p:cNvCxnSpPr/>
+          <p:nvPr/>
+        </p:nvCxnSpPr>
+        <p:spPr>
+          <a:xfrm flipV="1">
+            <a:off x="9758148" y="735916"/>
+            <a:ext cx="998652" cy="228144"/>
+          </a:xfrm>
+          <a:prstGeom prst="bentConnector3">
+            <a:avLst>
+              <a:gd name="adj1" fmla="val 69133"/>
+            </a:avLst>
+          </a:prstGeom>
+          <a:ln w="12700">
+            <a:solidFill>
+              <a:schemeClr val="tx1"/>
+            </a:solidFill>
+          </a:ln>
+        </p:spPr>
+        <p:style>
+          <a:lnRef idx="1">
+            <a:schemeClr val="accent1"/>
+          </a:lnRef>
+          <a:fillRef idx="0">
+            <a:schemeClr val="accent1"/>
+          </a:fillRef>
+          <a:effectRef idx="0">
+            <a:schemeClr val="accent1"/>
+          </a:effectRef>
+          <a:fontRef idx="minor">
+            <a:schemeClr val="tx1"/>
+          </a:fontRef>
+        </p:style>
+      </p:cxnSp>
+      <p:cxnSp>
+        <p:nvCxnSpPr>
+          <p:cNvPr id="109" name="Elbow Connector 108"/>
+          <p:cNvCxnSpPr>
+            <a:endCxn id="11" idx="2"/>
+          </p:cNvCxnSpPr>
+          <p:nvPr/>
+        </p:nvCxnSpPr>
+        <p:spPr>
+          <a:xfrm>
+            <a:off x="9758148" y="1171234"/>
+            <a:ext cx="1674126" cy="380547"/>
+          </a:xfrm>
+          <a:prstGeom prst="bentConnector4">
+            <a:avLst>
+              <a:gd name="adj1" fmla="val 27310"/>
+              <a:gd name="adj2" fmla="val 91930"/>
+            </a:avLst>
+          </a:prstGeom>
+          <a:ln w="12700">
+            <a:solidFill>
+              <a:schemeClr val="tx1"/>
+            </a:solidFill>
+          </a:ln>
+        </p:spPr>
+        <p:style>
+          <a:lnRef idx="1">
+            <a:schemeClr val="accent1"/>
+          </a:lnRef>
+          <a:fillRef idx="0">
+            <a:schemeClr val="accent1"/>
+          </a:fillRef>
+          <a:effectRef idx="0">
+            <a:schemeClr val="accent1"/>
+          </a:effectRef>
+          <a:fontRef idx="minor">
+            <a:schemeClr val="tx1"/>
+          </a:fontRef>
+        </p:style>
+      </p:cxnSp>
+      <p:cxnSp>
+        <p:nvCxnSpPr>
+          <p:cNvPr id="112" name="Elbow Connector 111"/>
+          <p:cNvCxnSpPr/>
+          <p:nvPr/>
+        </p:nvCxnSpPr>
+        <p:spPr>
+          <a:xfrm>
+            <a:off x="9758148" y="1389111"/>
+            <a:ext cx="2361540" cy="328812"/>
+          </a:xfrm>
+          <a:prstGeom prst="bentConnector3">
+            <a:avLst>
+              <a:gd name="adj1" fmla="val 10124"/>
+            </a:avLst>
+          </a:prstGeom>
+          <a:ln w="12700">
+            <a:solidFill>
+              <a:schemeClr val="tx1"/>
+            </a:solidFill>
+          </a:ln>
+        </p:spPr>
+        <p:style>
+          <a:lnRef idx="1">
+            <a:schemeClr val="accent1"/>
+          </a:lnRef>
+          <a:fillRef idx="0">
+            <a:schemeClr val="accent1"/>
+          </a:fillRef>
+          <a:effectRef idx="0">
+            <a:schemeClr val="accent1"/>
+          </a:effectRef>
+          <a:fontRef idx="minor">
+            <a:schemeClr val="tx1"/>
+          </a:fontRef>
+        </p:style>
+      </p:cxnSp>
+      <p:cxnSp>
+        <p:nvCxnSpPr>
+          <p:cNvPr id="116" name="Straight Connector 115"/>
+          <p:cNvCxnSpPr/>
+          <p:nvPr/>
+        </p:nvCxnSpPr>
+        <p:spPr>
+          <a:xfrm>
+            <a:off x="12134842" y="1485751"/>
+            <a:ext cx="0" cy="248455"/>
+          </a:xfrm>
+          <a:prstGeom prst="line">
+            <a:avLst/>
+          </a:prstGeom>
+          <a:ln>
+            <a:solidFill>
+              <a:schemeClr val="tx1"/>
+            </a:solidFill>
+          </a:ln>
+        </p:spPr>
+        <p:style>
+          <a:lnRef idx="1">
+            <a:schemeClr val="accent1"/>
+          </a:lnRef>
+          <a:fillRef idx="0">
+            <a:schemeClr val="accent1"/>
+          </a:fillRef>
+          <a:effectRef idx="0">
+            <a:schemeClr val="accent1"/>
+          </a:effectRef>
+          <a:fontRef idx="minor">
+            <a:schemeClr val="tx1"/>
+          </a:fontRef>
+        </p:style>
+      </p:cxnSp>
+      <p:cxnSp>
+        <p:nvCxnSpPr>
+          <p:cNvPr id="124" name="Elbow Connector 123"/>
+          <p:cNvCxnSpPr/>
+          <p:nvPr/>
+        </p:nvCxnSpPr>
+        <p:spPr>
+          <a:xfrm rot="16200000" flipV="1">
+            <a:off x="7556691" y="1441177"/>
+            <a:ext cx="1711678" cy="1171791"/>
+          </a:xfrm>
+          <a:prstGeom prst="bentConnector3">
+            <a:avLst>
+              <a:gd name="adj1" fmla="val 50000"/>
+            </a:avLst>
+          </a:prstGeom>
+          <a:ln w="12700">
+            <a:solidFill>
+              <a:schemeClr val="tx1"/>
+            </a:solidFill>
+          </a:ln>
+        </p:spPr>
+        <p:style>
+          <a:lnRef idx="1">
+            <a:schemeClr val="accent1"/>
+          </a:lnRef>
+          <a:fillRef idx="0">
+            <a:schemeClr val="accent1"/>
+          </a:fillRef>
+          <a:effectRef idx="0">
+            <a:schemeClr val="accent1"/>
+          </a:effectRef>
+          <a:fontRef idx="minor">
+            <a:schemeClr val="tx1"/>
+          </a:fontRef>
+        </p:style>
+      </p:cxnSp>
+      <p:cxnSp>
+        <p:nvCxnSpPr>
+          <p:cNvPr id="51" name="Straight Connector 50"/>
+          <p:cNvCxnSpPr/>
+          <p:nvPr/>
+        </p:nvCxnSpPr>
+        <p:spPr>
+          <a:xfrm>
+            <a:off x="7826634" y="1171233"/>
+            <a:ext cx="380723" cy="0"/>
+          </a:xfrm>
+          <a:prstGeom prst="line">
+            <a:avLst/>
+          </a:prstGeom>
+          <a:ln w="12700">
+            <a:solidFill>
+              <a:schemeClr val="tx1"/>
+            </a:solidFill>
+          </a:ln>
+        </p:spPr>
+        <p:style>
+          <a:lnRef idx="1">
+            <a:schemeClr val="accent1"/>
+          </a:lnRef>
+          <a:fillRef idx="0">
+            <a:schemeClr val="accent1"/>
+          </a:fillRef>
+          <a:effectRef idx="0">
+            <a:schemeClr val="accent1"/>
+          </a:effectRef>
+          <a:fontRef idx="minor">
+            <a:schemeClr val="tx1"/>
+          </a:fontRef>
+        </p:style>
+      </p:cxnSp>
+      <p:cxnSp>
+        <p:nvCxnSpPr>
+          <p:cNvPr id="103" name="Elbow Connector 102"/>
+          <p:cNvCxnSpPr/>
+          <p:nvPr/>
+        </p:nvCxnSpPr>
+        <p:spPr>
+          <a:xfrm rot="5400000" flipH="1" flipV="1">
+            <a:off x="6523266" y="3690645"/>
+            <a:ext cx="3627065" cy="1333576"/>
+          </a:xfrm>
+          <a:prstGeom prst="bentConnector3">
+            <a:avLst>
+              <a:gd name="adj1" fmla="val 99668"/>
+            </a:avLst>
+          </a:prstGeom>
+          <a:ln w="12700">
+            <a:solidFill>
+              <a:schemeClr val="tx1"/>
+            </a:solidFill>
+          </a:ln>
+        </p:spPr>
+        <p:style>
+          <a:lnRef idx="1">
+            <a:schemeClr val="accent1"/>
+          </a:lnRef>
+          <a:fillRef idx="0">
+            <a:schemeClr val="accent1"/>
+          </a:fillRef>
+          <a:effectRef idx="0">
+            <a:schemeClr val="accent1"/>
+          </a:effectRef>
+          <a:fontRef idx="minor">
+            <a:schemeClr val="tx1"/>
+          </a:fontRef>
+        </p:style>
+      </p:cxnSp>
+      <p:cxnSp>
+        <p:nvCxnSpPr>
+          <p:cNvPr id="111" name="Straight Connector 110"/>
+          <p:cNvCxnSpPr/>
+          <p:nvPr/>
+        </p:nvCxnSpPr>
+        <p:spPr>
+          <a:xfrm flipV="1">
+            <a:off x="7670010" y="6156382"/>
+            <a:ext cx="525974" cy="6486"/>
+          </a:xfrm>
+          <a:prstGeom prst="line">
+            <a:avLst/>
+          </a:prstGeom>
+          <a:ln w="12700">
+            <a:solidFill>
+              <a:schemeClr val="tx1"/>
+            </a:solidFill>
+          </a:ln>
+        </p:spPr>
+        <p:style>
+          <a:lnRef idx="1">
+            <a:schemeClr val="accent1"/>
+          </a:lnRef>
+          <a:fillRef idx="0">
+            <a:schemeClr val="accent1"/>
+          </a:fillRef>
+          <a:effectRef idx="0">
+            <a:schemeClr val="accent1"/>
+          </a:effectRef>
+          <a:fontRef idx="minor">
+            <a:schemeClr val="tx1"/>
+          </a:fontRef>
+        </p:style>
+      </p:cxnSp>
+      <p:cxnSp>
+        <p:nvCxnSpPr>
+          <p:cNvPr id="121" name="Elbow Connector 120"/>
+          <p:cNvCxnSpPr/>
+          <p:nvPr/>
+        </p:nvCxnSpPr>
+        <p:spPr>
+          <a:xfrm rot="16200000" flipV="1">
+            <a:off x="5932834" y="4041123"/>
+            <a:ext cx="3208721" cy="557928"/>
+          </a:xfrm>
+          <a:prstGeom prst="bentConnector3">
+            <a:avLst>
+              <a:gd name="adj1" fmla="val 98488"/>
+            </a:avLst>
+          </a:prstGeom>
+          <a:ln w="12700">
+            <a:solidFill>
+              <a:schemeClr val="tx1"/>
+            </a:solidFill>
+          </a:ln>
+        </p:spPr>
+        <p:style>
+          <a:lnRef idx="1">
+            <a:schemeClr val="accent1"/>
+          </a:lnRef>
+          <a:fillRef idx="0">
+            <a:schemeClr val="accent1"/>
+          </a:fillRef>
+          <a:effectRef idx="0">
+            <a:schemeClr val="accent1"/>
+          </a:effectRef>
+          <a:fontRef idx="minor">
+            <a:schemeClr val="tx1"/>
+          </a:fontRef>
+        </p:style>
+      </p:cxnSp>
+      <p:cxnSp>
+        <p:nvCxnSpPr>
+          <p:cNvPr id="128" name="Elbow Connector 127"/>
+          <p:cNvCxnSpPr/>
+          <p:nvPr/>
+        </p:nvCxnSpPr>
+        <p:spPr>
+          <a:xfrm rot="16200000" flipV="1">
+            <a:off x="6525513" y="4223299"/>
+            <a:ext cx="2214678" cy="756684"/>
+          </a:xfrm>
+          <a:prstGeom prst="bentConnector3">
+            <a:avLst>
+              <a:gd name="adj1" fmla="val 99299"/>
+            </a:avLst>
+          </a:prstGeom>
+          <a:ln w="12700">
+            <a:solidFill>
+              <a:schemeClr val="tx1"/>
+            </a:solidFill>
+          </a:ln>
+        </p:spPr>
+        <p:style>
+          <a:lnRef idx="1">
+            <a:schemeClr val="accent1"/>
+          </a:lnRef>
+          <a:fillRef idx="0">
+            <a:schemeClr val="accent1"/>
+          </a:fillRef>
+          <a:effectRef idx="0">
+            <a:schemeClr val="accent1"/>
+          </a:effectRef>
+          <a:fontRef idx="minor">
+            <a:schemeClr val="tx1"/>
+          </a:fontRef>
+        </p:style>
+      </p:cxnSp>
+      <p:cxnSp>
+        <p:nvCxnSpPr>
+          <p:cNvPr id="131" name="Straight Connector 130"/>
+          <p:cNvCxnSpPr/>
+          <p:nvPr/>
+        </p:nvCxnSpPr>
+        <p:spPr>
+          <a:xfrm>
+            <a:off x="7815261" y="5904054"/>
+            <a:ext cx="380723" cy="0"/>
+          </a:xfrm>
+          <a:prstGeom prst="line">
+            <a:avLst/>
+          </a:prstGeom>
+          <a:ln w="12700">
+            <a:solidFill>
+              <a:schemeClr val="tx1"/>
+            </a:solidFill>
+          </a:ln>
+        </p:spPr>
+        <p:style>
+          <a:lnRef idx="1">
+            <a:schemeClr val="accent1"/>
+          </a:lnRef>
+          <a:fillRef idx="0">
+            <a:schemeClr val="accent1"/>
+          </a:fillRef>
+          <a:effectRef idx="0">
+            <a:schemeClr val="accent1"/>
+          </a:effectRef>
+          <a:fontRef idx="minor">
+            <a:schemeClr val="tx1"/>
+          </a:fontRef>
+        </p:style>
+      </p:cxnSp>
+      <p:cxnSp>
+        <p:nvCxnSpPr>
+          <p:cNvPr id="132" name="Straight Connector 131"/>
+          <p:cNvCxnSpPr/>
+          <p:nvPr/>
+        </p:nvCxnSpPr>
+        <p:spPr>
+          <a:xfrm>
+            <a:off x="8022998" y="5708980"/>
+            <a:ext cx="172986" cy="0"/>
+          </a:xfrm>
+          <a:prstGeom prst="line">
+            <a:avLst/>
+          </a:prstGeom>
+          <a:ln w="12700">
+            <a:solidFill>
+              <a:schemeClr val="tx1"/>
+            </a:solidFill>
+          </a:ln>
+        </p:spPr>
+        <p:style>
+          <a:lnRef idx="1">
+            <a:schemeClr val="accent1"/>
+          </a:lnRef>
+          <a:fillRef idx="0">
+            <a:schemeClr val="accent1"/>
+          </a:fillRef>
+          <a:effectRef idx="0">
+            <a:schemeClr val="accent1"/>
+          </a:effectRef>
+          <a:fontRef idx="minor">
+            <a:schemeClr val="tx1"/>
+          </a:fontRef>
+        </p:style>
+      </p:cxnSp>
+      <p:cxnSp>
+        <p:nvCxnSpPr>
+          <p:cNvPr id="137" name="Elbow Connector 136"/>
+          <p:cNvCxnSpPr/>
+          <p:nvPr/>
+        </p:nvCxnSpPr>
+        <p:spPr>
+          <a:xfrm flipV="1">
+            <a:off x="9769521" y="5056708"/>
+            <a:ext cx="852157" cy="645525"/>
+          </a:xfrm>
+          <a:prstGeom prst="bentConnector3">
+            <a:avLst>
+              <a:gd name="adj1" fmla="val 50000"/>
+            </a:avLst>
+          </a:prstGeom>
+          <a:ln w="12700">
+            <a:solidFill>
+              <a:schemeClr val="tx1"/>
+            </a:solidFill>
+          </a:ln>
+        </p:spPr>
+        <p:style>
+          <a:lnRef idx="1">
+            <a:schemeClr val="accent1"/>
+          </a:lnRef>
+          <a:fillRef idx="0">
+            <a:schemeClr val="accent1"/>
+          </a:fillRef>
+          <a:effectRef idx="0">
+            <a:schemeClr val="accent1"/>
+          </a:effectRef>
+          <a:fontRef idx="minor">
+            <a:schemeClr val="tx1"/>
+          </a:fontRef>
+        </p:style>
+      </p:cxnSp>
+      <p:cxnSp>
+        <p:nvCxnSpPr>
+          <p:cNvPr id="154" name="Elbow Connector 153"/>
+          <p:cNvCxnSpPr>
+            <a:endCxn id="13" idx="1"/>
+          </p:cNvCxnSpPr>
+          <p:nvPr/>
+        </p:nvCxnSpPr>
+        <p:spPr>
+          <a:xfrm flipV="1">
+            <a:off x="9769521" y="5801789"/>
+            <a:ext cx="845869" cy="119051"/>
+          </a:xfrm>
+          <a:prstGeom prst="bentConnector3">
+            <a:avLst>
+              <a:gd name="adj1" fmla="val 50000"/>
+            </a:avLst>
+          </a:prstGeom>
+          <a:ln w="12700">
+            <a:solidFill>
+              <a:schemeClr val="tx1"/>
+            </a:solidFill>
+          </a:ln>
+        </p:spPr>
+        <p:style>
+          <a:lnRef idx="1">
+            <a:schemeClr val="accent1"/>
+          </a:lnRef>
+          <a:fillRef idx="0">
+            <a:schemeClr val="accent1"/>
+          </a:fillRef>
+          <a:effectRef idx="0">
+            <a:schemeClr val="accent1"/>
+          </a:effectRef>
+          <a:fontRef idx="minor">
+            <a:schemeClr val="tx1"/>
+          </a:fontRef>
+        </p:style>
+      </p:cxnSp>
+      <p:cxnSp>
+        <p:nvCxnSpPr>
+          <p:cNvPr id="157" name="Elbow Connector 156"/>
+          <p:cNvCxnSpPr/>
+          <p:nvPr/>
+        </p:nvCxnSpPr>
+        <p:spPr>
+          <a:xfrm>
+            <a:off x="9759277" y="6124112"/>
+            <a:ext cx="1672996" cy="553123"/>
+          </a:xfrm>
+          <a:prstGeom prst="bentConnector3">
+            <a:avLst>
+              <a:gd name="adj1" fmla="val 23080"/>
+            </a:avLst>
+          </a:prstGeom>
+          <a:ln w="12700">
+            <a:solidFill>
+              <a:schemeClr val="tx1"/>
+            </a:solidFill>
+          </a:ln>
+        </p:spPr>
+        <p:style>
+          <a:lnRef idx="1">
+            <a:schemeClr val="accent1"/>
+          </a:lnRef>
+          <a:fillRef idx="0">
+            <a:schemeClr val="accent1"/>
+          </a:fillRef>
+          <a:effectRef idx="0">
+            <a:schemeClr val="accent1"/>
+          </a:effectRef>
+          <a:fontRef idx="minor">
+            <a:schemeClr val="tx1"/>
+          </a:fontRef>
+        </p:style>
+      </p:cxnSp>
+      <p:cxnSp>
+        <p:nvCxnSpPr>
+          <p:cNvPr id="161" name="Elbow Connector 160"/>
+          <p:cNvCxnSpPr/>
+          <p:nvPr/>
+        </p:nvCxnSpPr>
+        <p:spPr>
+          <a:xfrm>
+            <a:off x="9747815" y="6366431"/>
+            <a:ext cx="2371873" cy="461504"/>
+          </a:xfrm>
+          <a:prstGeom prst="bentConnector3">
+            <a:avLst>
+              <a:gd name="adj1" fmla="val 6845"/>
+            </a:avLst>
+          </a:prstGeom>
+          <a:ln w="12700">
+            <a:solidFill>
+              <a:schemeClr val="tx1"/>
+            </a:solidFill>
+          </a:ln>
+        </p:spPr>
+        <p:style>
+          <a:lnRef idx="1">
+            <a:schemeClr val="accent1"/>
+          </a:lnRef>
+          <a:fillRef idx="0">
+            <a:schemeClr val="accent1"/>
+          </a:fillRef>
+          <a:effectRef idx="0">
+            <a:schemeClr val="accent1"/>
+          </a:effectRef>
+          <a:fontRef idx="minor">
+            <a:schemeClr val="tx1"/>
+          </a:fontRef>
+        </p:style>
+      </p:cxnSp>
+      <p:cxnSp>
+        <p:nvCxnSpPr>
+          <p:cNvPr id="175" name="Straight Connector 174"/>
+          <p:cNvCxnSpPr/>
+          <p:nvPr/>
+        </p:nvCxnSpPr>
+        <p:spPr>
+          <a:xfrm flipV="1">
+            <a:off x="11389875" y="6270523"/>
+            <a:ext cx="1" cy="406712"/>
+          </a:xfrm>
+          <a:prstGeom prst="line">
+            <a:avLst/>
+          </a:prstGeom>
+          <a:ln w="12700">
+            <a:solidFill>
+              <a:schemeClr val="tx1"/>
+            </a:solidFill>
+          </a:ln>
+        </p:spPr>
+        <p:style>
+          <a:lnRef idx="1">
+            <a:schemeClr val="accent1"/>
+          </a:lnRef>
+          <a:fillRef idx="0">
+            <a:schemeClr val="accent1"/>
+          </a:fillRef>
+          <a:effectRef idx="0">
+            <a:schemeClr val="accent1"/>
+          </a:effectRef>
+          <a:fontRef idx="minor">
+            <a:schemeClr val="tx1"/>
+          </a:fontRef>
+        </p:style>
+      </p:cxnSp>
+      <p:cxnSp>
+        <p:nvCxnSpPr>
+          <p:cNvPr id="178" name="Straight Connector 177"/>
+          <p:cNvCxnSpPr/>
+          <p:nvPr/>
+        </p:nvCxnSpPr>
+        <p:spPr>
+          <a:xfrm flipV="1">
+            <a:off x="12074537" y="6409275"/>
+            <a:ext cx="1" cy="406712"/>
+          </a:xfrm>
+          <a:prstGeom prst="line">
+            <a:avLst/>
+          </a:prstGeom>
+          <a:ln w="12700">
+            <a:solidFill>
+              <a:schemeClr val="tx1"/>
+            </a:solidFill>
+          </a:ln>
+        </p:spPr>
+        <p:style>
+          <a:lnRef idx="1">
+            <a:schemeClr val="accent1"/>
+          </a:lnRef>
+          <a:fillRef idx="0">
+            <a:schemeClr val="accent1"/>
+          </a:fillRef>
+          <a:effectRef idx="0">
+            <a:schemeClr val="accent1"/>
+          </a:effectRef>
+          <a:fontRef idx="minor">
+            <a:schemeClr val="tx1"/>
+          </a:fontRef>
+        </p:style>
+      </p:cxnSp>
+      <p:cxnSp>
+        <p:nvCxnSpPr>
+          <p:cNvPr id="179" name="Elbow Connector 178"/>
+          <p:cNvCxnSpPr/>
+          <p:nvPr/>
+        </p:nvCxnSpPr>
+        <p:spPr>
+          <a:xfrm rot="5400000" flipH="1" flipV="1">
+            <a:off x="6781094" y="1736971"/>
+            <a:ext cx="2199240" cy="666272"/>
+          </a:xfrm>
+          <a:prstGeom prst="bentConnector3">
+            <a:avLst>
+              <a:gd name="adj1" fmla="val 99645"/>
+            </a:avLst>
+          </a:prstGeom>
+          <a:ln w="12700">
+            <a:solidFill>
+              <a:schemeClr val="tx1"/>
+            </a:solidFill>
+          </a:ln>
+        </p:spPr>
+        <p:style>
+          <a:lnRef idx="1">
+            <a:schemeClr val="accent1"/>
+          </a:lnRef>
+          <a:fillRef idx="0">
+            <a:schemeClr val="accent1"/>
+          </a:fillRef>
+          <a:effectRef idx="0">
+            <a:schemeClr val="accent1"/>
+          </a:effectRef>
+          <a:fontRef idx="minor">
+            <a:schemeClr val="tx1"/>
+          </a:fontRef>
+        </p:style>
+      </p:cxnSp>
+      <p:cxnSp>
+        <p:nvCxnSpPr>
+          <p:cNvPr id="183" name="Elbow Connector 182"/>
+          <p:cNvCxnSpPr/>
+          <p:nvPr/>
+        </p:nvCxnSpPr>
+        <p:spPr>
+          <a:xfrm rot="5400000" flipH="1" flipV="1">
+            <a:off x="6258651" y="1919830"/>
+            <a:ext cx="3137299" cy="773104"/>
+          </a:xfrm>
+          <a:prstGeom prst="bentConnector3">
+            <a:avLst>
+              <a:gd name="adj1" fmla="val 99592"/>
+            </a:avLst>
+          </a:prstGeom>
+          <a:ln w="12700">
+            <a:solidFill>
+              <a:schemeClr val="tx1"/>
+            </a:solidFill>
+          </a:ln>
+        </p:spPr>
+        <p:style>
+          <a:lnRef idx="1">
+            <a:schemeClr val="accent1"/>
+          </a:lnRef>
+          <a:fillRef idx="0">
+            <a:schemeClr val="accent1"/>
+          </a:fillRef>
+          <a:effectRef idx="0">
+            <a:schemeClr val="accent1"/>
+          </a:effectRef>
+          <a:fontRef idx="minor">
+            <a:schemeClr val="tx1"/>
+          </a:fontRef>
+        </p:style>
+      </p:cxnSp>
+      <p:cxnSp>
+        <p:nvCxnSpPr>
+          <p:cNvPr id="187" name="Straight Connector 186"/>
+          <p:cNvCxnSpPr/>
+          <p:nvPr/>
+        </p:nvCxnSpPr>
+        <p:spPr>
+          <a:xfrm>
+            <a:off x="7256202" y="3135409"/>
+            <a:ext cx="287407" cy="1"/>
+          </a:xfrm>
+          <a:prstGeom prst="line">
+            <a:avLst/>
+          </a:prstGeom>
+          <a:ln w="12700">
+            <a:solidFill>
+              <a:schemeClr val="tx1"/>
+            </a:solidFill>
+          </a:ln>
+        </p:spPr>
+        <p:style>
+          <a:lnRef idx="1">
+            <a:schemeClr val="accent1"/>
+          </a:lnRef>
+          <a:fillRef idx="0">
+            <a:schemeClr val="accent1"/>
+          </a:fillRef>
+          <a:effectRef idx="0">
+            <a:schemeClr val="accent1"/>
+          </a:effectRef>
+          <a:fontRef idx="minor">
+            <a:schemeClr val="tx1"/>
+          </a:fontRef>
+        </p:style>
+      </p:cxnSp>
+      <p:cxnSp>
+        <p:nvCxnSpPr>
+          <p:cNvPr id="191" name="Straight Connector 190"/>
+          <p:cNvCxnSpPr/>
+          <p:nvPr/>
+        </p:nvCxnSpPr>
+        <p:spPr>
+          <a:xfrm>
+            <a:off x="7254108" y="3875032"/>
+            <a:ext cx="186640" cy="0"/>
+          </a:xfrm>
+          <a:prstGeom prst="line">
+            <a:avLst/>
+          </a:prstGeom>
+          <a:ln w="12700">
+            <a:solidFill>
+              <a:schemeClr val="tx1"/>
+            </a:solidFill>
+          </a:ln>
+        </p:spPr>
+        <p:style>
+          <a:lnRef idx="1">
+            <a:schemeClr val="accent1"/>
+          </a:lnRef>
+          <a:fillRef idx="0">
+            <a:schemeClr val="accent1"/>
+          </a:fillRef>
+          <a:effectRef idx="0">
+            <a:schemeClr val="accent1"/>
+          </a:effectRef>
+          <a:fontRef idx="minor">
+            <a:schemeClr val="tx1"/>
+          </a:fontRef>
+        </p:style>
+      </p:cxnSp>
+      <p:cxnSp>
+        <p:nvCxnSpPr>
+          <p:cNvPr id="193" name="Elbow Connector 192"/>
+          <p:cNvCxnSpPr/>
+          <p:nvPr/>
+        </p:nvCxnSpPr>
+        <p:spPr>
+          <a:xfrm rot="16200000" flipV="1">
+            <a:off x="3619559" y="2686540"/>
+            <a:ext cx="2035638" cy="373894"/>
+          </a:xfrm>
+          <a:prstGeom prst="bentConnector3">
+            <a:avLst>
+              <a:gd name="adj1" fmla="val 3740"/>
+            </a:avLst>
+          </a:prstGeom>
+          <a:ln w="12700">
+            <a:solidFill>
+              <a:schemeClr val="tx1"/>
+            </a:solidFill>
+          </a:ln>
+        </p:spPr>
+        <p:style>
+          <a:lnRef idx="1">
+            <a:schemeClr val="accent1"/>
+          </a:lnRef>
+          <a:fillRef idx="0">
+            <a:schemeClr val="accent1"/>
+          </a:fillRef>
+          <a:effectRef idx="0">
+            <a:schemeClr val="accent1"/>
+          </a:effectRef>
+          <a:fontRef idx="minor">
+            <a:schemeClr val="tx1"/>
+          </a:fontRef>
+        </p:style>
+      </p:cxnSp>
+      <p:cxnSp>
+        <p:nvCxnSpPr>
+          <p:cNvPr id="198" name="Elbow Connector 197"/>
+          <p:cNvCxnSpPr/>
+          <p:nvPr/>
+        </p:nvCxnSpPr>
+        <p:spPr>
+          <a:xfrm rot="16200000" flipV="1">
+            <a:off x="3314277" y="2758130"/>
+            <a:ext cx="2537941" cy="490094"/>
+          </a:xfrm>
+          <a:prstGeom prst="bentConnector3">
+            <a:avLst>
+              <a:gd name="adj1" fmla="val 3754"/>
+            </a:avLst>
+          </a:prstGeom>
+          <a:ln w="12700">
+            <a:solidFill>
+              <a:schemeClr val="tx1"/>
+            </a:solidFill>
+          </a:ln>
+        </p:spPr>
+        <p:style>
+          <a:lnRef idx="1">
+            <a:schemeClr val="accent1"/>
+          </a:lnRef>
+          <a:fillRef idx="0">
+            <a:schemeClr val="accent1"/>
+          </a:fillRef>
+          <a:effectRef idx="0">
+            <a:schemeClr val="accent1"/>
+          </a:effectRef>
+          <a:fontRef idx="minor">
+            <a:schemeClr val="tx1"/>
+          </a:fontRef>
+        </p:style>
+      </p:cxnSp>
+      <p:cxnSp>
+        <p:nvCxnSpPr>
+          <p:cNvPr id="204" name="Straight Connector 203"/>
+          <p:cNvCxnSpPr/>
+          <p:nvPr/>
+        </p:nvCxnSpPr>
+        <p:spPr>
+          <a:xfrm>
+            <a:off x="4429954" y="1842977"/>
+            <a:ext cx="4712384" cy="1702"/>
+          </a:xfrm>
+          <a:prstGeom prst="line">
+            <a:avLst/>
+          </a:prstGeom>
+          <a:ln w="12700">
+            <a:solidFill>
+              <a:schemeClr val="tx1"/>
+            </a:solidFill>
+          </a:ln>
+        </p:spPr>
+        <p:style>
+          <a:lnRef idx="1">
+            <a:schemeClr val="accent1"/>
+          </a:lnRef>
+          <a:fillRef idx="0">
+            <a:schemeClr val="accent1"/>
+          </a:fillRef>
+          <a:effectRef idx="0">
+            <a:schemeClr val="accent1"/>
+          </a:effectRef>
+          <a:fontRef idx="minor">
+            <a:schemeClr val="tx1"/>
+          </a:fontRef>
+        </p:style>
+      </p:cxnSp>
+      <p:cxnSp>
+        <p:nvCxnSpPr>
+          <p:cNvPr id="207" name="Straight Connector 206"/>
+          <p:cNvCxnSpPr/>
+          <p:nvPr/>
+        </p:nvCxnSpPr>
+        <p:spPr>
+          <a:xfrm>
+            <a:off x="4323047" y="1722421"/>
+            <a:ext cx="5097767" cy="21603"/>
+          </a:xfrm>
+          <a:prstGeom prst="line">
+            <a:avLst/>
+          </a:prstGeom>
+          <a:ln w="12700">
+            <a:solidFill>
+              <a:schemeClr val="tx1"/>
+            </a:solidFill>
+          </a:ln>
+        </p:spPr>
+        <p:style>
+          <a:lnRef idx="1">
+            <a:schemeClr val="accent1"/>
+          </a:lnRef>
+          <a:fillRef idx="0">
+            <a:schemeClr val="accent1"/>
+          </a:fillRef>
+          <a:effectRef idx="0">
+            <a:schemeClr val="accent1"/>
+          </a:effectRef>
+          <a:fontRef idx="minor">
+            <a:schemeClr val="tx1"/>
+          </a:fontRef>
+        </p:style>
+      </p:cxnSp>
+      <p:cxnSp>
+        <p:nvCxnSpPr>
+          <p:cNvPr id="209" name="Elbow Connector 208"/>
+          <p:cNvCxnSpPr/>
+          <p:nvPr/>
+        </p:nvCxnSpPr>
+        <p:spPr>
+          <a:xfrm>
+            <a:off x="9400420" y="1748733"/>
+            <a:ext cx="1326514" cy="792613"/>
+          </a:xfrm>
+          <a:prstGeom prst="bentConnector3">
+            <a:avLst>
+              <a:gd name="adj1" fmla="val 616"/>
+            </a:avLst>
+          </a:prstGeom>
+          <a:ln w="12700">
+            <a:solidFill>
+              <a:schemeClr val="tx1"/>
+            </a:solidFill>
+          </a:ln>
+        </p:spPr>
+        <p:style>
+          <a:lnRef idx="1">
+            <a:schemeClr val="accent1"/>
+          </a:lnRef>
+          <a:fillRef idx="0">
+            <a:schemeClr val="accent1"/>
+          </a:fillRef>
+          <a:effectRef idx="0">
+            <a:schemeClr val="accent1"/>
+          </a:effectRef>
+          <a:fontRef idx="minor">
+            <a:schemeClr val="tx1"/>
+          </a:fontRef>
+        </p:style>
+      </p:cxnSp>
+      <p:cxnSp>
+        <p:nvCxnSpPr>
+          <p:cNvPr id="212" name="Elbow Connector 211"/>
+          <p:cNvCxnSpPr/>
+          <p:nvPr/>
+        </p:nvCxnSpPr>
+        <p:spPr>
+          <a:xfrm>
+            <a:off x="9142338" y="1846658"/>
+            <a:ext cx="1621860" cy="472377"/>
+          </a:xfrm>
+          <a:prstGeom prst="bentConnector3">
+            <a:avLst>
+              <a:gd name="adj1" fmla="val 50000"/>
+            </a:avLst>
+          </a:prstGeom>
+          <a:ln w="12700">
+            <a:solidFill>
+              <a:schemeClr val="tx1"/>
+            </a:solidFill>
+          </a:ln>
+        </p:spPr>
+        <p:style>
+          <a:lnRef idx="1">
+            <a:schemeClr val="accent1"/>
+          </a:lnRef>
+          <a:fillRef idx="0">
+            <a:schemeClr val="accent1"/>
+          </a:fillRef>
+          <a:effectRef idx="0">
+            <a:schemeClr val="accent1"/>
+          </a:effectRef>
+          <a:fontRef idx="minor">
+            <a:schemeClr val="tx1"/>
+          </a:fontRef>
+        </p:style>
+      </p:cxnSp>
+      <p:cxnSp>
+        <p:nvCxnSpPr>
+          <p:cNvPr id="214" name="Elbow Connector 213"/>
+          <p:cNvCxnSpPr/>
+          <p:nvPr/>
+        </p:nvCxnSpPr>
+        <p:spPr>
+          <a:xfrm flipV="1">
+            <a:off x="7263967" y="2762766"/>
+            <a:ext cx="3479425" cy="1466327"/>
+          </a:xfrm>
+          <a:prstGeom prst="bentConnector3">
+            <a:avLst>
+              <a:gd name="adj1" fmla="val 62160"/>
+            </a:avLst>
+          </a:prstGeom>
+          <a:ln w="12700">
+            <a:solidFill>
+              <a:schemeClr val="tx1"/>
+            </a:solidFill>
+          </a:ln>
+        </p:spPr>
+        <p:style>
+          <a:lnRef idx="1">
+            <a:schemeClr val="accent1"/>
+          </a:lnRef>
+          <a:fillRef idx="0">
+            <a:schemeClr val="accent1"/>
+          </a:fillRef>
+          <a:effectRef idx="0">
+            <a:schemeClr val="accent1"/>
+          </a:effectRef>
+          <a:fontRef idx="minor">
+            <a:schemeClr val="tx1"/>
+          </a:fontRef>
+        </p:style>
+      </p:cxnSp>
+      <p:cxnSp>
+        <p:nvCxnSpPr>
+          <p:cNvPr id="218" name="Straight Connector 217"/>
+          <p:cNvCxnSpPr/>
+          <p:nvPr/>
+        </p:nvCxnSpPr>
+        <p:spPr>
+          <a:xfrm>
+            <a:off x="9420814" y="4229093"/>
+            <a:ext cx="1322578" cy="0"/>
+          </a:xfrm>
+          <a:prstGeom prst="line">
+            <a:avLst/>
+          </a:prstGeom>
+          <a:ln w="12700">
+            <a:solidFill>
+              <a:schemeClr val="tx1"/>
+            </a:solidFill>
+          </a:ln>
+        </p:spPr>
+        <p:style>
+          <a:lnRef idx="1">
+            <a:schemeClr val="accent1"/>
+          </a:lnRef>
+          <a:fillRef idx="0">
+            <a:schemeClr val="accent1"/>
+          </a:fillRef>
+          <a:effectRef idx="0">
+            <a:schemeClr val="accent1"/>
+          </a:effectRef>
+          <a:fontRef idx="minor">
+            <a:schemeClr val="tx1"/>
+          </a:fontRef>
+        </p:style>
+      </p:cxnSp>
+      <p:cxnSp>
+        <p:nvCxnSpPr>
+          <p:cNvPr id="220" name="Elbow Connector 219"/>
+          <p:cNvCxnSpPr/>
+          <p:nvPr/>
+        </p:nvCxnSpPr>
+        <p:spPr>
+          <a:xfrm>
+            <a:off x="4506483" y="4600158"/>
+            <a:ext cx="5111441" cy="569216"/>
+          </a:xfrm>
+          <a:prstGeom prst="bentConnector3">
+            <a:avLst>
+              <a:gd name="adj1" fmla="val 70"/>
+            </a:avLst>
+          </a:prstGeom>
+          <a:ln w="12700">
+            <a:solidFill>
+              <a:schemeClr val="tx1"/>
+            </a:solidFill>
+          </a:ln>
+        </p:spPr>
+        <p:style>
+          <a:lnRef idx="1">
+            <a:schemeClr val="accent1"/>
+          </a:lnRef>
+          <a:fillRef idx="0">
+            <a:schemeClr val="accent1"/>
+          </a:fillRef>
+          <a:effectRef idx="0">
+            <a:schemeClr val="accent1"/>
+          </a:effectRef>
+          <a:fontRef idx="minor">
+            <a:schemeClr val="tx1"/>
+          </a:fontRef>
+        </p:style>
+      </p:cxnSp>
+      <p:cxnSp>
+        <p:nvCxnSpPr>
+          <p:cNvPr id="226" name="Elbow Connector 225"/>
+          <p:cNvCxnSpPr/>
+          <p:nvPr/>
+        </p:nvCxnSpPr>
+        <p:spPr>
+          <a:xfrm>
+            <a:off x="4354886" y="4955011"/>
+            <a:ext cx="5598382" cy="284411"/>
+          </a:xfrm>
+          <a:prstGeom prst="bentConnector3">
+            <a:avLst>
+              <a:gd name="adj1" fmla="val 25"/>
+            </a:avLst>
+          </a:prstGeom>
+          <a:ln w="12700">
+            <a:solidFill>
+              <a:schemeClr val="tx1"/>
+            </a:solidFill>
+          </a:ln>
+        </p:spPr>
+        <p:style>
+          <a:lnRef idx="1">
+            <a:schemeClr val="accent1"/>
+          </a:lnRef>
+          <a:fillRef idx="0">
+            <a:schemeClr val="accent1"/>
+          </a:fillRef>
+          <a:effectRef idx="0">
+            <a:schemeClr val="accent1"/>
+          </a:effectRef>
+          <a:fontRef idx="minor">
+            <a:schemeClr val="tx1"/>
+          </a:fontRef>
+        </p:style>
+      </p:cxnSp>
+      <p:cxnSp>
+        <p:nvCxnSpPr>
+          <p:cNvPr id="231" name="Straight Connector 230"/>
+          <p:cNvCxnSpPr/>
+          <p:nvPr/>
+        </p:nvCxnSpPr>
+        <p:spPr>
+          <a:xfrm>
+            <a:off x="4506483" y="4599958"/>
+            <a:ext cx="317842" cy="200"/>
+          </a:xfrm>
+          <a:prstGeom prst="line">
+            <a:avLst/>
+          </a:prstGeom>
+          <a:ln w="12700">
+            <a:solidFill>
+              <a:schemeClr val="tx1"/>
+            </a:solidFill>
+          </a:ln>
+        </p:spPr>
+        <p:style>
+          <a:lnRef idx="1">
+            <a:schemeClr val="accent1"/>
+          </a:lnRef>
+          <a:fillRef idx="0">
+            <a:schemeClr val="accent1"/>
+          </a:fillRef>
+          <a:effectRef idx="0">
+            <a:schemeClr val="accent1"/>
+          </a:effectRef>
+          <a:fontRef idx="minor">
+            <a:schemeClr val="tx1"/>
+          </a:fontRef>
+        </p:style>
+      </p:cxnSp>
+      <p:cxnSp>
+        <p:nvCxnSpPr>
+          <p:cNvPr id="233" name="Straight Connector 232"/>
+          <p:cNvCxnSpPr/>
+          <p:nvPr/>
+        </p:nvCxnSpPr>
+        <p:spPr>
+          <a:xfrm flipV="1">
+            <a:off x="4345206" y="4942445"/>
+            <a:ext cx="477759" cy="13665"/>
+          </a:xfrm>
+          <a:prstGeom prst="line">
+            <a:avLst/>
+          </a:prstGeom>
+          <a:ln w="12700">
+            <a:solidFill>
+              <a:schemeClr val="tx1"/>
+            </a:solidFill>
+          </a:ln>
+        </p:spPr>
+        <p:style>
+          <a:lnRef idx="1">
+            <a:schemeClr val="accent1"/>
+          </a:lnRef>
+          <a:fillRef idx="0">
+            <a:schemeClr val="accent1"/>
+          </a:fillRef>
+          <a:effectRef idx="0">
+            <a:schemeClr val="accent1"/>
+          </a:effectRef>
+          <a:fontRef idx="minor">
+            <a:schemeClr val="tx1"/>
+          </a:fontRef>
+        </p:style>
+      </p:cxnSp>
+      <p:cxnSp>
+        <p:nvCxnSpPr>
+          <p:cNvPr id="235" name="Elbow Connector 234"/>
+          <p:cNvCxnSpPr/>
+          <p:nvPr/>
+        </p:nvCxnSpPr>
+        <p:spPr>
+          <a:xfrm rot="5400000" flipH="1" flipV="1">
+            <a:off x="9517187" y="3922363"/>
+            <a:ext cx="1347751" cy="1146275"/>
+          </a:xfrm>
+          <a:prstGeom prst="bentConnector3">
+            <a:avLst>
+              <a:gd name="adj1" fmla="val 99619"/>
+            </a:avLst>
+          </a:prstGeom>
+          <a:ln w="12700">
+            <a:solidFill>
+              <a:schemeClr val="tx1"/>
+            </a:solidFill>
+          </a:ln>
+        </p:spPr>
+        <p:style>
+          <a:lnRef idx="1">
+            <a:schemeClr val="accent1"/>
+          </a:lnRef>
+          <a:fillRef idx="0">
+            <a:schemeClr val="accent1"/>
+          </a:fillRef>
+          <a:effectRef idx="0">
+            <a:schemeClr val="accent1"/>
+          </a:effectRef>
+          <a:fontRef idx="minor">
+            <a:schemeClr val="tx1"/>
+          </a:fontRef>
+        </p:style>
+      </p:cxnSp>
+      <p:cxnSp>
+        <p:nvCxnSpPr>
+          <p:cNvPr id="239" name="Elbow Connector 238"/>
+          <p:cNvCxnSpPr/>
+          <p:nvPr/>
+        </p:nvCxnSpPr>
+        <p:spPr>
+          <a:xfrm rot="5400000" flipH="1" flipV="1">
+            <a:off x="9741312" y="4205563"/>
+            <a:ext cx="1199207" cy="846565"/>
+          </a:xfrm>
+          <a:prstGeom prst="bentConnector3">
+            <a:avLst>
+              <a:gd name="adj1" fmla="val 98937"/>
+            </a:avLst>
+          </a:prstGeom>
+          <a:ln w="12700">
+            <a:solidFill>
+              <a:schemeClr val="tx1"/>
+            </a:solidFill>
+          </a:ln>
+        </p:spPr>
+        <p:style>
+          <a:lnRef idx="1">
+            <a:schemeClr val="accent1"/>
+          </a:lnRef>
+          <a:fillRef idx="0">
+            <a:schemeClr val="accent1"/>
+          </a:fillRef>
+          <a:effectRef idx="0">
+            <a:schemeClr val="accent1"/>
+          </a:effectRef>
+          <a:fontRef idx="minor">
+            <a:schemeClr val="tx1"/>
+          </a:fontRef>
+        </p:style>
+      </p:cxnSp>
+      <p:sp>
+        <p:nvSpPr>
+          <p:cNvPr id="229" name="Rectangle 228"/>
+          <p:cNvSpPr/>
+          <p:nvPr/>
+        </p:nvSpPr>
+        <p:spPr>
+          <a:xfrm>
+            <a:off x="7394295" y="5180282"/>
+            <a:ext cx="165160" cy="50548"/>
+          </a:xfrm>
+          <a:prstGeom prst="rect">
+            <a:avLst/>
+          </a:prstGeom>
+          <a:solidFill>
+            <a:schemeClr val="bg1"/>
+          </a:solidFill>
+          <a:ln>
+            <a:solidFill>
+              <a:schemeClr val="bg1"/>
+            </a:solidFill>
+          </a:ln>
+        </p:spPr>
+        <p:style>
+          <a:lnRef idx="2">
+            <a:schemeClr val="accent1">
+              <a:shade val="50000"/>
+            </a:schemeClr>
+          </a:lnRef>
+          <a:fillRef idx="1">
+            <a:schemeClr val="accent1"/>
+          </a:fillRef>
+          <a:effectRef idx="0">
+            <a:schemeClr val="accent1"/>
+          </a:effectRef>
+          <a:fontRef idx="minor">
+            <a:schemeClr val="lt1"/>
+          </a:fontRef>
+        </p:style>
+        <p:txBody>
+          <a:bodyPr rtlCol="0" anchor="ctr"/>
+          <a:lstStyle/>
+          <a:p>
+            <a:pPr algn="ctr"/>
+            <a:endParaRPr lang="en-US"/>
+          </a:p>
+        </p:txBody>
+      </p:sp>
+      <p:sp>
+        <p:nvSpPr>
+          <p:cNvPr id="244" name="Rectangle 243"/>
+          <p:cNvSpPr/>
+          <p:nvPr/>
+        </p:nvSpPr>
+        <p:spPr>
+          <a:xfrm>
+            <a:off x="7351491" y="5109949"/>
+            <a:ext cx="247666" cy="45719"/>
+          </a:xfrm>
+          <a:prstGeom prst="rect">
+            <a:avLst/>
+          </a:prstGeom>
+          <a:solidFill>
+            <a:schemeClr val="bg1"/>
+          </a:solidFill>
+          <a:ln>
+            <a:solidFill>
+              <a:schemeClr val="bg1"/>
+            </a:solidFill>
+          </a:ln>
+        </p:spPr>
+        <p:style>
+          <a:lnRef idx="2">
+            <a:schemeClr val="accent1">
+              <a:shade val="50000"/>
+            </a:schemeClr>
+          </a:lnRef>
+          <a:fillRef idx="1">
+            <a:schemeClr val="accent1"/>
+          </a:fillRef>
+          <a:effectRef idx="0">
+            <a:schemeClr val="accent1"/>
+          </a:effectRef>
+          <a:fontRef idx="minor">
+            <a:schemeClr val="lt1"/>
+          </a:fontRef>
+        </p:style>
+        <p:txBody>
+          <a:bodyPr rtlCol="0" anchor="ctr"/>
+          <a:lstStyle/>
+          <a:p>
+            <a:pPr algn="ctr"/>
+            <a:endParaRPr lang="en-US"/>
+          </a:p>
+        </p:txBody>
+      </p:sp>
+      <p:grpSp>
+        <p:nvGrpSpPr>
+          <p:cNvPr id="245" name="Group 208"/>
           <p:cNvGrpSpPr>
             <a:grpSpLocks/>
           </p:cNvGrpSpPr>
@@ -4830,15 +6683,15 @@
         </p:nvGrpSpPr>
         <p:grpSpPr bwMode="auto">
           <a:xfrm>
-            <a:off x="10448173" y="6575266"/>
-            <a:ext cx="214856" cy="160487"/>
+            <a:off x="7392246" y="4977628"/>
+            <a:ext cx="183079" cy="126725"/>
             <a:chOff x="304800" y="1600994"/>
             <a:chExt cx="457200" cy="229394"/>
           </a:xfrm>
         </p:grpSpPr>
         <p:cxnSp>
           <p:nvCxnSpPr>
-            <p:cNvPr id="75" name="Straight Connector 74"/>
+            <p:cNvPr id="246" name="Straight Connector 245"/>
             <p:cNvCxnSpPr/>
             <p:nvPr/>
           </p:nvCxnSpPr>
@@ -4873,7 +6726,7 @@
         </p:cxnSp>
         <p:cxnSp>
           <p:nvCxnSpPr>
-            <p:cNvPr id="76" name="Straight Connector 75"/>
+            <p:cNvPr id="247" name="Straight Connector 246"/>
             <p:cNvCxnSpPr/>
             <p:nvPr/>
           </p:nvCxnSpPr>
@@ -4908,7 +6761,7 @@
         </p:cxnSp>
         <p:cxnSp>
           <p:nvCxnSpPr>
-            <p:cNvPr id="77" name="Straight Connector 76"/>
+            <p:cNvPr id="248" name="Straight Connector 247"/>
             <p:cNvCxnSpPr/>
             <p:nvPr/>
           </p:nvCxnSpPr>
@@ -4943,7 +6796,7 @@
         </p:cxnSp>
         <p:cxnSp>
           <p:nvCxnSpPr>
-            <p:cNvPr id="78" name="Straight Connector 77"/>
+            <p:cNvPr id="249" name="Straight Connector 248"/>
             <p:cNvCxnSpPr/>
             <p:nvPr/>
           </p:nvCxnSpPr>
@@ -4979,21 +6832,149 @@
       </p:grpSp>
       <p:cxnSp>
         <p:nvCxnSpPr>
-          <p:cNvPr id="79" name="Elbow Connector 78"/>
+          <p:cNvPr id="251" name="Straight Connector 250"/>
           <p:cNvCxnSpPr/>
           <p:nvPr/>
         </p:nvCxnSpPr>
         <p:spPr>
-          <a:xfrm rot="10800000" flipV="1">
-            <a:off x="10552656" y="2978864"/>
-            <a:ext cx="188130" cy="113205"/>
+          <a:xfrm>
+            <a:off x="7242048" y="4970870"/>
+            <a:ext cx="259265" cy="8270"/>
+          </a:xfrm>
+          <a:prstGeom prst="line">
+            <a:avLst/>
+          </a:prstGeom>
+          <a:ln w="12700">
+            <a:solidFill>
+              <a:schemeClr val="tx1"/>
+            </a:solidFill>
+          </a:ln>
+        </p:spPr>
+        <p:style>
+          <a:lnRef idx="1">
+            <a:schemeClr val="accent1"/>
+          </a:lnRef>
+          <a:fillRef idx="0">
+            <a:schemeClr val="accent1"/>
+          </a:fillRef>
+          <a:effectRef idx="0">
+            <a:schemeClr val="accent1"/>
+          </a:effectRef>
+          <a:fontRef idx="minor">
+            <a:schemeClr val="tx1"/>
+          </a:fontRef>
+        </p:style>
+      </p:cxnSp>
+      <p:sp>
+        <p:nvSpPr>
+          <p:cNvPr id="270" name="Rectangle 269"/>
+          <p:cNvSpPr/>
+          <p:nvPr/>
+        </p:nvSpPr>
+        <p:spPr>
+          <a:xfrm>
+            <a:off x="5153025" y="-1"/>
+            <a:ext cx="1074579" cy="716009"/>
+          </a:xfrm>
+          <a:prstGeom prst="rect">
+            <a:avLst/>
+          </a:prstGeom>
+          <a:solidFill>
+            <a:schemeClr val="bg1"/>
+          </a:solidFill>
+          <a:ln w="19050">
+            <a:solidFill>
+              <a:schemeClr val="tx1"/>
+            </a:solidFill>
+          </a:ln>
+        </p:spPr>
+        <p:style>
+          <a:lnRef idx="2">
+            <a:schemeClr val="accent1">
+              <a:shade val="50000"/>
+            </a:schemeClr>
+          </a:lnRef>
+          <a:fillRef idx="1">
+            <a:schemeClr val="accent1"/>
+          </a:fillRef>
+          <a:effectRef idx="0">
+            <a:schemeClr val="accent1"/>
+          </a:effectRef>
+          <a:fontRef idx="minor">
+            <a:schemeClr val="lt1"/>
+          </a:fontRef>
+        </p:style>
+        <p:txBody>
+          <a:bodyPr rtlCol="0" anchor="ctr"/>
+          <a:lstStyle/>
+          <a:p>
+            <a:pPr algn="ctr"/>
+            <a:endParaRPr lang="en-US"/>
+          </a:p>
+        </p:txBody>
+      </p:sp>
+      <p:sp>
+        <p:nvSpPr>
+          <p:cNvPr id="283" name="TextBox 282"/>
+          <p:cNvSpPr txBox="1"/>
+          <p:nvPr/>
+        </p:nvSpPr>
+        <p:spPr>
+          <a:xfrm>
+            <a:off x="5395559" y="-15512"/>
+            <a:ext cx="589326" cy="738664"/>
+          </a:xfrm>
+          <a:prstGeom prst="rect">
+            <a:avLst/>
+          </a:prstGeom>
+          <a:noFill/>
+        </p:spPr>
+        <p:txBody>
+          <a:bodyPr wrap="square" rtlCol="0">
+            <a:spAutoFit/>
+          </a:bodyPr>
+          <a:lstStyle/>
+          <a:p>
+            <a:pPr algn="ctr"/>
+            <a:r>
+              <a:rPr lang="en-US" sz="1400" dirty="0" smtClean="0"/>
+              <a:t>UART</a:t>
+            </a:r>
+          </a:p>
+          <a:p>
+            <a:pPr algn="ctr"/>
+            <a:r>
+              <a:rPr lang="en-US" sz="1400" dirty="0" smtClean="0"/>
+              <a:t>TO</a:t>
+            </a:r>
+          </a:p>
+          <a:p>
+            <a:pPr algn="ctr"/>
+            <a:r>
+              <a:rPr lang="en-US" sz="1400" dirty="0" smtClean="0"/>
+              <a:t>PC</a:t>
+            </a:r>
+            <a:endParaRPr lang="en-US" sz="1400" dirty="0"/>
+          </a:p>
+        </p:txBody>
+      </p:sp>
+      <p:cxnSp>
+        <p:nvCxnSpPr>
+          <p:cNvPr id="284" name="Elbow Connector 283"/>
+          <p:cNvCxnSpPr/>
+          <p:nvPr/>
+        </p:nvCxnSpPr>
+        <p:spPr>
+          <a:xfrm rot="5400000" flipH="1" flipV="1">
+            <a:off x="3908752" y="1329130"/>
+            <a:ext cx="2765370" cy="1539129"/>
           </a:xfrm>
           <a:prstGeom prst="bentConnector3">
             <a:avLst>
-              <a:gd name="adj1" fmla="val 100781"/>
+              <a:gd name="adj1" fmla="val 67566"/>
             </a:avLst>
           </a:prstGeom>
-          <a:ln>
+          <a:ln w="12700">
             <a:solidFill>
               <a:schemeClr val="tx1"/>
             </a:solidFill>
@@ -5016,21 +6997,235 @@
       </p:cxnSp>
       <p:cxnSp>
         <p:nvCxnSpPr>
-          <p:cNvPr id="83" name="Elbow Connector 82"/>
+          <p:cNvPr id="291" name="Elbow Connector 290"/>
           <p:cNvCxnSpPr/>
           <p:nvPr/>
         </p:nvCxnSpPr>
         <p:spPr>
-          <a:xfrm rot="10800000" flipV="1">
-            <a:off x="10552656" y="6443541"/>
-            <a:ext cx="172668" cy="164944"/>
+          <a:xfrm rot="5400000" flipH="1" flipV="1">
+            <a:off x="4048877" y="1273653"/>
+            <a:ext cx="2412134" cy="1296842"/>
           </a:xfrm>
           <a:prstGeom prst="bentConnector3">
             <a:avLst>
-              <a:gd name="adj1" fmla="val 97425"/>
+              <a:gd name="adj1" fmla="val 67375"/>
             </a:avLst>
           </a:prstGeom>
-          <a:ln>
+          <a:ln w="12700">
+            <a:solidFill>
+              <a:schemeClr val="tx1"/>
+            </a:solidFill>
+          </a:ln>
+        </p:spPr>
+        <p:style>
+          <a:lnRef idx="1">
+            <a:schemeClr val="accent1"/>
+          </a:lnRef>
+          <a:fillRef idx="0">
+            <a:schemeClr val="accent1"/>
+          </a:fillRef>
+          <a:effectRef idx="0">
+            <a:schemeClr val="accent1"/>
+          </a:effectRef>
+          <a:fontRef idx="minor">
+            <a:schemeClr val="tx1"/>
+          </a:fontRef>
+        </p:style>
+      </p:cxnSp>
+      <p:cxnSp>
+        <p:nvCxnSpPr>
+          <p:cNvPr id="294" name="Elbow Connector 293"/>
+          <p:cNvCxnSpPr/>
+          <p:nvPr/>
+        </p:nvCxnSpPr>
+        <p:spPr>
+          <a:xfrm rot="5400000" flipH="1" flipV="1">
+            <a:off x="4084570" y="1324259"/>
+            <a:ext cx="2032793" cy="816287"/>
+          </a:xfrm>
+          <a:prstGeom prst="bentConnector3">
+            <a:avLst>
+              <a:gd name="adj1" fmla="val 66400"/>
+            </a:avLst>
+          </a:prstGeom>
+          <a:ln w="12700">
+            <a:solidFill>
+              <a:schemeClr val="tx1"/>
+            </a:solidFill>
+          </a:ln>
+        </p:spPr>
+        <p:style>
+          <a:lnRef idx="1">
+            <a:schemeClr val="accent1"/>
+          </a:lnRef>
+          <a:fillRef idx="0">
+            <a:schemeClr val="accent1"/>
+          </a:fillRef>
+          <a:effectRef idx="0">
+            <a:schemeClr val="accent1"/>
+          </a:effectRef>
+          <a:fontRef idx="minor">
+            <a:schemeClr val="tx1"/>
+          </a:fontRef>
+        </p:style>
+      </p:cxnSp>
+      <p:cxnSp>
+        <p:nvCxnSpPr>
+          <p:cNvPr id="297" name="Elbow Connector 296"/>
+          <p:cNvCxnSpPr/>
+          <p:nvPr/>
+        </p:nvCxnSpPr>
+        <p:spPr>
+          <a:xfrm rot="5400000" flipH="1" flipV="1">
+            <a:off x="4215401" y="1260363"/>
+            <a:ext cx="1682052" cy="593334"/>
+          </a:xfrm>
+          <a:prstGeom prst="bentConnector3">
+            <a:avLst>
+              <a:gd name="adj1" fmla="val 65289"/>
+            </a:avLst>
+          </a:prstGeom>
+          <a:ln w="12700">
+            <a:solidFill>
+              <a:schemeClr val="tx1"/>
+            </a:solidFill>
+          </a:ln>
+        </p:spPr>
+        <p:style>
+          <a:lnRef idx="1">
+            <a:schemeClr val="accent1"/>
+          </a:lnRef>
+          <a:fillRef idx="0">
+            <a:schemeClr val="accent1"/>
+          </a:fillRef>
+          <a:effectRef idx="0">
+            <a:schemeClr val="accent1"/>
+          </a:effectRef>
+          <a:fontRef idx="minor">
+            <a:schemeClr val="tx1"/>
+          </a:fontRef>
+        </p:style>
+      </p:cxnSp>
+      <p:cxnSp>
+        <p:nvCxnSpPr>
+          <p:cNvPr id="300" name="Straight Connector 299"/>
+          <p:cNvCxnSpPr/>
+          <p:nvPr/>
+        </p:nvCxnSpPr>
+        <p:spPr>
+          <a:xfrm>
+            <a:off x="4521872" y="3471512"/>
+            <a:ext cx="301093" cy="9867"/>
+          </a:xfrm>
+          <a:prstGeom prst="line">
+            <a:avLst/>
+          </a:prstGeom>
+          <a:ln w="12700">
+            <a:solidFill>
+              <a:schemeClr val="tx1"/>
+            </a:solidFill>
+          </a:ln>
+        </p:spPr>
+        <p:style>
+          <a:lnRef idx="1">
+            <a:schemeClr val="accent1"/>
+          </a:lnRef>
+          <a:fillRef idx="0">
+            <a:schemeClr val="accent1"/>
+          </a:fillRef>
+          <a:effectRef idx="0">
+            <a:schemeClr val="accent1"/>
+          </a:effectRef>
+          <a:fontRef idx="minor">
+            <a:schemeClr val="tx1"/>
+          </a:fontRef>
+        </p:style>
+      </p:cxnSp>
+      <p:cxnSp>
+        <p:nvCxnSpPr>
+          <p:cNvPr id="302" name="Straight Connector 301"/>
+          <p:cNvCxnSpPr/>
+          <p:nvPr/>
+        </p:nvCxnSpPr>
+        <p:spPr>
+          <a:xfrm>
+            <a:off x="4606523" y="3116608"/>
+            <a:ext cx="216442" cy="0"/>
+          </a:xfrm>
+          <a:prstGeom prst="line">
+            <a:avLst/>
+          </a:prstGeom>
+          <a:ln w="12700">
+            <a:solidFill>
+              <a:schemeClr val="tx1"/>
+            </a:solidFill>
+          </a:ln>
+        </p:spPr>
+        <p:style>
+          <a:lnRef idx="1">
+            <a:schemeClr val="accent1"/>
+          </a:lnRef>
+          <a:fillRef idx="0">
+            <a:schemeClr val="accent1"/>
+          </a:fillRef>
+          <a:effectRef idx="0">
+            <a:schemeClr val="accent1"/>
+          </a:effectRef>
+          <a:fontRef idx="minor">
+            <a:schemeClr val="tx1"/>
+          </a:fontRef>
+        </p:style>
+      </p:cxnSp>
+      <p:cxnSp>
+        <p:nvCxnSpPr>
+          <p:cNvPr id="304" name="Straight Connector 303"/>
+          <p:cNvCxnSpPr/>
+          <p:nvPr/>
+        </p:nvCxnSpPr>
+        <p:spPr>
+          <a:xfrm>
+            <a:off x="4692683" y="2741905"/>
+            <a:ext cx="130282" cy="0"/>
+          </a:xfrm>
+          <a:prstGeom prst="line">
+            <a:avLst/>
+          </a:prstGeom>
+          <a:ln w="12700">
+            <a:solidFill>
+              <a:schemeClr val="tx1"/>
+            </a:solidFill>
+          </a:ln>
+        </p:spPr>
+        <p:style>
+          <a:lnRef idx="1">
+            <a:schemeClr val="accent1"/>
+          </a:lnRef>
+          <a:fillRef idx="0">
+            <a:schemeClr val="accent1"/>
+          </a:fillRef>
+          <a:effectRef idx="0">
+            <a:schemeClr val="accent1"/>
+          </a:effectRef>
+          <a:fontRef idx="minor">
+            <a:schemeClr val="tx1"/>
+          </a:fontRef>
+        </p:style>
+      </p:cxnSp>
+      <p:cxnSp>
+        <p:nvCxnSpPr>
+          <p:cNvPr id="306" name="Straight Connector 305"/>
+          <p:cNvCxnSpPr/>
+          <p:nvPr/>
+        </p:nvCxnSpPr>
+        <p:spPr>
+          <a:xfrm>
+            <a:off x="4757824" y="2394613"/>
+            <a:ext cx="65141" cy="0"/>
+          </a:xfrm>
+          <a:prstGeom prst="line">
+            <a:avLst/>
+          </a:prstGeom>
+          <a:ln w="12700">
             <a:solidFill>
               <a:schemeClr val="tx1"/>
             </a:solidFill>
@@ -5053,15 +7248,15 @@
       </p:cxnSp>
       <p:grpSp>
         <p:nvGrpSpPr>
-          <p:cNvPr id="96" name="Group 95"/>
+          <p:cNvPr id="211" name="Group 210"/>
           <p:cNvGrpSpPr/>
           <p:nvPr/>
         </p:nvGrpSpPr>
         <p:grpSpPr>
           <a:xfrm>
-            <a:off x="1706104" y="3024237"/>
+            <a:off x="2685519" y="5171235"/>
             <a:ext cx="1163044" cy="963196"/>
-            <a:chOff x="1706104" y="3024237"/>
+            <a:chOff x="2685519" y="5171235"/>
             <a:chExt cx="1163044" cy="963196"/>
           </a:xfrm>
         </p:grpSpPr>
@@ -5073,7 +7268,7 @@
           </p:nvGrpSpPr>
           <p:grpSpPr>
             <a:xfrm>
-              <a:off x="1706104" y="3024237"/>
+              <a:off x="2685519" y="5171235"/>
               <a:ext cx="1163044" cy="834455"/>
               <a:chOff x="8240182" y="3010207"/>
               <a:chExt cx="1163044" cy="834455"/>
@@ -5127,11 +7322,7 @@
               <a:p>
                 <a:r>
                   <a:rPr lang="en-US" dirty="0" smtClean="0"/>
-                  <a:t>12</a:t>
-                </a:r>
-                <a:r>
-                  <a:rPr lang="en-US" dirty="0" smtClean="0"/>
-                  <a:t>V</a:t>
+                  <a:t>12V</a:t>
                 </a:r>
                 <a:endParaRPr lang="en-US" dirty="0"/>
               </a:p>
@@ -5148,7 +7339,7 @@
           </p:nvGrpSpPr>
           <p:grpSpPr bwMode="auto">
             <a:xfrm>
-              <a:off x="2209672" y="3757246"/>
+              <a:off x="3189087" y="5904244"/>
               <a:ext cx="457200" cy="230187"/>
               <a:chOff x="304800" y="1600994"/>
               <a:chExt cx="457200" cy="229394"/>
@@ -5298,260 +7489,425 @@
       </p:grpSp>
       <p:grpSp>
         <p:nvGrpSpPr>
-          <p:cNvPr id="102" name="Group 101"/>
+          <p:cNvPr id="9" name="Group 8"/>
           <p:cNvGrpSpPr/>
           <p:nvPr/>
         </p:nvGrpSpPr>
         <p:grpSpPr>
           <a:xfrm>
-            <a:off x="8240182" y="3010207"/>
-            <a:ext cx="1163044" cy="999514"/>
-            <a:chOff x="8240182" y="3010207"/>
-            <a:chExt cx="1163044" cy="999514"/>
+            <a:off x="1603290" y="3147785"/>
+            <a:ext cx="1706468" cy="1426585"/>
+            <a:chOff x="741487" y="735916"/>
+            <a:chExt cx="1706468" cy="1426585"/>
           </a:xfrm>
         </p:grpSpPr>
-        <p:grpSp>
-          <p:nvGrpSpPr>
-            <p:cNvPr id="57" name="Group 56"/>
-            <p:cNvGrpSpPr/>
+        <p:sp>
+          <p:nvSpPr>
+            <p:cNvPr id="8" name="Rectangle 7"/>
+            <p:cNvSpPr/>
             <p:nvPr/>
-          </p:nvGrpSpPr>
-          <p:grpSpPr>
+          </p:nvSpPr>
+          <p:spPr>
             <a:xfrm>
-              <a:off x="8240182" y="3010207"/>
-              <a:ext cx="1163044" cy="834455"/>
-              <a:chOff x="8240182" y="3010207"/>
-              <a:chExt cx="1163044" cy="834455"/>
+              <a:off x="805219" y="735916"/>
+              <a:ext cx="1556854" cy="1426585"/>
             </a:xfrm>
-          </p:grpSpPr>
-          <p:pic>
-            <p:nvPicPr>
-              <p:cNvPr id="25" name="Picture 24"/>
-              <p:cNvPicPr>
-                <a:picLocks noChangeAspect="1"/>
-              </p:cNvPicPr>
-              <p:nvPr/>
-            </p:nvPicPr>
-            <p:blipFill>
-              <a:blip r:embed="rId3"/>
-              <a:stretch>
-                <a:fillRect/>
-              </a:stretch>
-            </p:blipFill>
-            <p:spPr>
-              <a:xfrm>
-                <a:off x="8568771" y="3010207"/>
-                <a:ext cx="834455" cy="834455"/>
-              </a:xfrm>
-              <a:prstGeom prst="rect">
-                <a:avLst/>
-              </a:prstGeom>
-            </p:spPr>
-          </p:pic>
-          <p:sp>
-            <p:nvSpPr>
-              <p:cNvPr id="56" name="TextBox 55"/>
-              <p:cNvSpPr txBox="1"/>
-              <p:nvPr/>
-            </p:nvSpPr>
-            <p:spPr>
-              <a:xfrm>
-                <a:off x="8240182" y="3242769"/>
-                <a:ext cx="566498" cy="369332"/>
-              </a:xfrm>
-              <a:prstGeom prst="rect">
-                <a:avLst/>
-              </a:prstGeom>
-              <a:noFill/>
-            </p:spPr>
-            <p:txBody>
-              <a:bodyPr wrap="square" rtlCol="0">
-                <a:spAutoFit/>
-              </a:bodyPr>
-              <a:lstStyle/>
-              <a:p>
-                <a:r>
-                  <a:rPr lang="en-US" dirty="0" smtClean="0"/>
-                  <a:t>24V</a:t>
-                </a:r>
-                <a:endParaRPr lang="en-US" dirty="0"/>
-              </a:p>
-            </p:txBody>
-          </p:sp>
-        </p:grpSp>
-        <p:grpSp>
-          <p:nvGrpSpPr>
-            <p:cNvPr id="97" name="Group 208"/>
-            <p:cNvGrpSpPr>
-              <a:grpSpLocks/>
-            </p:cNvGrpSpPr>
+            <a:prstGeom prst="rect">
+              <a:avLst/>
+            </a:prstGeom>
+            <a:solidFill>
+              <a:schemeClr val="bg1"/>
+            </a:solidFill>
+            <a:ln>
+              <a:solidFill>
+                <a:schemeClr val="tx1"/>
+              </a:solidFill>
+            </a:ln>
+          </p:spPr>
+          <p:style>
+            <a:lnRef idx="2">
+              <a:schemeClr val="accent1">
+                <a:shade val="50000"/>
+              </a:schemeClr>
+            </a:lnRef>
+            <a:fillRef idx="1">
+              <a:schemeClr val="accent1"/>
+            </a:fillRef>
+            <a:effectRef idx="0">
+              <a:schemeClr val="accent1"/>
+            </a:effectRef>
+            <a:fontRef idx="minor">
+              <a:schemeClr val="lt1"/>
+            </a:fontRef>
+          </p:style>
+          <p:txBody>
+            <a:bodyPr rtlCol="0" anchor="ctr"/>
+            <a:lstStyle/>
+            <a:p>
+              <a:pPr algn="ctr"/>
+              <a:endParaRPr lang="en-US"/>
+            </a:p>
+          </p:txBody>
+        </p:sp>
+        <p:sp>
+          <p:nvSpPr>
+            <p:cNvPr id="85" name="TextBox 84"/>
+            <p:cNvSpPr txBox="1"/>
             <p:nvPr/>
-          </p:nvGrpSpPr>
-          <p:grpSpPr bwMode="auto">
+          </p:nvSpPr>
+          <p:spPr>
             <a:xfrm>
-              <a:off x="8757398" y="3779534"/>
-              <a:ext cx="457200" cy="230187"/>
-              <a:chOff x="304800" y="1600994"/>
-              <a:chExt cx="457200" cy="229394"/>
+              <a:off x="883861" y="735916"/>
+              <a:ext cx="1490593" cy="369332"/>
             </a:xfrm>
-          </p:grpSpPr>
-          <p:cxnSp>
-            <p:nvCxnSpPr>
-              <p:cNvPr id="98" name="Straight Connector 97"/>
-              <p:cNvCxnSpPr/>
-              <p:nvPr/>
-            </p:nvCxnSpPr>
-            <p:spPr>
-              <a:xfrm>
-                <a:off x="304800" y="1676931"/>
-                <a:ext cx="457200" cy="1582"/>
-              </a:xfrm>
-              <a:prstGeom prst="line">
-                <a:avLst/>
-              </a:prstGeom>
-              <a:ln>
+            <a:prstGeom prst="rect">
+              <a:avLst/>
+            </a:prstGeom>
+            <a:noFill/>
+          </p:spPr>
+          <p:txBody>
+            <a:bodyPr wrap="square" rtlCol="0">
+              <a:spAutoFit/>
+            </a:bodyPr>
+            <a:lstStyle/>
+            <a:p>
+              <a:r>
+                <a:rPr lang="en-US" dirty="0" smtClean="0"/>
+                <a:t>FLEXMOD P3</a:t>
+              </a:r>
+              <a:endParaRPr lang="en-US" dirty="0"/>
+            </a:p>
+          </p:txBody>
+        </p:sp>
+        <p:sp>
+          <p:nvSpPr>
+            <p:cNvPr id="86" name="TextBox 85"/>
+            <p:cNvSpPr txBox="1"/>
+            <p:nvPr/>
+          </p:nvSpPr>
+          <p:spPr>
+            <a:xfrm>
+              <a:off x="1757980" y="1005232"/>
+              <a:ext cx="689975" cy="1061829"/>
+            </a:xfrm>
+            <a:prstGeom prst="rect">
+              <a:avLst/>
+            </a:prstGeom>
+            <a:noFill/>
+          </p:spPr>
+          <p:txBody>
+            <a:bodyPr wrap="square" rtlCol="0">
+              <a:spAutoFit/>
+            </a:bodyPr>
+            <a:lstStyle/>
+            <a:p>
+              <a:pPr algn="r">
+                <a:lnSpc>
+                  <a:spcPct val="150000"/>
+                </a:lnSpc>
+              </a:pPr>
+              <a:r>
+                <a:rPr lang="en-US" sz="1400" dirty="0" smtClean="0"/>
+                <a:t>MOD+</a:t>
+              </a:r>
+            </a:p>
+            <a:p>
+              <a:pPr algn="r">
+                <a:lnSpc>
+                  <a:spcPct val="150000"/>
+                </a:lnSpc>
+              </a:pPr>
+              <a:r>
+                <a:rPr lang="en-US" sz="1400" dirty="0" smtClean="0"/>
+                <a:t>GND</a:t>
+              </a:r>
+            </a:p>
+            <a:p>
+              <a:pPr algn="r">
+                <a:lnSpc>
+                  <a:spcPct val="150000"/>
+                </a:lnSpc>
+              </a:pPr>
+              <a:r>
+                <a:rPr lang="en-US" sz="1400" dirty="0" smtClean="0"/>
+                <a:t>+12V</a:t>
+              </a:r>
+            </a:p>
+          </p:txBody>
+        </p:sp>
+        <p:sp>
+          <p:nvSpPr>
+            <p:cNvPr id="87" name="TextBox 86"/>
+            <p:cNvSpPr txBox="1"/>
+            <p:nvPr/>
+          </p:nvSpPr>
+          <p:spPr>
+            <a:xfrm>
+              <a:off x="741487" y="1011911"/>
+              <a:ext cx="689975" cy="1061829"/>
+            </a:xfrm>
+            <a:prstGeom prst="rect">
+              <a:avLst/>
+            </a:prstGeom>
+            <a:noFill/>
+          </p:spPr>
+          <p:txBody>
+            <a:bodyPr wrap="square" rtlCol="0">
+              <a:spAutoFit/>
+            </a:bodyPr>
+            <a:lstStyle/>
+            <a:p>
+              <a:pPr>
+                <a:lnSpc>
+                  <a:spcPct val="150000"/>
+                </a:lnSpc>
+              </a:pPr>
+              <a:r>
+                <a:rPr lang="en-US" sz="1400" dirty="0" smtClean="0"/>
+                <a:t>LDA+</a:t>
+              </a:r>
+            </a:p>
+            <a:p>
+              <a:pPr>
+                <a:lnSpc>
+                  <a:spcPct val="150000"/>
+                </a:lnSpc>
+              </a:pPr>
+              <a:r>
+                <a:rPr lang="en-US" sz="1400" dirty="0" smtClean="0"/>
+                <a:t>LDK-</a:t>
+              </a:r>
+            </a:p>
+            <a:p>
+              <a:pPr>
+                <a:lnSpc>
+                  <a:spcPct val="150000"/>
+                </a:lnSpc>
+              </a:pPr>
+              <a:r>
+                <a:rPr lang="en-US" sz="1400" dirty="0" smtClean="0"/>
+                <a:t>INT</a:t>
+              </a:r>
+              <a:endParaRPr lang="en-US" sz="1400" dirty="0"/>
+            </a:p>
+          </p:txBody>
+        </p:sp>
+      </p:grpSp>
+      <p:pic>
+        <p:nvPicPr>
+          <p:cNvPr id="1028" name="Picture 4" descr="http://yep.xpresstek.net/wp-content/uploads/sites/3/2015/05/IEC_LED_Symbol.png"/>
+          <p:cNvPicPr>
+            <a:picLocks noChangeAspect="1" noChangeArrowheads="1"/>
+          </p:cNvPicPr>
+          <p:nvPr/>
+        </p:nvPicPr>
+        <p:blipFill>
+          <a:blip r:embed="rId4">
+            <a:extLst>
+              <a:ext uri="{28A0092B-C50C-407E-A947-70E740481C1C}">
+                <a14:useLocalDpi xmlns:a14="http://schemas.microsoft.com/office/drawing/2010/main" val="0"/>
+              </a:ext>
+            </a:extLst>
+          </a:blip>
+          <a:srcRect/>
+          <a:stretch>
+            <a:fillRect/>
+          </a:stretch>
+        </p:blipFill>
+        <p:spPr bwMode="auto">
+          <a:xfrm>
+            <a:off x="439307" y="4985931"/>
+            <a:ext cx="1772571" cy="762207"/>
+          </a:xfrm>
+          <a:prstGeom prst="rect">
+            <a:avLst/>
+          </a:prstGeom>
+          <a:noFill/>
+          <a:extLst>
+            <a:ext uri="{909E8E84-426E-40DD-AFC4-6F175D3DCCD1}">
+              <a14:hiddenFill xmlns:a14="http://schemas.microsoft.com/office/drawing/2010/main">
                 <a:solidFill>
-                  <a:schemeClr val="tx1"/>
+                  <a:srgbClr val="FFFFFF"/>
                 </a:solidFill>
-              </a:ln>
-            </p:spPr>
-            <p:style>
-              <a:lnRef idx="1">
-                <a:schemeClr val="accent1"/>
-              </a:lnRef>
-              <a:fillRef idx="0">
-                <a:schemeClr val="accent1"/>
-              </a:fillRef>
-              <a:effectRef idx="0">
-                <a:schemeClr val="accent1"/>
-              </a:effectRef>
-              <a:fontRef idx="minor">
+              </a14:hiddenFill>
+            </a:ext>
+          </a:extLst>
+        </p:spPr>
+      </p:pic>
+      <p:grpSp>
+        <p:nvGrpSpPr>
+          <p:cNvPr id="254" name="Group 208"/>
+          <p:cNvGrpSpPr>
+            <a:grpSpLocks/>
+          </p:cNvGrpSpPr>
+          <p:nvPr/>
+        </p:nvGrpSpPr>
+        <p:grpSpPr bwMode="auto">
+          <a:xfrm>
+            <a:off x="3270477" y="3964376"/>
+            <a:ext cx="232177" cy="158252"/>
+            <a:chOff x="304800" y="1600994"/>
+            <a:chExt cx="457200" cy="229394"/>
+          </a:xfrm>
+        </p:grpSpPr>
+        <p:cxnSp>
+          <p:nvCxnSpPr>
+            <p:cNvPr id="255" name="Straight Connector 254"/>
+            <p:cNvCxnSpPr/>
+            <p:nvPr/>
+          </p:nvCxnSpPr>
+          <p:spPr>
+            <a:xfrm>
+              <a:off x="304800" y="1676931"/>
+              <a:ext cx="457200" cy="1582"/>
+            </a:xfrm>
+            <a:prstGeom prst="line">
+              <a:avLst/>
+            </a:prstGeom>
+            <a:ln>
+              <a:solidFill>
                 <a:schemeClr val="tx1"/>
-              </a:fontRef>
-            </p:style>
-          </p:cxnSp>
-          <p:cxnSp>
-            <p:nvCxnSpPr>
-              <p:cNvPr id="99" name="Straight Connector 98"/>
-              <p:cNvCxnSpPr/>
-              <p:nvPr/>
-            </p:nvCxnSpPr>
-            <p:spPr>
-              <a:xfrm>
-                <a:off x="457200" y="1828806"/>
-                <a:ext cx="153988" cy="1582"/>
-              </a:xfrm>
-              <a:prstGeom prst="line">
-                <a:avLst/>
-              </a:prstGeom>
-              <a:ln>
-                <a:solidFill>
-                  <a:schemeClr val="tx1"/>
-                </a:solidFill>
-              </a:ln>
-            </p:spPr>
-            <p:style>
-              <a:lnRef idx="1">
-                <a:schemeClr val="accent1"/>
-              </a:lnRef>
-              <a:fillRef idx="0">
-                <a:schemeClr val="accent1"/>
-              </a:fillRef>
-              <a:effectRef idx="0">
-                <a:schemeClr val="accent1"/>
-              </a:effectRef>
-              <a:fontRef idx="minor">
+              </a:solidFill>
+            </a:ln>
+          </p:spPr>
+          <p:style>
+            <a:lnRef idx="1">
+              <a:schemeClr val="accent1"/>
+            </a:lnRef>
+            <a:fillRef idx="0">
+              <a:schemeClr val="accent1"/>
+            </a:fillRef>
+            <a:effectRef idx="0">
+              <a:schemeClr val="accent1"/>
+            </a:effectRef>
+            <a:fontRef idx="minor">
+              <a:schemeClr val="tx1"/>
+            </a:fontRef>
+          </p:style>
+        </p:cxnSp>
+        <p:cxnSp>
+          <p:nvCxnSpPr>
+            <p:cNvPr id="256" name="Straight Connector 255"/>
+            <p:cNvCxnSpPr/>
+            <p:nvPr/>
+          </p:nvCxnSpPr>
+          <p:spPr>
+            <a:xfrm>
+              <a:off x="457200" y="1828806"/>
+              <a:ext cx="153988" cy="1582"/>
+            </a:xfrm>
+            <a:prstGeom prst="line">
+              <a:avLst/>
+            </a:prstGeom>
+            <a:ln>
+              <a:solidFill>
                 <a:schemeClr val="tx1"/>
-              </a:fontRef>
-            </p:style>
-          </p:cxnSp>
-          <p:cxnSp>
-            <p:nvCxnSpPr>
-              <p:cNvPr id="100" name="Straight Connector 99"/>
-              <p:cNvCxnSpPr/>
-              <p:nvPr/>
-            </p:nvCxnSpPr>
-            <p:spPr>
-              <a:xfrm rot="5400000" flipH="1" flipV="1">
-                <a:off x="495432" y="1637375"/>
-                <a:ext cx="75937" cy="3175"/>
-              </a:xfrm>
-              <a:prstGeom prst="line">
-                <a:avLst/>
-              </a:prstGeom>
-              <a:ln>
-                <a:solidFill>
-                  <a:schemeClr val="tx1"/>
-                </a:solidFill>
-              </a:ln>
-            </p:spPr>
-            <p:style>
-              <a:lnRef idx="1">
-                <a:schemeClr val="accent1"/>
-              </a:lnRef>
-              <a:fillRef idx="0">
-                <a:schemeClr val="accent1"/>
-              </a:fillRef>
-              <a:effectRef idx="0">
-                <a:schemeClr val="accent1"/>
-              </a:effectRef>
-              <a:fontRef idx="minor">
+              </a:solidFill>
+            </a:ln>
+          </p:spPr>
+          <p:style>
+            <a:lnRef idx="1">
+              <a:schemeClr val="accent1"/>
+            </a:lnRef>
+            <a:fillRef idx="0">
+              <a:schemeClr val="accent1"/>
+            </a:fillRef>
+            <a:effectRef idx="0">
+              <a:schemeClr val="accent1"/>
+            </a:effectRef>
+            <a:fontRef idx="minor">
+              <a:schemeClr val="tx1"/>
+            </a:fontRef>
+          </p:style>
+        </p:cxnSp>
+        <p:cxnSp>
+          <p:nvCxnSpPr>
+            <p:cNvPr id="257" name="Straight Connector 256"/>
+            <p:cNvCxnSpPr/>
+            <p:nvPr/>
+          </p:nvCxnSpPr>
+          <p:spPr>
+            <a:xfrm rot="5400000" flipH="1" flipV="1">
+              <a:off x="495432" y="1637375"/>
+              <a:ext cx="75937" cy="3175"/>
+            </a:xfrm>
+            <a:prstGeom prst="line">
+              <a:avLst/>
+            </a:prstGeom>
+            <a:ln>
+              <a:solidFill>
                 <a:schemeClr val="tx1"/>
-              </a:fontRef>
-            </p:style>
-          </p:cxnSp>
-          <p:cxnSp>
-            <p:nvCxnSpPr>
-              <p:cNvPr id="101" name="Straight Connector 100"/>
-              <p:cNvCxnSpPr/>
-              <p:nvPr/>
-            </p:nvCxnSpPr>
-            <p:spPr>
-              <a:xfrm>
-                <a:off x="381000" y="1752869"/>
-                <a:ext cx="304800" cy="1582"/>
-              </a:xfrm>
-              <a:prstGeom prst="line">
-                <a:avLst/>
-              </a:prstGeom>
-              <a:ln>
-                <a:solidFill>
-                  <a:schemeClr val="tx1"/>
-                </a:solidFill>
-              </a:ln>
-            </p:spPr>
-            <p:style>
-              <a:lnRef idx="1">
-                <a:schemeClr val="accent1"/>
-              </a:lnRef>
-              <a:fillRef idx="0">
-                <a:schemeClr val="accent1"/>
-              </a:fillRef>
-              <a:effectRef idx="0">
-                <a:schemeClr val="accent1"/>
-              </a:effectRef>
-              <a:fontRef idx="minor">
+              </a:solidFill>
+            </a:ln>
+          </p:spPr>
+          <p:style>
+            <a:lnRef idx="1">
+              <a:schemeClr val="accent1"/>
+            </a:lnRef>
+            <a:fillRef idx="0">
+              <a:schemeClr val="accent1"/>
+            </a:fillRef>
+            <a:effectRef idx="0">
+              <a:schemeClr val="accent1"/>
+            </a:effectRef>
+            <a:fontRef idx="minor">
+              <a:schemeClr val="tx1"/>
+            </a:fontRef>
+          </p:style>
+        </p:cxnSp>
+        <p:cxnSp>
+          <p:nvCxnSpPr>
+            <p:cNvPr id="258" name="Straight Connector 257"/>
+            <p:cNvCxnSpPr/>
+            <p:nvPr/>
+          </p:nvCxnSpPr>
+          <p:spPr>
+            <a:xfrm>
+              <a:off x="381000" y="1752869"/>
+              <a:ext cx="304800" cy="1582"/>
+            </a:xfrm>
+            <a:prstGeom prst="line">
+              <a:avLst/>
+            </a:prstGeom>
+            <a:ln>
+              <a:solidFill>
                 <a:schemeClr val="tx1"/>
-              </a:fontRef>
-            </p:style>
-          </p:cxnSp>
-        </p:grpSp>
+              </a:solidFill>
+            </a:ln>
+          </p:spPr>
+          <p:style>
+            <a:lnRef idx="1">
+              <a:schemeClr val="accent1"/>
+            </a:lnRef>
+            <a:fillRef idx="0">
+              <a:schemeClr val="accent1"/>
+            </a:fillRef>
+            <a:effectRef idx="0">
+              <a:schemeClr val="accent1"/>
+            </a:effectRef>
+            <a:fontRef idx="minor">
+              <a:schemeClr val="tx1"/>
+            </a:fontRef>
+          </p:style>
+        </p:cxnSp>
       </p:grpSp>
       <p:cxnSp>
         <p:nvCxnSpPr>
-          <p:cNvPr id="104" name="Elbow Connector 103"/>
+          <p:cNvPr id="260" name="Elbow Connector 259"/>
           <p:cNvCxnSpPr/>
           <p:nvPr/>
         </p:nvCxnSpPr>
         <p:spPr>
-          <a:xfrm flipV="1">
-            <a:off x="9758148" y="58559"/>
-            <a:ext cx="955320" cy="657450"/>
+          <a:xfrm rot="16200000" flipV="1">
+            <a:off x="2962763" y="4512458"/>
+            <a:ext cx="716655" cy="205397"/>
           </a:xfrm>
           <a:prstGeom prst="bentConnector3">
-            <a:avLst/>
+            <a:avLst>
+              <a:gd name="adj1" fmla="val 93860"/>
+            </a:avLst>
           </a:prstGeom>
-          <a:ln>
+          <a:ln w="12700">
             <a:solidFill>
               <a:schemeClr val="tx1"/>
             </a:solidFill>
@@ -5574,21 +7930,19 @@
       </p:cxnSp>
       <p:cxnSp>
         <p:nvCxnSpPr>
-          <p:cNvPr id="106" name="Elbow Connector 105"/>
+          <p:cNvPr id="264" name="Straight Connector 263"/>
           <p:cNvCxnSpPr/>
           <p:nvPr/>
         </p:nvCxnSpPr>
         <p:spPr>
-          <a:xfrm flipV="1">
-            <a:off x="9758148" y="735916"/>
-            <a:ext cx="998652" cy="228144"/>
-          </a:xfrm>
-          <a:prstGeom prst="bentConnector3">
-            <a:avLst>
-              <a:gd name="adj1" fmla="val 69133"/>
-            </a:avLst>
+          <a:xfrm>
+            <a:off x="3218392" y="3954694"/>
+            <a:ext cx="167367" cy="0"/>
+          </a:xfrm>
+          <a:prstGeom prst="line">
+            <a:avLst/>
           </a:prstGeom>
-          <a:ln>
+          <a:ln w="12700">
             <a:solidFill>
               <a:schemeClr val="tx1"/>
             </a:solidFill>
@@ -5611,24 +7965,21 @@
       </p:cxnSp>
       <p:cxnSp>
         <p:nvCxnSpPr>
-          <p:cNvPr id="109" name="Elbow Connector 108"/>
-          <p:cNvCxnSpPr>
-            <a:endCxn id="11" idx="2"/>
-          </p:cNvCxnSpPr>
+          <p:cNvPr id="266" name="Elbow Connector 265"/>
+          <p:cNvCxnSpPr/>
           <p:nvPr/>
         </p:nvCxnSpPr>
         <p:spPr>
-          <a:xfrm>
-            <a:off x="9758148" y="1171234"/>
-            <a:ext cx="1674126" cy="380547"/>
-          </a:xfrm>
-          <a:prstGeom prst="bentConnector4">
+          <a:xfrm rot="5400000" flipH="1" flipV="1">
+            <a:off x="128949" y="3988960"/>
+            <a:ext cx="1853465" cy="1206567"/>
+          </a:xfrm>
+          <a:prstGeom prst="bentConnector3">
             <a:avLst>
-              <a:gd name="adj1" fmla="val 27310"/>
-              <a:gd name="adj2" fmla="val 91930"/>
+              <a:gd name="adj1" fmla="val 100362"/>
             </a:avLst>
           </a:prstGeom>
-          <a:ln>
+          <a:ln w="38100">
             <a:solidFill>
               <a:schemeClr val="tx1"/>
             </a:solidFill>
@@ -5651,21 +8002,24 @@
       </p:cxnSp>
       <p:cxnSp>
         <p:nvCxnSpPr>
-          <p:cNvPr id="112" name="Elbow Connector 111"/>
-          <p:cNvCxnSpPr/>
+          <p:cNvPr id="273" name="Elbow Connector 272"/>
+          <p:cNvCxnSpPr>
+            <a:endCxn id="87" idx="1"/>
+          </p:cNvCxnSpPr>
           <p:nvPr/>
         </p:nvCxnSpPr>
         <p:spPr>
-          <a:xfrm>
-            <a:off x="9758148" y="1389111"/>
-            <a:ext cx="2361540" cy="328812"/>
-          </a:xfrm>
-          <a:prstGeom prst="bentConnector3">
+          <a:xfrm rot="16200000" flipV="1">
+            <a:off x="1116861" y="4441124"/>
+            <a:ext cx="1564280" cy="591422"/>
+          </a:xfrm>
+          <a:prstGeom prst="bentConnector4">
             <a:avLst>
-              <a:gd name="adj1" fmla="val 10124"/>
+              <a:gd name="adj1" fmla="val 40946"/>
+              <a:gd name="adj2" fmla="val 138653"/>
             </a:avLst>
           </a:prstGeom>
-          <a:ln>
+          <a:ln w="38100">
             <a:solidFill>
               <a:schemeClr val="tx1"/>
             </a:solidFill>
@@ -5688,19 +8042,19 @@
       </p:cxnSp>
       <p:cxnSp>
         <p:nvCxnSpPr>
-          <p:cNvPr id="116" name="Straight Connector 115"/>
+          <p:cNvPr id="277" name="Straight Connector 276"/>
           <p:cNvCxnSpPr/>
           <p:nvPr/>
         </p:nvCxnSpPr>
         <p:spPr>
           <a:xfrm>
-            <a:off x="12134842" y="1485751"/>
-            <a:ext cx="0" cy="248455"/>
+            <a:off x="1491354" y="3948015"/>
+            <a:ext cx="178110" cy="0"/>
           </a:xfrm>
           <a:prstGeom prst="line">
             <a:avLst/>
           </a:prstGeom>
-          <a:ln>
+          <a:ln w="38100">
             <a:solidFill>
               <a:schemeClr val="tx1"/>
             </a:solidFill>
@@ -5723,21 +8077,21 @@
       </p:cxnSp>
       <p:cxnSp>
         <p:nvCxnSpPr>
-          <p:cNvPr id="124" name="Elbow Connector 123"/>
-          <p:cNvCxnSpPr>
-            <a:stCxn id="25" idx="0"/>
-          </p:cNvCxnSpPr>
+          <p:cNvPr id="308" name="Elbow Connector 307"/>
+          <p:cNvCxnSpPr/>
           <p:nvPr/>
         </p:nvCxnSpPr>
         <p:spPr>
-          <a:xfrm rot="16200000" flipV="1">
-            <a:off x="7384855" y="1409062"/>
-            <a:ext cx="1648700" cy="1553589"/>
+          <a:xfrm rot="10800000">
+            <a:off x="1491354" y="4291279"/>
+            <a:ext cx="1936158" cy="443721"/>
           </a:xfrm>
           <a:prstGeom prst="bentConnector3">
-            <a:avLst/>
+            <a:avLst>
+              <a:gd name="adj1" fmla="val 99589"/>
+            </a:avLst>
           </a:prstGeom>
-          <a:ln>
+          <a:ln w="12700">
             <a:solidFill>
               <a:schemeClr val="tx1"/>
             </a:solidFill>
@@ -5758,6 +8112,1362 @@
           </a:fontRef>
         </p:style>
       </p:cxnSp>
+      <p:cxnSp>
+        <p:nvCxnSpPr>
+          <p:cNvPr id="312" name="Straight Connector 311"/>
+          <p:cNvCxnSpPr/>
+          <p:nvPr/>
+        </p:nvCxnSpPr>
+        <p:spPr>
+          <a:xfrm>
+            <a:off x="1491353" y="4278451"/>
+            <a:ext cx="167612" cy="0"/>
+          </a:xfrm>
+          <a:prstGeom prst="line">
+            <a:avLst/>
+          </a:prstGeom>
+          <a:ln w="12700">
+            <a:solidFill>
+              <a:schemeClr val="tx1"/>
+            </a:solidFill>
+          </a:ln>
+        </p:spPr>
+        <p:style>
+          <a:lnRef idx="1">
+            <a:schemeClr val="accent1"/>
+          </a:lnRef>
+          <a:fillRef idx="0">
+            <a:schemeClr val="accent1"/>
+          </a:fillRef>
+          <a:effectRef idx="0">
+            <a:schemeClr val="accent1"/>
+          </a:effectRef>
+          <a:fontRef idx="minor">
+            <a:schemeClr val="tx1"/>
+          </a:fontRef>
+        </p:style>
+      </p:cxnSp>
+      <p:grpSp>
+        <p:nvGrpSpPr>
+          <p:cNvPr id="299" name="Group 298"/>
+          <p:cNvGrpSpPr/>
+          <p:nvPr/>
+        </p:nvGrpSpPr>
+        <p:grpSpPr>
+          <a:xfrm>
+            <a:off x="1586124" y="491983"/>
+            <a:ext cx="1745412" cy="1204883"/>
+            <a:chOff x="1586124" y="491983"/>
+            <a:chExt cx="1745412" cy="1204883"/>
+          </a:xfrm>
+        </p:grpSpPr>
+        <p:sp>
+          <p:nvSpPr>
+            <p:cNvPr id="315" name="Rectangle 314"/>
+            <p:cNvSpPr/>
+            <p:nvPr/>
+          </p:nvSpPr>
+          <p:spPr>
+            <a:xfrm>
+              <a:off x="1638491" y="491983"/>
+              <a:ext cx="1608536" cy="1204883"/>
+            </a:xfrm>
+            <a:prstGeom prst="rect">
+              <a:avLst/>
+            </a:prstGeom>
+            <a:solidFill>
+              <a:schemeClr val="bg1"/>
+            </a:solidFill>
+            <a:ln w="19050">
+              <a:solidFill>
+                <a:schemeClr val="tx1"/>
+              </a:solidFill>
+            </a:ln>
+          </p:spPr>
+          <p:style>
+            <a:lnRef idx="2">
+              <a:schemeClr val="accent1">
+                <a:shade val="50000"/>
+              </a:schemeClr>
+            </a:lnRef>
+            <a:fillRef idx="1">
+              <a:schemeClr val="accent1"/>
+            </a:fillRef>
+            <a:effectRef idx="0">
+              <a:schemeClr val="accent1"/>
+            </a:effectRef>
+            <a:fontRef idx="minor">
+              <a:schemeClr val="lt1"/>
+            </a:fontRef>
+          </p:style>
+          <p:txBody>
+            <a:bodyPr rtlCol="0" anchor="ctr"/>
+            <a:lstStyle/>
+            <a:p>
+              <a:pPr algn="ctr"/>
+              <a:endParaRPr lang="en-US"/>
+            </a:p>
+          </p:txBody>
+        </p:sp>
+        <p:sp>
+          <p:nvSpPr>
+            <p:cNvPr id="316" name="TextBox 315"/>
+            <p:cNvSpPr txBox="1"/>
+            <p:nvPr/>
+          </p:nvSpPr>
+          <p:spPr>
+            <a:xfrm>
+              <a:off x="2099215" y="813117"/>
+              <a:ext cx="834715" cy="523220"/>
+            </a:xfrm>
+            <a:prstGeom prst="rect">
+              <a:avLst/>
+            </a:prstGeom>
+            <a:noFill/>
+          </p:spPr>
+          <p:txBody>
+            <a:bodyPr wrap="square" rtlCol="0">
+              <a:spAutoFit/>
+            </a:bodyPr>
+            <a:lstStyle/>
+            <a:p>
+              <a:pPr algn="ctr"/>
+              <a:r>
+                <a:rPr lang="en-US" sz="1400" dirty="0" smtClean="0"/>
+                <a:t>LEVEL SHIFTER</a:t>
+              </a:r>
+              <a:endParaRPr lang="en-US" sz="1400" dirty="0"/>
+            </a:p>
+          </p:txBody>
+        </p:sp>
+        <p:sp>
+          <p:nvSpPr>
+            <p:cNvPr id="317" name="TextBox 316"/>
+            <p:cNvSpPr txBox="1"/>
+            <p:nvPr/>
+          </p:nvSpPr>
+          <p:spPr>
+            <a:xfrm>
+              <a:off x="2641561" y="534990"/>
+              <a:ext cx="689975" cy="1061829"/>
+            </a:xfrm>
+            <a:prstGeom prst="rect">
+              <a:avLst/>
+            </a:prstGeom>
+            <a:noFill/>
+          </p:spPr>
+          <p:txBody>
+            <a:bodyPr wrap="square" rtlCol="0">
+              <a:spAutoFit/>
+            </a:bodyPr>
+            <a:lstStyle/>
+            <a:p>
+              <a:pPr algn="r">
+                <a:lnSpc>
+                  <a:spcPct val="150000"/>
+                </a:lnSpc>
+              </a:pPr>
+              <a:r>
+                <a:rPr lang="en-US" sz="1400" dirty="0" smtClean="0"/>
+                <a:t>HV1</a:t>
+              </a:r>
+            </a:p>
+            <a:p>
+              <a:pPr algn="r">
+                <a:lnSpc>
+                  <a:spcPct val="150000"/>
+                </a:lnSpc>
+              </a:pPr>
+              <a:r>
+                <a:rPr lang="en-US" sz="1400" dirty="0" smtClean="0"/>
+                <a:t>+5V</a:t>
+              </a:r>
+            </a:p>
+            <a:p>
+              <a:pPr algn="r">
+                <a:lnSpc>
+                  <a:spcPct val="150000"/>
+                </a:lnSpc>
+              </a:pPr>
+              <a:r>
+                <a:rPr lang="en-US" sz="1400" dirty="0" smtClean="0"/>
+                <a:t>GND</a:t>
+              </a:r>
+            </a:p>
+          </p:txBody>
+        </p:sp>
+        <p:sp>
+          <p:nvSpPr>
+            <p:cNvPr id="318" name="TextBox 317"/>
+            <p:cNvSpPr txBox="1"/>
+            <p:nvPr/>
+          </p:nvSpPr>
+          <p:spPr>
+            <a:xfrm>
+              <a:off x="1586124" y="627841"/>
+              <a:ext cx="689975" cy="893771"/>
+            </a:xfrm>
+            <a:prstGeom prst="rect">
+              <a:avLst/>
+            </a:prstGeom>
+            <a:noFill/>
+          </p:spPr>
+          <p:txBody>
+            <a:bodyPr wrap="square" rtlCol="0">
+              <a:spAutoFit/>
+            </a:bodyPr>
+            <a:lstStyle/>
+            <a:p>
+              <a:pPr>
+                <a:lnSpc>
+                  <a:spcPct val="200000"/>
+                </a:lnSpc>
+              </a:pPr>
+              <a:r>
+                <a:rPr lang="en-US" sz="1400" dirty="0" smtClean="0"/>
+                <a:t>LV1</a:t>
+              </a:r>
+            </a:p>
+            <a:p>
+              <a:pPr>
+                <a:lnSpc>
+                  <a:spcPct val="200000"/>
+                </a:lnSpc>
+              </a:pPr>
+              <a:r>
+                <a:rPr lang="en-US" sz="1400" dirty="0" smtClean="0"/>
+                <a:t>+3.3V</a:t>
+              </a:r>
+            </a:p>
+          </p:txBody>
+        </p:sp>
+      </p:grpSp>
+      <p:grpSp>
+        <p:nvGrpSpPr>
+          <p:cNvPr id="321" name="Group 208"/>
+          <p:cNvGrpSpPr>
+            <a:grpSpLocks/>
+          </p:cNvGrpSpPr>
+          <p:nvPr/>
+        </p:nvGrpSpPr>
+        <p:grpSpPr bwMode="auto">
+          <a:xfrm>
+            <a:off x="3250920" y="1414573"/>
+            <a:ext cx="251754" cy="187932"/>
+            <a:chOff x="304800" y="1600994"/>
+            <a:chExt cx="457200" cy="229394"/>
+          </a:xfrm>
+        </p:grpSpPr>
+        <p:cxnSp>
+          <p:nvCxnSpPr>
+            <p:cNvPr id="322" name="Straight Connector 321"/>
+            <p:cNvCxnSpPr/>
+            <p:nvPr/>
+          </p:nvCxnSpPr>
+          <p:spPr>
+            <a:xfrm>
+              <a:off x="304800" y="1676931"/>
+              <a:ext cx="457200" cy="1582"/>
+            </a:xfrm>
+            <a:prstGeom prst="line">
+              <a:avLst/>
+            </a:prstGeom>
+            <a:ln>
+              <a:solidFill>
+                <a:schemeClr val="tx1"/>
+              </a:solidFill>
+            </a:ln>
+          </p:spPr>
+          <p:style>
+            <a:lnRef idx="1">
+              <a:schemeClr val="accent1"/>
+            </a:lnRef>
+            <a:fillRef idx="0">
+              <a:schemeClr val="accent1"/>
+            </a:fillRef>
+            <a:effectRef idx="0">
+              <a:schemeClr val="accent1"/>
+            </a:effectRef>
+            <a:fontRef idx="minor">
+              <a:schemeClr val="tx1"/>
+            </a:fontRef>
+          </p:style>
+        </p:cxnSp>
+        <p:cxnSp>
+          <p:nvCxnSpPr>
+            <p:cNvPr id="323" name="Straight Connector 322"/>
+            <p:cNvCxnSpPr/>
+            <p:nvPr/>
+          </p:nvCxnSpPr>
+          <p:spPr>
+            <a:xfrm>
+              <a:off x="457200" y="1828806"/>
+              <a:ext cx="153988" cy="1582"/>
+            </a:xfrm>
+            <a:prstGeom prst="line">
+              <a:avLst/>
+            </a:prstGeom>
+            <a:ln>
+              <a:solidFill>
+                <a:schemeClr val="tx1"/>
+              </a:solidFill>
+            </a:ln>
+          </p:spPr>
+          <p:style>
+            <a:lnRef idx="1">
+              <a:schemeClr val="accent1"/>
+            </a:lnRef>
+            <a:fillRef idx="0">
+              <a:schemeClr val="accent1"/>
+            </a:fillRef>
+            <a:effectRef idx="0">
+              <a:schemeClr val="accent1"/>
+            </a:effectRef>
+            <a:fontRef idx="minor">
+              <a:schemeClr val="tx1"/>
+            </a:fontRef>
+          </p:style>
+        </p:cxnSp>
+        <p:cxnSp>
+          <p:nvCxnSpPr>
+            <p:cNvPr id="324" name="Straight Connector 323"/>
+            <p:cNvCxnSpPr/>
+            <p:nvPr/>
+          </p:nvCxnSpPr>
+          <p:spPr>
+            <a:xfrm rot="5400000" flipH="1" flipV="1">
+              <a:off x="481784" y="1637375"/>
+              <a:ext cx="75937" cy="3175"/>
+            </a:xfrm>
+            <a:prstGeom prst="line">
+              <a:avLst/>
+            </a:prstGeom>
+            <a:ln>
+              <a:solidFill>
+                <a:schemeClr val="tx1"/>
+              </a:solidFill>
+            </a:ln>
+          </p:spPr>
+          <p:style>
+            <a:lnRef idx="1">
+              <a:schemeClr val="accent1"/>
+            </a:lnRef>
+            <a:fillRef idx="0">
+              <a:schemeClr val="accent1"/>
+            </a:fillRef>
+            <a:effectRef idx="0">
+              <a:schemeClr val="accent1"/>
+            </a:effectRef>
+            <a:fontRef idx="minor">
+              <a:schemeClr val="tx1"/>
+            </a:fontRef>
+          </p:style>
+        </p:cxnSp>
+        <p:cxnSp>
+          <p:nvCxnSpPr>
+            <p:cNvPr id="325" name="Straight Connector 324"/>
+            <p:cNvCxnSpPr/>
+            <p:nvPr/>
+          </p:nvCxnSpPr>
+          <p:spPr>
+            <a:xfrm>
+              <a:off x="381000" y="1752869"/>
+              <a:ext cx="304800" cy="1582"/>
+            </a:xfrm>
+            <a:prstGeom prst="line">
+              <a:avLst/>
+            </a:prstGeom>
+            <a:ln>
+              <a:solidFill>
+                <a:schemeClr val="tx1"/>
+              </a:solidFill>
+            </a:ln>
+          </p:spPr>
+          <p:style>
+            <a:lnRef idx="1">
+              <a:schemeClr val="accent1"/>
+            </a:lnRef>
+            <a:fillRef idx="0">
+              <a:schemeClr val="accent1"/>
+            </a:fillRef>
+            <a:effectRef idx="0">
+              <a:schemeClr val="accent1"/>
+            </a:effectRef>
+            <a:fontRef idx="minor">
+              <a:schemeClr val="tx1"/>
+            </a:fontRef>
+          </p:style>
+        </p:cxnSp>
+      </p:grpSp>
+      <p:cxnSp>
+        <p:nvCxnSpPr>
+          <p:cNvPr id="326" name="Elbow Connector 325"/>
+          <p:cNvCxnSpPr/>
+          <p:nvPr/>
+        </p:nvCxnSpPr>
+        <p:spPr>
+          <a:xfrm rot="16200000" flipV="1">
+            <a:off x="1228358" y="3384512"/>
+            <a:ext cx="5291705" cy="672134"/>
+          </a:xfrm>
+          <a:prstGeom prst="bentConnector3">
+            <a:avLst>
+              <a:gd name="adj1" fmla="val 67554"/>
+            </a:avLst>
+          </a:prstGeom>
+          <a:ln w="12700">
+            <a:solidFill>
+              <a:schemeClr val="tx1"/>
+            </a:solidFill>
+          </a:ln>
+        </p:spPr>
+        <p:style>
+          <a:lnRef idx="1">
+            <a:schemeClr val="accent1"/>
+          </a:lnRef>
+          <a:fillRef idx="0">
+            <a:schemeClr val="accent1"/>
+          </a:fillRef>
+          <a:effectRef idx="0">
+            <a:schemeClr val="accent1"/>
+          </a:effectRef>
+          <a:fontRef idx="minor">
+            <a:schemeClr val="tx1"/>
+          </a:fontRef>
+        </p:style>
+      </p:cxnSp>
+      <p:cxnSp>
+        <p:nvCxnSpPr>
+          <p:cNvPr id="330" name="Elbow Connector 329"/>
+          <p:cNvCxnSpPr/>
+          <p:nvPr/>
+        </p:nvCxnSpPr>
+        <p:spPr>
+          <a:xfrm rot="10800000" flipV="1">
+            <a:off x="4205272" y="4222467"/>
+            <a:ext cx="3720977" cy="2110674"/>
+          </a:xfrm>
+          <a:prstGeom prst="bentConnector3">
+            <a:avLst>
+              <a:gd name="adj1" fmla="val 72"/>
+            </a:avLst>
+          </a:prstGeom>
+          <a:ln w="12700">
+            <a:solidFill>
+              <a:schemeClr val="tx1"/>
+            </a:solidFill>
+          </a:ln>
+        </p:spPr>
+        <p:style>
+          <a:lnRef idx="1">
+            <a:schemeClr val="accent1"/>
+          </a:lnRef>
+          <a:fillRef idx="0">
+            <a:schemeClr val="accent1"/>
+          </a:fillRef>
+          <a:effectRef idx="0">
+            <a:schemeClr val="accent1"/>
+          </a:effectRef>
+          <a:fontRef idx="minor">
+            <a:schemeClr val="tx1"/>
+          </a:fontRef>
+        </p:style>
+      </p:cxnSp>
+      <p:cxnSp>
+        <p:nvCxnSpPr>
+          <p:cNvPr id="333" name="Elbow Connector 332"/>
+          <p:cNvCxnSpPr/>
+          <p:nvPr/>
+        </p:nvCxnSpPr>
+        <p:spPr>
+          <a:xfrm rot="10800000">
+            <a:off x="106980" y="1336337"/>
+            <a:ext cx="7525873" cy="4890118"/>
+          </a:xfrm>
+          <a:prstGeom prst="bentConnector3">
+            <a:avLst>
+              <a:gd name="adj1" fmla="val 99950"/>
+            </a:avLst>
+          </a:prstGeom>
+          <a:ln w="12700">
+            <a:solidFill>
+              <a:schemeClr val="tx1"/>
+            </a:solidFill>
+          </a:ln>
+        </p:spPr>
+        <p:style>
+          <a:lnRef idx="1">
+            <a:schemeClr val="accent1"/>
+          </a:lnRef>
+          <a:fillRef idx="0">
+            <a:schemeClr val="accent1"/>
+          </a:fillRef>
+          <a:effectRef idx="0">
+            <a:schemeClr val="accent1"/>
+          </a:effectRef>
+          <a:fontRef idx="minor">
+            <a:schemeClr val="tx1"/>
+          </a:fontRef>
+        </p:style>
+      </p:cxnSp>
+      <p:cxnSp>
+        <p:nvCxnSpPr>
+          <p:cNvPr id="338" name="Elbow Connector 337"/>
+          <p:cNvCxnSpPr/>
+          <p:nvPr/>
+        </p:nvCxnSpPr>
+        <p:spPr>
+          <a:xfrm rot="16200000" flipV="1">
+            <a:off x="6609861" y="5225597"/>
+            <a:ext cx="1644159" cy="360021"/>
+          </a:xfrm>
+          <a:prstGeom prst="bentConnector3">
+            <a:avLst>
+              <a:gd name="adj1" fmla="val 100318"/>
+            </a:avLst>
+          </a:prstGeom>
+          <a:ln w="12700">
+            <a:solidFill>
+              <a:schemeClr val="tx1"/>
+            </a:solidFill>
+          </a:ln>
+        </p:spPr>
+        <p:style>
+          <a:lnRef idx="1">
+            <a:schemeClr val="accent1"/>
+          </a:lnRef>
+          <a:fillRef idx="0">
+            <a:schemeClr val="accent1"/>
+          </a:fillRef>
+          <a:effectRef idx="0">
+            <a:schemeClr val="accent1"/>
+          </a:effectRef>
+          <a:fontRef idx="minor">
+            <a:schemeClr val="tx1"/>
+          </a:fontRef>
+        </p:style>
+      </p:cxnSp>
+      <p:cxnSp>
+        <p:nvCxnSpPr>
+          <p:cNvPr id="341" name="Elbow Connector 340"/>
+          <p:cNvCxnSpPr/>
+          <p:nvPr/>
+        </p:nvCxnSpPr>
+        <p:spPr>
+          <a:xfrm rot="10800000">
+            <a:off x="3889296" y="926540"/>
+            <a:ext cx="3462336" cy="1501142"/>
+          </a:xfrm>
+          <a:prstGeom prst="bentConnector3">
+            <a:avLst>
+              <a:gd name="adj1" fmla="val 115"/>
+            </a:avLst>
+          </a:prstGeom>
+          <a:ln w="12700">
+            <a:solidFill>
+              <a:schemeClr val="tx1"/>
+            </a:solidFill>
+          </a:ln>
+        </p:spPr>
+        <p:style>
+          <a:lnRef idx="1">
+            <a:schemeClr val="accent1"/>
+          </a:lnRef>
+          <a:fillRef idx="0">
+            <a:schemeClr val="accent1"/>
+          </a:fillRef>
+          <a:effectRef idx="0">
+            <a:schemeClr val="accent1"/>
+          </a:effectRef>
+          <a:fontRef idx="minor">
+            <a:schemeClr val="tx1"/>
+          </a:fontRef>
+        </p:style>
+      </p:cxnSp>
+      <p:cxnSp>
+        <p:nvCxnSpPr>
+          <p:cNvPr id="345" name="Elbow Connector 344"/>
+          <p:cNvCxnSpPr/>
+          <p:nvPr/>
+        </p:nvCxnSpPr>
+        <p:spPr>
+          <a:xfrm rot="10800000">
+            <a:off x="1498313" y="305396"/>
+            <a:ext cx="2411842" cy="625391"/>
+          </a:xfrm>
+          <a:prstGeom prst="bentConnector3">
+            <a:avLst>
+              <a:gd name="adj1" fmla="val 653"/>
+            </a:avLst>
+          </a:prstGeom>
+          <a:ln w="12700">
+            <a:solidFill>
+              <a:schemeClr val="tx1"/>
+            </a:solidFill>
+          </a:ln>
+        </p:spPr>
+        <p:style>
+          <a:lnRef idx="1">
+            <a:schemeClr val="accent1"/>
+          </a:lnRef>
+          <a:fillRef idx="0">
+            <a:schemeClr val="accent1"/>
+          </a:fillRef>
+          <a:effectRef idx="0">
+            <a:schemeClr val="accent1"/>
+          </a:effectRef>
+          <a:fontRef idx="minor">
+            <a:schemeClr val="tx1"/>
+          </a:fontRef>
+        </p:style>
+      </p:cxnSp>
+      <p:cxnSp>
+        <p:nvCxnSpPr>
+          <p:cNvPr id="348" name="Elbow Connector 347"/>
+          <p:cNvCxnSpPr/>
+          <p:nvPr/>
+        </p:nvCxnSpPr>
+        <p:spPr>
+          <a:xfrm rot="16200000" flipV="1">
+            <a:off x="1268616" y="528133"/>
+            <a:ext cx="621144" cy="175668"/>
+          </a:xfrm>
+          <a:prstGeom prst="bentConnector3">
+            <a:avLst>
+              <a:gd name="adj1" fmla="val 929"/>
+            </a:avLst>
+          </a:prstGeom>
+          <a:ln w="12700">
+            <a:solidFill>
+              <a:schemeClr val="tx1"/>
+            </a:solidFill>
+          </a:ln>
+        </p:spPr>
+        <p:style>
+          <a:lnRef idx="1">
+            <a:schemeClr val="accent1"/>
+          </a:lnRef>
+          <a:fillRef idx="0">
+            <a:schemeClr val="accent1"/>
+          </a:fillRef>
+          <a:effectRef idx="0">
+            <a:schemeClr val="accent1"/>
+          </a:effectRef>
+          <a:fontRef idx="minor">
+            <a:schemeClr val="tx1"/>
+          </a:fontRef>
+        </p:style>
+      </p:cxnSp>
+      <p:cxnSp>
+        <p:nvCxnSpPr>
+          <p:cNvPr id="351" name="Straight Connector 350"/>
+          <p:cNvCxnSpPr/>
+          <p:nvPr/>
+        </p:nvCxnSpPr>
+        <p:spPr>
+          <a:xfrm flipV="1">
+            <a:off x="3247630" y="1072005"/>
+            <a:ext cx="310991" cy="2721"/>
+          </a:xfrm>
+          <a:prstGeom prst="line">
+            <a:avLst/>
+          </a:prstGeom>
+          <a:ln w="12700">
+            <a:solidFill>
+              <a:schemeClr val="tx1"/>
+            </a:solidFill>
+          </a:ln>
+        </p:spPr>
+        <p:style>
+          <a:lnRef idx="1">
+            <a:schemeClr val="accent1"/>
+          </a:lnRef>
+          <a:fillRef idx="0">
+            <a:schemeClr val="accent1"/>
+          </a:fillRef>
+          <a:effectRef idx="0">
+            <a:schemeClr val="accent1"/>
+          </a:effectRef>
+          <a:fontRef idx="minor">
+            <a:schemeClr val="tx1"/>
+          </a:fontRef>
+        </p:style>
+      </p:cxnSp>
+      <p:cxnSp>
+        <p:nvCxnSpPr>
+          <p:cNvPr id="354" name="Straight Connector 353"/>
+          <p:cNvCxnSpPr/>
+          <p:nvPr/>
+        </p:nvCxnSpPr>
+        <p:spPr>
+          <a:xfrm>
+            <a:off x="3260574" y="1389111"/>
+            <a:ext cx="125185" cy="0"/>
+          </a:xfrm>
+          <a:prstGeom prst="line">
+            <a:avLst/>
+          </a:prstGeom>
+          <a:ln w="12700">
+            <a:solidFill>
+              <a:schemeClr val="tx1"/>
+            </a:solidFill>
+          </a:ln>
+        </p:spPr>
+        <p:style>
+          <a:lnRef idx="1">
+            <a:schemeClr val="accent1"/>
+          </a:lnRef>
+          <a:fillRef idx="0">
+            <a:schemeClr val="accent1"/>
+          </a:fillRef>
+          <a:effectRef idx="0">
+            <a:schemeClr val="accent1"/>
+          </a:effectRef>
+          <a:fontRef idx="minor">
+            <a:schemeClr val="tx1"/>
+          </a:fontRef>
+        </p:style>
+      </p:cxnSp>
+      <p:cxnSp>
+        <p:nvCxnSpPr>
+          <p:cNvPr id="356" name="Straight Connector 355"/>
+          <p:cNvCxnSpPr/>
+          <p:nvPr/>
+        </p:nvCxnSpPr>
+        <p:spPr>
+          <a:xfrm>
+            <a:off x="106979" y="1336337"/>
+            <a:ext cx="1551986" cy="0"/>
+          </a:xfrm>
+          <a:prstGeom prst="line">
+            <a:avLst/>
+          </a:prstGeom>
+          <a:ln w="12700">
+            <a:solidFill>
+              <a:schemeClr val="tx1"/>
+            </a:solidFill>
+          </a:ln>
+        </p:spPr>
+        <p:style>
+          <a:lnRef idx="1">
+            <a:schemeClr val="accent1"/>
+          </a:lnRef>
+          <a:fillRef idx="0">
+            <a:schemeClr val="accent1"/>
+          </a:fillRef>
+          <a:effectRef idx="0">
+            <a:schemeClr val="accent1"/>
+          </a:effectRef>
+          <a:fontRef idx="minor">
+            <a:schemeClr val="tx1"/>
+          </a:fontRef>
+        </p:style>
+      </p:cxnSp>
+      <p:cxnSp>
+        <p:nvCxnSpPr>
+          <p:cNvPr id="358" name="Elbow Connector 357"/>
+          <p:cNvCxnSpPr/>
+          <p:nvPr/>
+        </p:nvCxnSpPr>
+        <p:spPr>
+          <a:xfrm rot="16200000" flipV="1">
+            <a:off x="2030003" y="1974882"/>
+            <a:ext cx="2930056" cy="492871"/>
+          </a:xfrm>
+          <a:prstGeom prst="bentConnector3">
+            <a:avLst>
+              <a:gd name="adj1" fmla="val 100031"/>
+            </a:avLst>
+          </a:prstGeom>
+          <a:ln w="12700">
+            <a:solidFill>
+              <a:schemeClr val="tx1"/>
+            </a:solidFill>
+          </a:ln>
+        </p:spPr>
+        <p:style>
+          <a:lnRef idx="1">
+            <a:schemeClr val="accent1"/>
+          </a:lnRef>
+          <a:fillRef idx="0">
+            <a:schemeClr val="accent1"/>
+          </a:fillRef>
+          <a:effectRef idx="0">
+            <a:schemeClr val="accent1"/>
+          </a:effectRef>
+          <a:fontRef idx="minor">
+            <a:schemeClr val="tx1"/>
+          </a:fontRef>
+        </p:style>
+      </p:cxnSp>
+      <p:cxnSp>
+        <p:nvCxnSpPr>
+          <p:cNvPr id="361" name="Straight Connector 360"/>
+          <p:cNvCxnSpPr/>
+          <p:nvPr/>
+        </p:nvCxnSpPr>
+        <p:spPr>
+          <a:xfrm flipV="1">
+            <a:off x="3240259" y="3661056"/>
+            <a:ext cx="516670" cy="2722"/>
+          </a:xfrm>
+          <a:prstGeom prst="line">
+            <a:avLst/>
+          </a:prstGeom>
+          <a:ln w="12700">
+            <a:solidFill>
+              <a:schemeClr val="tx1"/>
+            </a:solidFill>
+          </a:ln>
+        </p:spPr>
+        <p:style>
+          <a:lnRef idx="1">
+            <a:schemeClr val="accent1"/>
+          </a:lnRef>
+          <a:fillRef idx="0">
+            <a:schemeClr val="accent1"/>
+          </a:fillRef>
+          <a:effectRef idx="0">
+            <a:schemeClr val="accent1"/>
+          </a:effectRef>
+          <a:fontRef idx="minor">
+            <a:schemeClr val="tx1"/>
+          </a:fontRef>
+        </p:style>
+      </p:cxnSp>
+      <p:pic>
+        <p:nvPicPr>
+          <p:cNvPr id="347" name="Picture 6" descr="http://i.stack.imgur.com/MNpc5.png"/>
+          <p:cNvPicPr>
+            <a:picLocks noChangeAspect="1" noChangeArrowheads="1"/>
+          </p:cNvPicPr>
+          <p:nvPr/>
+        </p:nvPicPr>
+        <p:blipFill>
+          <a:blip r:embed="rId5" cstate="print">
+            <a:extLst>
+              <a:ext uri="{28A0092B-C50C-407E-A947-70E740481C1C}">
+                <a14:useLocalDpi xmlns:a14="http://schemas.microsoft.com/office/drawing/2010/main" val="0"/>
+              </a:ext>
+            </a:extLst>
+          </a:blip>
+          <a:srcRect/>
+          <a:stretch>
+            <a:fillRect/>
+          </a:stretch>
+        </p:blipFill>
+        <p:spPr bwMode="auto">
+          <a:xfrm>
+            <a:off x="444241" y="1927161"/>
+            <a:ext cx="1155841" cy="1155841"/>
+          </a:xfrm>
+          <a:prstGeom prst="rect">
+            <a:avLst/>
+          </a:prstGeom>
+          <a:noFill/>
+          <a:extLst>
+            <a:ext uri="{909E8E84-426E-40DD-AFC4-6F175D3DCCD1}">
+              <a14:hiddenFill xmlns:a14="http://schemas.microsoft.com/office/drawing/2010/main">
+                <a:solidFill>
+                  <a:srgbClr val="FFFFFF"/>
+                </a:solidFill>
+              </a14:hiddenFill>
+            </a:ext>
+          </a:extLst>
+        </p:spPr>
+      </p:pic>
+      <p:sp>
+        <p:nvSpPr>
+          <p:cNvPr id="364" name="TextBox 363"/>
+          <p:cNvSpPr txBox="1"/>
+          <p:nvPr/>
+        </p:nvSpPr>
+        <p:spPr>
+          <a:xfrm>
+            <a:off x="1316750" y="1941872"/>
+            <a:ext cx="689975" cy="954107"/>
+          </a:xfrm>
+          <a:prstGeom prst="rect">
+            <a:avLst/>
+          </a:prstGeom>
+          <a:noFill/>
+        </p:spPr>
+        <p:txBody>
+          <a:bodyPr wrap="square" rtlCol="0">
+            <a:spAutoFit/>
+          </a:bodyPr>
+          <a:lstStyle/>
+          <a:p>
+            <a:pPr>
+              <a:lnSpc>
+                <a:spcPct val="200000"/>
+              </a:lnSpc>
+            </a:pPr>
+            <a:r>
+              <a:rPr lang="en-US" sz="1400" dirty="0" smtClean="0"/>
+              <a:t>+12V</a:t>
+            </a:r>
+          </a:p>
+          <a:p>
+            <a:pPr>
+              <a:lnSpc>
+                <a:spcPct val="200000"/>
+              </a:lnSpc>
+            </a:pPr>
+            <a:r>
+              <a:rPr lang="en-US" sz="1400" dirty="0" smtClean="0"/>
+              <a:t>GND</a:t>
+            </a:r>
+          </a:p>
+        </p:txBody>
+      </p:sp>
+      <p:cxnSp>
+        <p:nvCxnSpPr>
+          <p:cNvPr id="365" name="Straight Connector 364"/>
+          <p:cNvCxnSpPr/>
+          <p:nvPr/>
+        </p:nvCxnSpPr>
+        <p:spPr>
+          <a:xfrm>
+            <a:off x="7241578" y="2394613"/>
+            <a:ext cx="105850" cy="0"/>
+          </a:xfrm>
+          <a:prstGeom prst="line">
+            <a:avLst/>
+          </a:prstGeom>
+          <a:ln w="12700">
+            <a:solidFill>
+              <a:schemeClr val="tx1"/>
+            </a:solidFill>
+          </a:ln>
+        </p:spPr>
+        <p:style>
+          <a:lnRef idx="1">
+            <a:schemeClr val="accent1"/>
+          </a:lnRef>
+          <a:fillRef idx="0">
+            <a:schemeClr val="accent1"/>
+          </a:fillRef>
+          <a:effectRef idx="0">
+            <a:schemeClr val="accent1"/>
+          </a:effectRef>
+          <a:fontRef idx="minor">
+            <a:schemeClr val="tx1"/>
+          </a:fontRef>
+        </p:style>
+      </p:cxnSp>
+      <p:pic>
+        <p:nvPicPr>
+          <p:cNvPr id="350" name="Picture 8" descr="http://www.hobbyprojects.com/electronics_component_symbols/images/fuse-symbol.gif"/>
+          <p:cNvPicPr>
+            <a:picLocks noChangeAspect="1" noChangeArrowheads="1"/>
+          </p:cNvPicPr>
+          <p:nvPr/>
+        </p:nvPicPr>
+        <p:blipFill>
+          <a:blip r:embed="rId6">
+            <a:extLst>
+              <a:ext uri="{28A0092B-C50C-407E-A947-70E740481C1C}">
+                <a14:useLocalDpi xmlns:a14="http://schemas.microsoft.com/office/drawing/2010/main" val="0"/>
+              </a:ext>
+            </a:extLst>
+          </a:blip>
+          <a:srcRect/>
+          <a:stretch>
+            <a:fillRect/>
+          </a:stretch>
+        </p:blipFill>
+        <p:spPr bwMode="auto">
+          <a:xfrm rot="5400000">
+            <a:off x="3180481" y="4934753"/>
+            <a:ext cx="480016" cy="222617"/>
+          </a:xfrm>
+          <a:prstGeom prst="rect">
+            <a:avLst/>
+          </a:prstGeom>
+          <a:noFill/>
+          <a:extLst>
+            <a:ext uri="{909E8E84-426E-40DD-AFC4-6F175D3DCCD1}">
+              <a14:hiddenFill xmlns:a14="http://schemas.microsoft.com/office/drawing/2010/main">
+                <a:solidFill>
+                  <a:srgbClr val="FFFFFF"/>
+                </a:solidFill>
+              </a14:hiddenFill>
+            </a:ext>
+          </a:extLst>
+        </p:spPr>
+      </p:pic>
+      <p:cxnSp>
+        <p:nvCxnSpPr>
+          <p:cNvPr id="368" name="Straight Connector 367"/>
+          <p:cNvCxnSpPr/>
+          <p:nvPr/>
+        </p:nvCxnSpPr>
+        <p:spPr>
+          <a:xfrm flipH="1" flipV="1">
+            <a:off x="3428551" y="5169374"/>
+            <a:ext cx="2279" cy="164231"/>
+          </a:xfrm>
+          <a:prstGeom prst="line">
+            <a:avLst/>
+          </a:prstGeom>
+          <a:ln w="12700">
+            <a:solidFill>
+              <a:schemeClr val="tx1"/>
+            </a:solidFill>
+          </a:ln>
+        </p:spPr>
+        <p:style>
+          <a:lnRef idx="1">
+            <a:schemeClr val="accent1"/>
+          </a:lnRef>
+          <a:fillRef idx="0">
+            <a:schemeClr val="accent1"/>
+          </a:fillRef>
+          <a:effectRef idx="0">
+            <a:schemeClr val="accent1"/>
+          </a:effectRef>
+          <a:fontRef idx="minor">
+            <a:schemeClr val="tx1"/>
+          </a:fontRef>
+        </p:style>
+      </p:cxnSp>
+      <p:cxnSp>
+        <p:nvCxnSpPr>
+          <p:cNvPr id="372" name="Elbow Connector 371"/>
+          <p:cNvCxnSpPr>
+            <a:stCxn id="350" idx="3"/>
+          </p:cNvCxnSpPr>
+          <p:nvPr/>
+        </p:nvCxnSpPr>
+        <p:spPr>
+          <a:xfrm rot="5400000" flipH="1" flipV="1">
+            <a:off x="2188752" y="3493558"/>
+            <a:ext cx="3024248" cy="560775"/>
+          </a:xfrm>
+          <a:prstGeom prst="bentConnector3">
+            <a:avLst>
+              <a:gd name="adj1" fmla="val 1264"/>
+            </a:avLst>
+          </a:prstGeom>
+          <a:ln w="12700">
+            <a:solidFill>
+              <a:schemeClr val="tx1"/>
+            </a:solidFill>
+          </a:ln>
+        </p:spPr>
+        <p:style>
+          <a:lnRef idx="1">
+            <a:schemeClr val="accent1"/>
+          </a:lnRef>
+          <a:fillRef idx="0">
+            <a:schemeClr val="accent1"/>
+          </a:fillRef>
+          <a:effectRef idx="0">
+            <a:schemeClr val="accent1"/>
+          </a:effectRef>
+          <a:fontRef idx="minor">
+            <a:schemeClr val="tx1"/>
+          </a:fontRef>
+        </p:style>
+      </p:cxnSp>
+      <p:cxnSp>
+        <p:nvCxnSpPr>
+          <p:cNvPr id="380" name="Straight Connector 379"/>
+          <p:cNvCxnSpPr/>
+          <p:nvPr/>
+        </p:nvCxnSpPr>
+        <p:spPr>
+          <a:xfrm flipV="1">
+            <a:off x="1813989" y="2261822"/>
+            <a:ext cx="2168303" cy="2833"/>
+          </a:xfrm>
+          <a:prstGeom prst="line">
+            <a:avLst/>
+          </a:prstGeom>
+          <a:ln w="12700">
+            <a:solidFill>
+              <a:schemeClr val="tx1"/>
+            </a:solidFill>
+          </a:ln>
+        </p:spPr>
+        <p:style>
+          <a:lnRef idx="1">
+            <a:schemeClr val="accent1"/>
+          </a:lnRef>
+          <a:fillRef idx="0">
+            <a:schemeClr val="accent1"/>
+          </a:fillRef>
+          <a:effectRef idx="0">
+            <a:schemeClr val="accent1"/>
+          </a:effectRef>
+          <a:fontRef idx="minor">
+            <a:schemeClr val="tx1"/>
+          </a:fontRef>
+        </p:style>
+      </p:cxnSp>
+      <p:grpSp>
+        <p:nvGrpSpPr>
+          <p:cNvPr id="385" name="Group 208"/>
+          <p:cNvGrpSpPr>
+            <a:grpSpLocks/>
+          </p:cNvGrpSpPr>
+          <p:nvPr/>
+        </p:nvGrpSpPr>
+        <p:grpSpPr bwMode="auto">
+          <a:xfrm>
+            <a:off x="1843062" y="2799823"/>
+            <a:ext cx="204423" cy="146040"/>
+            <a:chOff x="304800" y="1600994"/>
+            <a:chExt cx="457200" cy="229394"/>
+          </a:xfrm>
+        </p:grpSpPr>
+        <p:cxnSp>
+          <p:nvCxnSpPr>
+            <p:cNvPr id="386" name="Straight Connector 385"/>
+            <p:cNvCxnSpPr/>
+            <p:nvPr/>
+          </p:nvCxnSpPr>
+          <p:spPr>
+            <a:xfrm>
+              <a:off x="304800" y="1676931"/>
+              <a:ext cx="457200" cy="1582"/>
+            </a:xfrm>
+            <a:prstGeom prst="line">
+              <a:avLst/>
+            </a:prstGeom>
+            <a:ln>
+              <a:solidFill>
+                <a:schemeClr val="tx1"/>
+              </a:solidFill>
+            </a:ln>
+          </p:spPr>
+          <p:style>
+            <a:lnRef idx="1">
+              <a:schemeClr val="accent1"/>
+            </a:lnRef>
+            <a:fillRef idx="0">
+              <a:schemeClr val="accent1"/>
+            </a:fillRef>
+            <a:effectRef idx="0">
+              <a:schemeClr val="accent1"/>
+            </a:effectRef>
+            <a:fontRef idx="minor">
+              <a:schemeClr val="tx1"/>
+            </a:fontRef>
+          </p:style>
+        </p:cxnSp>
+        <p:cxnSp>
+          <p:nvCxnSpPr>
+            <p:cNvPr id="387" name="Straight Connector 386"/>
+            <p:cNvCxnSpPr/>
+            <p:nvPr/>
+          </p:nvCxnSpPr>
+          <p:spPr>
+            <a:xfrm>
+              <a:off x="457200" y="1828806"/>
+              <a:ext cx="153988" cy="1582"/>
+            </a:xfrm>
+            <a:prstGeom prst="line">
+              <a:avLst/>
+            </a:prstGeom>
+            <a:ln>
+              <a:solidFill>
+                <a:schemeClr val="tx1"/>
+              </a:solidFill>
+            </a:ln>
+          </p:spPr>
+          <p:style>
+            <a:lnRef idx="1">
+              <a:schemeClr val="accent1"/>
+            </a:lnRef>
+            <a:fillRef idx="0">
+              <a:schemeClr val="accent1"/>
+            </a:fillRef>
+            <a:effectRef idx="0">
+              <a:schemeClr val="accent1"/>
+            </a:effectRef>
+            <a:fontRef idx="minor">
+              <a:schemeClr val="tx1"/>
+            </a:fontRef>
+          </p:style>
+        </p:cxnSp>
+        <p:cxnSp>
+          <p:nvCxnSpPr>
+            <p:cNvPr id="388" name="Straight Connector 387"/>
+            <p:cNvCxnSpPr/>
+            <p:nvPr/>
+          </p:nvCxnSpPr>
+          <p:spPr>
+            <a:xfrm rot="5400000" flipH="1" flipV="1">
+              <a:off x="495432" y="1637375"/>
+              <a:ext cx="75937" cy="3175"/>
+            </a:xfrm>
+            <a:prstGeom prst="line">
+              <a:avLst/>
+            </a:prstGeom>
+            <a:ln>
+              <a:solidFill>
+                <a:schemeClr val="tx1"/>
+              </a:solidFill>
+            </a:ln>
+          </p:spPr>
+          <p:style>
+            <a:lnRef idx="1">
+              <a:schemeClr val="accent1"/>
+            </a:lnRef>
+            <a:fillRef idx="0">
+              <a:schemeClr val="accent1"/>
+            </a:fillRef>
+            <a:effectRef idx="0">
+              <a:schemeClr val="accent1"/>
+            </a:effectRef>
+            <a:fontRef idx="minor">
+              <a:schemeClr val="tx1"/>
+            </a:fontRef>
+          </p:style>
+        </p:cxnSp>
+        <p:cxnSp>
+          <p:nvCxnSpPr>
+            <p:cNvPr id="389" name="Straight Connector 388"/>
+            <p:cNvCxnSpPr/>
+            <p:nvPr/>
+          </p:nvCxnSpPr>
+          <p:spPr>
+            <a:xfrm>
+              <a:off x="381000" y="1752869"/>
+              <a:ext cx="304800" cy="1582"/>
+            </a:xfrm>
+            <a:prstGeom prst="line">
+              <a:avLst/>
+            </a:prstGeom>
+            <a:ln>
+              <a:solidFill>
+                <a:schemeClr val="tx1"/>
+              </a:solidFill>
+            </a:ln>
+          </p:spPr>
+          <p:style>
+            <a:lnRef idx="1">
+              <a:schemeClr val="accent1"/>
+            </a:lnRef>
+            <a:fillRef idx="0">
+              <a:schemeClr val="accent1"/>
+            </a:fillRef>
+            <a:effectRef idx="0">
+              <a:schemeClr val="accent1"/>
+            </a:effectRef>
+            <a:fontRef idx="minor">
+              <a:schemeClr val="tx1"/>
+            </a:fontRef>
+          </p:style>
+        </p:cxnSp>
+      </p:grpSp>
+      <p:cxnSp>
+        <p:nvCxnSpPr>
+          <p:cNvPr id="390" name="Elbow Connector 389"/>
+          <p:cNvCxnSpPr/>
+          <p:nvPr/>
+        </p:nvCxnSpPr>
+        <p:spPr>
+          <a:xfrm rot="10800000">
+            <a:off x="1795070" y="2669468"/>
+            <a:ext cx="149494" cy="122989"/>
+          </a:xfrm>
+          <a:prstGeom prst="bentConnector3">
+            <a:avLst>
+              <a:gd name="adj1" fmla="val -972"/>
+            </a:avLst>
+          </a:prstGeom>
+          <a:ln w="12700">
+            <a:solidFill>
+              <a:schemeClr val="tx1"/>
+            </a:solidFill>
+          </a:ln>
+        </p:spPr>
+        <p:style>
+          <a:lnRef idx="1">
+            <a:schemeClr val="accent1"/>
+          </a:lnRef>
+          <a:fillRef idx="0">
+            <a:schemeClr val="accent1"/>
+          </a:fillRef>
+          <a:effectRef idx="0">
+            <a:schemeClr val="accent1"/>
+          </a:effectRef>
+          <a:fontRef idx="minor">
+            <a:schemeClr val="tx1"/>
+          </a:fontRef>
+        </p:style>
+      </p:cxnSp>
+      <p:sp>
+        <p:nvSpPr>
+          <p:cNvPr id="393" name="TextBox 392"/>
+          <p:cNvSpPr txBox="1"/>
+          <p:nvPr/>
+        </p:nvSpPr>
+        <p:spPr>
+          <a:xfrm>
+            <a:off x="3395561" y="4740859"/>
+            <a:ext cx="385243" cy="415498"/>
+          </a:xfrm>
+          <a:prstGeom prst="rect">
+            <a:avLst/>
+          </a:prstGeom>
+          <a:noFill/>
+        </p:spPr>
+        <p:txBody>
+          <a:bodyPr wrap="square" rtlCol="0">
+            <a:spAutoFit/>
+          </a:bodyPr>
+          <a:lstStyle/>
+          <a:p>
+            <a:pPr algn="r">
+              <a:lnSpc>
+                <a:spcPct val="150000"/>
+              </a:lnSpc>
+            </a:pPr>
+            <a:r>
+              <a:rPr lang="en-US" sz="1400" dirty="0" smtClean="0"/>
+              <a:t>2A</a:t>
+            </a:r>
+          </a:p>
+        </p:txBody>
+      </p:sp>
+      <p:sp>
+        <p:nvSpPr>
+          <p:cNvPr id="394" name="TextBox 393"/>
+          <p:cNvSpPr txBox="1"/>
+          <p:nvPr/>
+        </p:nvSpPr>
+        <p:spPr>
+          <a:xfrm>
+            <a:off x="476858" y="5600202"/>
+            <a:ext cx="1545844" cy="415498"/>
+          </a:xfrm>
+          <a:prstGeom prst="rect">
+            <a:avLst/>
+          </a:prstGeom>
+          <a:noFill/>
+        </p:spPr>
+        <p:txBody>
+          <a:bodyPr wrap="square" rtlCol="0">
+            <a:spAutoFit/>
+          </a:bodyPr>
+          <a:lstStyle/>
+          <a:p>
+            <a:pPr algn="r">
+              <a:lnSpc>
+                <a:spcPct val="150000"/>
+              </a:lnSpc>
+            </a:pPr>
+            <a:r>
+              <a:rPr lang="en-US" sz="1400" dirty="0" smtClean="0"/>
+              <a:t>2W M140 445 NM</a:t>
+            </a:r>
+          </a:p>
+        </p:txBody>
+      </p:sp>
     </p:spTree>
     <p:extLst>
       <p:ext uri="{BB962C8B-B14F-4D97-AF65-F5344CB8AC3E}">
